--- a/MER.pptx
+++ b/MER.pptx
@@ -7,6 +7,7 @@
   <p:sldIdLst>
     <p:sldId id="256" r:id="rId2"/>
     <p:sldId id="257" r:id="rId3"/>
+    <p:sldId id="258" r:id="rId4"/>
   </p:sldIdLst>
   <p:sldSz cx="12192000" cy="6858000"/>
   <p:notesSz cx="6735763" cy="9866313"/>
@@ -105,6 +106,11 @@
       </a:defRPr>
     </a:lvl9pPr>
   </p:defaultTextStyle>
+  <p:extLst>
+    <p:ext uri="{EFAFB233-063F-42B5-8137-9DF3F51BA10A}">
+      <p15:sldGuideLst xmlns:p15="http://schemas.microsoft.com/office/powerpoint/2012/main"/>
+    </p:ext>
+  </p:extLst>
 </p:presentation>
 </file>
 
@@ -255,7 +261,7 @@
           <a:p>
             <a:fld id="{731FA3DD-8445-4B89-BCEF-F47659F62463}" type="datetimeFigureOut">
               <a:rPr lang="es-ES" smtClean="0"/>
-              <a:t>01/12/2022</a:t>
+              <a:t>13/12/2022</a:t>
             </a:fld>
             <a:endParaRPr lang="es-ES"/>
           </a:p>
@@ -453,7 +459,7 @@
           <a:p>
             <a:fld id="{731FA3DD-8445-4B89-BCEF-F47659F62463}" type="datetimeFigureOut">
               <a:rPr lang="es-ES" smtClean="0"/>
-              <a:t>01/12/2022</a:t>
+              <a:t>13/12/2022</a:t>
             </a:fld>
             <a:endParaRPr lang="es-ES"/>
           </a:p>
@@ -661,7 +667,7 @@
           <a:p>
             <a:fld id="{731FA3DD-8445-4B89-BCEF-F47659F62463}" type="datetimeFigureOut">
               <a:rPr lang="es-ES" smtClean="0"/>
-              <a:t>01/12/2022</a:t>
+              <a:t>13/12/2022</a:t>
             </a:fld>
             <a:endParaRPr lang="es-ES"/>
           </a:p>
@@ -859,7 +865,7 @@
           <a:p>
             <a:fld id="{731FA3DD-8445-4B89-BCEF-F47659F62463}" type="datetimeFigureOut">
               <a:rPr lang="es-ES" smtClean="0"/>
-              <a:t>01/12/2022</a:t>
+              <a:t>13/12/2022</a:t>
             </a:fld>
             <a:endParaRPr lang="es-ES"/>
           </a:p>
@@ -1134,7 +1140,7 @@
           <a:p>
             <a:fld id="{731FA3DD-8445-4B89-BCEF-F47659F62463}" type="datetimeFigureOut">
               <a:rPr lang="es-ES" smtClean="0"/>
-              <a:t>01/12/2022</a:t>
+              <a:t>13/12/2022</a:t>
             </a:fld>
             <a:endParaRPr lang="es-ES"/>
           </a:p>
@@ -1399,7 +1405,7 @@
           <a:p>
             <a:fld id="{731FA3DD-8445-4B89-BCEF-F47659F62463}" type="datetimeFigureOut">
               <a:rPr lang="es-ES" smtClean="0"/>
-              <a:t>01/12/2022</a:t>
+              <a:t>13/12/2022</a:t>
             </a:fld>
             <a:endParaRPr lang="es-ES"/>
           </a:p>
@@ -1811,7 +1817,7 @@
           <a:p>
             <a:fld id="{731FA3DD-8445-4B89-BCEF-F47659F62463}" type="datetimeFigureOut">
               <a:rPr lang="es-ES" smtClean="0"/>
-              <a:t>01/12/2022</a:t>
+              <a:t>13/12/2022</a:t>
             </a:fld>
             <a:endParaRPr lang="es-ES"/>
           </a:p>
@@ -1952,7 +1958,7 @@
           <a:p>
             <a:fld id="{731FA3DD-8445-4B89-BCEF-F47659F62463}" type="datetimeFigureOut">
               <a:rPr lang="es-ES" smtClean="0"/>
-              <a:t>01/12/2022</a:t>
+              <a:t>13/12/2022</a:t>
             </a:fld>
             <a:endParaRPr lang="es-ES"/>
           </a:p>
@@ -2065,7 +2071,7 @@
           <a:p>
             <a:fld id="{731FA3DD-8445-4B89-BCEF-F47659F62463}" type="datetimeFigureOut">
               <a:rPr lang="es-ES" smtClean="0"/>
-              <a:t>01/12/2022</a:t>
+              <a:t>13/12/2022</a:t>
             </a:fld>
             <a:endParaRPr lang="es-ES"/>
           </a:p>
@@ -2376,7 +2382,7 @@
           <a:p>
             <a:fld id="{731FA3DD-8445-4B89-BCEF-F47659F62463}" type="datetimeFigureOut">
               <a:rPr lang="es-ES" smtClean="0"/>
-              <a:t>01/12/2022</a:t>
+              <a:t>13/12/2022</a:t>
             </a:fld>
             <a:endParaRPr lang="es-ES"/>
           </a:p>
@@ -2664,7 +2670,7 @@
           <a:p>
             <a:fld id="{731FA3DD-8445-4B89-BCEF-F47659F62463}" type="datetimeFigureOut">
               <a:rPr lang="es-ES" smtClean="0"/>
-              <a:t>01/12/2022</a:t>
+              <a:t>13/12/2022</a:t>
             </a:fld>
             <a:endParaRPr lang="es-ES"/>
           </a:p>
@@ -2905,7 +2911,7 @@
           <a:p>
             <a:fld id="{731FA3DD-8445-4B89-BCEF-F47659F62463}" type="datetimeFigureOut">
               <a:rPr lang="es-ES" smtClean="0"/>
-              <a:t>01/12/2022</a:t>
+              <a:t>13/12/2022</a:t>
             </a:fld>
             <a:endParaRPr lang="es-ES"/>
           </a:p>
@@ -3336,7 +3342,7 @@
         </p:nvSpPr>
         <p:spPr>
           <a:xfrm>
-            <a:off x="2205151" y="768344"/>
+            <a:off x="3683078" y="1587052"/>
             <a:ext cx="1440000" cy="396000"/>
           </a:xfrm>
           <a:prstGeom prst="flowChartProcess">
@@ -3366,7 +3372,7 @@
             <a:pPr algn="ctr"/>
             <a:r>
               <a:rPr lang="es-ES" sz="1400" dirty="0"/>
-              <a:t>Cliente</a:t>
+              <a:t>Clientes</a:t>
             </a:r>
           </a:p>
         </p:txBody>
@@ -3385,7 +3391,7 @@
         </p:nvSpPr>
         <p:spPr>
           <a:xfrm>
-            <a:off x="5680571" y="768344"/>
+            <a:off x="7158498" y="1587052"/>
             <a:ext cx="1440000" cy="396000"/>
           </a:xfrm>
           <a:prstGeom prst="flowChartProcess">
@@ -3415,7 +3421,7 @@
             <a:pPr algn="ctr"/>
             <a:r>
               <a:rPr lang="es-ES" sz="1400" dirty="0"/>
-              <a:t>Factura</a:t>
+              <a:t>Facturas</a:t>
             </a:r>
           </a:p>
         </p:txBody>
@@ -3434,7 +3440,7 @@
         </p:nvSpPr>
         <p:spPr>
           <a:xfrm>
-            <a:off x="5691791" y="2297935"/>
+            <a:off x="7169718" y="3116643"/>
             <a:ext cx="1440000" cy="396000"/>
           </a:xfrm>
           <a:prstGeom prst="flowChartProcess">
@@ -3484,7 +3490,7 @@
         </p:nvSpPr>
         <p:spPr>
           <a:xfrm>
-            <a:off x="5694723" y="3810018"/>
+            <a:off x="7172650" y="4628726"/>
             <a:ext cx="1440000" cy="396000"/>
           </a:xfrm>
           <a:prstGeom prst="flowChartProcess">
@@ -3533,7 +3539,7 @@
         </p:nvSpPr>
         <p:spPr>
           <a:xfrm>
-            <a:off x="824945" y="2472013"/>
+            <a:off x="2322607" y="4600208"/>
             <a:ext cx="1440000" cy="396000"/>
           </a:xfrm>
           <a:prstGeom prst="flowChartProcess">
@@ -3583,7 +3589,7 @@
         </p:nvSpPr>
         <p:spPr>
           <a:xfrm>
-            <a:off x="3320622" y="1574802"/>
+            <a:off x="4798549" y="2393510"/>
             <a:ext cx="1440000" cy="396000"/>
           </a:xfrm>
           <a:prstGeom prst="flowChartDecision">
@@ -3636,8 +3642,8 @@
         </p:nvCxnSpPr>
         <p:spPr>
           <a:xfrm flipH="1">
-            <a:off x="1544945" y="1164344"/>
-            <a:ext cx="1380206" cy="369752"/>
+            <a:off x="3022872" y="1983052"/>
+            <a:ext cx="1380206" cy="735513"/>
           </a:xfrm>
           <a:prstGeom prst="line">
             <a:avLst/>
@@ -3672,7 +3678,7 @@
         </p:nvSpPr>
         <p:spPr>
           <a:xfrm>
-            <a:off x="3192416" y="1102998"/>
+            <a:off x="4670343" y="1921706"/>
             <a:ext cx="250390" cy="246221"/>
           </a:xfrm>
           <a:prstGeom prst="rect">
@@ -3707,7 +3713,7 @@
         </p:nvSpPr>
         <p:spPr>
           <a:xfrm>
-            <a:off x="2274099" y="1116122"/>
+            <a:off x="3927241" y="1934830"/>
             <a:ext cx="250390" cy="246221"/>
           </a:xfrm>
           <a:prstGeom prst="rect">
@@ -3742,7 +3748,7 @@
         </p:nvSpPr>
         <p:spPr>
           <a:xfrm>
-            <a:off x="3336571" y="2489079"/>
+            <a:off x="4814498" y="3307787"/>
             <a:ext cx="1440000" cy="396000"/>
           </a:xfrm>
           <a:prstGeom prst="flowChartProcess">
@@ -3792,7 +3798,7 @@
         </p:nvSpPr>
         <p:spPr>
           <a:xfrm>
-            <a:off x="824945" y="1534096"/>
+            <a:off x="2302872" y="2718565"/>
             <a:ext cx="1440000" cy="396000"/>
           </a:xfrm>
           <a:prstGeom prst="flowChartDecision">
@@ -3841,7 +3847,7 @@
         </p:nvSpPr>
         <p:spPr>
           <a:xfrm>
-            <a:off x="4030296" y="2258149"/>
+            <a:off x="5508223" y="3076857"/>
             <a:ext cx="268022" cy="246221"/>
           </a:xfrm>
           <a:prstGeom prst="rect">
@@ -3876,7 +3882,7 @@
         </p:nvSpPr>
         <p:spPr>
           <a:xfrm>
-            <a:off x="3960461" y="768344"/>
+            <a:off x="5438388" y="1587052"/>
             <a:ext cx="1440000" cy="396000"/>
           </a:xfrm>
           <a:prstGeom prst="flowChartDecision">
@@ -3929,7 +3935,7 @@
         </p:nvCxnSpPr>
         <p:spPr>
           <a:xfrm>
-            <a:off x="3645151" y="966344"/>
+            <a:off x="5123078" y="1785052"/>
             <a:ext cx="315310" cy="0"/>
           </a:xfrm>
           <a:prstGeom prst="line">
@@ -3968,7 +3974,7 @@
         </p:nvCxnSpPr>
         <p:spPr>
           <a:xfrm>
-            <a:off x="5400461" y="966344"/>
+            <a:off x="6878388" y="1785052"/>
             <a:ext cx="280110" cy="0"/>
           </a:xfrm>
           <a:prstGeom prst="line">
@@ -4004,7 +4010,7 @@
         </p:nvSpPr>
         <p:spPr>
           <a:xfrm>
-            <a:off x="3677611" y="761434"/>
+            <a:off x="5155538" y="1580142"/>
             <a:ext cx="250390" cy="246221"/>
           </a:xfrm>
           <a:prstGeom prst="rect">
@@ -4039,7 +4045,7 @@
         </p:nvSpPr>
         <p:spPr>
           <a:xfrm>
-            <a:off x="5447749" y="738403"/>
+            <a:off x="6925676" y="1557111"/>
             <a:ext cx="268022" cy="246221"/>
           </a:xfrm>
           <a:prstGeom prst="rect">
@@ -4074,7 +4080,7 @@
         </p:nvSpPr>
         <p:spPr>
           <a:xfrm>
-            <a:off x="5685564" y="1534096"/>
+            <a:off x="7163491" y="2352804"/>
             <a:ext cx="1440000" cy="396000"/>
           </a:xfrm>
           <a:prstGeom prst="flowChartDecision">
@@ -4123,7 +4129,7 @@
         </p:nvSpPr>
         <p:spPr>
           <a:xfrm>
-            <a:off x="6338733" y="1142460"/>
+            <a:off x="7816660" y="1961168"/>
             <a:ext cx="250390" cy="246221"/>
           </a:xfrm>
           <a:prstGeom prst="rect">
@@ -4158,7 +4164,7 @@
         </p:nvSpPr>
         <p:spPr>
           <a:xfrm>
-            <a:off x="6359960" y="2077675"/>
+            <a:off x="7837887" y="2896383"/>
             <a:ext cx="268022" cy="246221"/>
           </a:xfrm>
           <a:prstGeom prst="rect">
@@ -4193,7 +4199,7 @@
         </p:nvSpPr>
         <p:spPr>
           <a:xfrm>
-            <a:off x="5694723" y="3061922"/>
+            <a:off x="7172650" y="3880630"/>
             <a:ext cx="1440000" cy="396000"/>
           </a:xfrm>
           <a:prstGeom prst="flowChartDecision">
@@ -4242,7 +4248,7 @@
         </p:nvSpPr>
         <p:spPr>
           <a:xfrm>
-            <a:off x="6377592" y="3606007"/>
+            <a:off x="7855519" y="4424715"/>
             <a:ext cx="250390" cy="246221"/>
           </a:xfrm>
           <a:prstGeom prst="rect">
@@ -4277,7 +4283,7 @@
         </p:nvSpPr>
         <p:spPr>
           <a:xfrm>
-            <a:off x="5680443" y="5353610"/>
+            <a:off x="7158370" y="6172318"/>
             <a:ext cx="1440000" cy="396000"/>
           </a:xfrm>
           <a:prstGeom prst="flowChartProcess">
@@ -4326,7 +4332,7 @@
         </p:nvSpPr>
         <p:spPr>
           <a:xfrm>
-            <a:off x="5683503" y="4589748"/>
+            <a:off x="7161430" y="5408456"/>
             <a:ext cx="1440000" cy="396000"/>
           </a:xfrm>
           <a:prstGeom prst="flowChartDecision">
@@ -4355,8 +4361,8 @@
           <a:p>
             <a:pPr algn="ctr"/>
             <a:r>
-              <a:rPr lang="es-ES" sz="1400" dirty="0"/>
-              <a:t>Genera</a:t>
+              <a:rPr lang="es-ES" sz="1000" dirty="0"/>
+              <a:t>Pertenece</a:t>
             </a:r>
           </a:p>
         </p:txBody>
@@ -4375,7 +4381,7 @@
         </p:nvSpPr>
         <p:spPr>
           <a:xfrm>
-            <a:off x="6360032" y="5152956"/>
+            <a:off x="7837959" y="5971664"/>
             <a:ext cx="250390" cy="246221"/>
           </a:xfrm>
           <a:prstGeom prst="rect">
@@ -4410,7 +4416,7 @@
         </p:nvSpPr>
         <p:spPr>
           <a:xfrm>
-            <a:off x="6329917" y="4183134"/>
+            <a:off x="7807844" y="5001842"/>
             <a:ext cx="268022" cy="246221"/>
           </a:xfrm>
           <a:prstGeom prst="rect">
@@ -4449,8 +4455,8 @@
         </p:nvCxnSpPr>
         <p:spPr>
           <a:xfrm>
-            <a:off x="1544945" y="1930096"/>
-            <a:ext cx="0" cy="541917"/>
+            <a:off x="3022872" y="3114565"/>
+            <a:ext cx="19735" cy="1485643"/>
           </a:xfrm>
           <a:prstGeom prst="line">
             <a:avLst/>
@@ -4489,7 +4495,7 @@
         </p:nvCxnSpPr>
         <p:spPr>
           <a:xfrm>
-            <a:off x="2925151" y="1164344"/>
+            <a:off x="4403078" y="1983052"/>
             <a:ext cx="1115471" cy="410458"/>
           </a:xfrm>
           <a:prstGeom prst="line">
@@ -4529,7 +4535,7 @@
         </p:nvCxnSpPr>
         <p:spPr>
           <a:xfrm>
-            <a:off x="4040622" y="1970802"/>
+            <a:off x="5518549" y="2789510"/>
             <a:ext cx="15949" cy="518277"/>
           </a:xfrm>
           <a:prstGeom prst="line">
@@ -4567,7 +4573,7 @@
         </p:nvCxnSpPr>
         <p:spPr>
           <a:xfrm>
-            <a:off x="6404167" y="1165275"/>
+            <a:off x="7882094" y="1983983"/>
             <a:ext cx="0" cy="360000"/>
           </a:xfrm>
           <a:prstGeom prst="line">
@@ -4605,7 +4611,7 @@
         </p:nvCxnSpPr>
         <p:spPr>
           <a:xfrm>
-            <a:off x="6407911" y="1931341"/>
+            <a:off x="7885838" y="2750049"/>
             <a:ext cx="0" cy="360000"/>
           </a:xfrm>
           <a:prstGeom prst="line">
@@ -4643,7 +4649,7 @@
         </p:nvCxnSpPr>
         <p:spPr>
           <a:xfrm>
-            <a:off x="6413521" y="2693751"/>
+            <a:off x="7891448" y="3512459"/>
             <a:ext cx="0" cy="360000"/>
           </a:xfrm>
           <a:prstGeom prst="line">
@@ -4681,7 +4687,7 @@
         </p:nvCxnSpPr>
         <p:spPr>
           <a:xfrm>
-            <a:off x="6413521" y="3451391"/>
+            <a:off x="7891448" y="4270099"/>
             <a:ext cx="0" cy="360000"/>
           </a:xfrm>
           <a:prstGeom prst="line">
@@ -4719,7 +4725,7 @@
         </p:nvCxnSpPr>
         <p:spPr>
           <a:xfrm>
-            <a:off x="6400571" y="4213881"/>
+            <a:off x="7878498" y="5032589"/>
             <a:ext cx="0" cy="360000"/>
           </a:xfrm>
           <a:prstGeom prst="line">
@@ -4757,7 +4763,7 @@
         </p:nvCxnSpPr>
         <p:spPr>
           <a:xfrm>
-            <a:off x="6397703" y="4985748"/>
+            <a:off x="7875630" y="5804456"/>
             <a:ext cx="0" cy="360000"/>
           </a:xfrm>
           <a:prstGeom prst="line">
@@ -4793,7 +4799,7 @@
         </p:nvSpPr>
         <p:spPr>
           <a:xfrm>
-            <a:off x="9173010" y="3799126"/>
+            <a:off x="10650937" y="4617834"/>
             <a:ext cx="1440000" cy="396000"/>
           </a:xfrm>
           <a:prstGeom prst="flowChartProcess">
@@ -4842,7 +4848,7 @@
         </p:nvSpPr>
         <p:spPr>
           <a:xfrm>
-            <a:off x="7434751" y="3790134"/>
+            <a:off x="8912678" y="4608842"/>
             <a:ext cx="1440000" cy="396000"/>
           </a:xfrm>
           <a:prstGeom prst="flowChartDecision">
@@ -4894,7 +4900,7 @@
         </p:nvCxnSpPr>
         <p:spPr>
           <a:xfrm>
-            <a:off x="7119441" y="3988134"/>
+            <a:off x="8597368" y="4806842"/>
             <a:ext cx="315310" cy="0"/>
           </a:xfrm>
           <a:prstGeom prst="line">
@@ -4932,7 +4938,7 @@
         </p:nvCxnSpPr>
         <p:spPr>
           <a:xfrm>
-            <a:off x="8874751" y="3988134"/>
+            <a:off x="10352678" y="4806842"/>
             <a:ext cx="280110" cy="0"/>
           </a:xfrm>
           <a:prstGeom prst="line">
@@ -4968,7 +4974,7 @@
         </p:nvSpPr>
         <p:spPr>
           <a:xfrm>
-            <a:off x="7151901" y="3783224"/>
+            <a:off x="8629828" y="4601932"/>
             <a:ext cx="250390" cy="246221"/>
           </a:xfrm>
           <a:prstGeom prst="rect">
@@ -5003,7 +5009,7 @@
         </p:nvSpPr>
         <p:spPr>
           <a:xfrm>
-            <a:off x="8922039" y="3760193"/>
+            <a:off x="10399966" y="4578901"/>
             <a:ext cx="268022" cy="246221"/>
           </a:xfrm>
           <a:prstGeom prst="rect">
@@ -5038,7 +5044,7 @@
         </p:nvSpPr>
         <p:spPr>
           <a:xfrm>
-            <a:off x="1544945" y="2237850"/>
+            <a:off x="3022872" y="4398506"/>
             <a:ext cx="268022" cy="246221"/>
           </a:xfrm>
           <a:prstGeom prst="rect">
@@ -5073,7 +5079,1394 @@
         </p:nvSpPr>
         <p:spPr>
           <a:xfrm>
-            <a:off x="6359960" y="2845353"/>
+            <a:off x="7837887" y="3664061"/>
+            <a:ext cx="268022" cy="246221"/>
+          </a:xfrm>
+          <a:prstGeom prst="rect">
+            <a:avLst/>
+          </a:prstGeom>
+          <a:noFill/>
+        </p:spPr>
+        <p:txBody>
+          <a:bodyPr wrap="none" rtlCol="0">
+            <a:spAutoFit/>
+          </a:bodyPr>
+          <a:lstStyle/>
+          <a:p>
+            <a:r>
+              <a:rPr lang="es-ES" sz="1000" dirty="0"/>
+              <a:t>N</a:t>
+            </a:r>
+          </a:p>
+        </p:txBody>
+      </p:sp>
+      <p:sp>
+        <p:nvSpPr>
+          <p:cNvPr id="3" name="Diagrama de flujo: decisión 2">
+            <a:extLst>
+              <a:ext uri="{FF2B5EF4-FFF2-40B4-BE49-F238E27FC236}">
+                <a16:creationId xmlns:a16="http://schemas.microsoft.com/office/drawing/2014/main" id="{29782C87-5D14-5A28-D4A9-3CA321864D3E}"/>
+              </a:ext>
+            </a:extLst>
+          </p:cNvPr>
+          <p:cNvSpPr/>
+          <p:nvPr/>
+        </p:nvSpPr>
+        <p:spPr>
+          <a:xfrm>
+            <a:off x="4795538" y="4608842"/>
+            <a:ext cx="1440000" cy="396000"/>
+          </a:xfrm>
+          <a:prstGeom prst="flowChartDecision">
+            <a:avLst/>
+          </a:prstGeom>
+        </p:spPr>
+        <p:style>
+          <a:lnRef idx="2">
+            <a:schemeClr val="accent1">
+              <a:shade val="50000"/>
+            </a:schemeClr>
+          </a:lnRef>
+          <a:fillRef idx="1">
+            <a:schemeClr val="accent1"/>
+          </a:fillRef>
+          <a:effectRef idx="0">
+            <a:schemeClr val="accent1"/>
+          </a:effectRef>
+          <a:fontRef idx="minor">
+            <a:schemeClr val="lt1"/>
+          </a:fontRef>
+        </p:style>
+        <p:txBody>
+          <a:bodyPr rtlCol="0" anchor="ctr"/>
+          <a:lstStyle/>
+          <a:p>
+            <a:pPr algn="ctr"/>
+            <a:r>
+              <a:rPr lang="es-ES" sz="1100" dirty="0"/>
+              <a:t>Contiene</a:t>
+            </a:r>
+          </a:p>
+        </p:txBody>
+      </p:sp>
+      <p:sp>
+        <p:nvSpPr>
+          <p:cNvPr id="10" name="CuadroTexto 9">
+            <a:extLst>
+              <a:ext uri="{FF2B5EF4-FFF2-40B4-BE49-F238E27FC236}">
+                <a16:creationId xmlns:a16="http://schemas.microsoft.com/office/drawing/2014/main" id="{F175F5B8-16E2-92F8-1104-45741E45DF72}"/>
+              </a:ext>
+            </a:extLst>
+          </p:cNvPr>
+          <p:cNvSpPr txBox="1"/>
+          <p:nvPr/>
+        </p:nvSpPr>
+        <p:spPr>
+          <a:xfrm>
+            <a:off x="6949062" y="4578901"/>
+            <a:ext cx="250390" cy="246221"/>
+          </a:xfrm>
+          <a:prstGeom prst="rect">
+            <a:avLst/>
+          </a:prstGeom>
+          <a:noFill/>
+        </p:spPr>
+        <p:txBody>
+          <a:bodyPr wrap="none" rtlCol="0">
+            <a:spAutoFit/>
+          </a:bodyPr>
+          <a:lstStyle/>
+          <a:p>
+            <a:r>
+              <a:rPr lang="es-ES" sz="1000" dirty="0"/>
+              <a:t>1</a:t>
+            </a:r>
+          </a:p>
+        </p:txBody>
+      </p:sp>
+      <p:cxnSp>
+        <p:nvCxnSpPr>
+          <p:cNvPr id="12" name="Conector recto 11">
+            <a:extLst>
+              <a:ext uri="{FF2B5EF4-FFF2-40B4-BE49-F238E27FC236}">
+                <a16:creationId xmlns:a16="http://schemas.microsoft.com/office/drawing/2014/main" id="{EBEF3BF3-82ED-E1C1-57E0-3CA60E7E4D9C}"/>
+              </a:ext>
+            </a:extLst>
+          </p:cNvPr>
+          <p:cNvCxnSpPr>
+            <a:cxnSpLocks/>
+            <a:endCxn id="3" idx="0"/>
+          </p:cNvCxnSpPr>
+          <p:nvPr/>
+        </p:nvCxnSpPr>
+        <p:spPr>
+          <a:xfrm>
+            <a:off x="5509062" y="3711311"/>
+            <a:ext cx="6476" cy="897531"/>
+          </a:xfrm>
+          <a:prstGeom prst="line">
+            <a:avLst/>
+          </a:prstGeom>
+        </p:spPr>
+        <p:style>
+          <a:lnRef idx="1">
+            <a:schemeClr val="accent1"/>
+          </a:lnRef>
+          <a:fillRef idx="0">
+            <a:schemeClr val="accent1"/>
+          </a:fillRef>
+          <a:effectRef idx="0">
+            <a:schemeClr val="accent1"/>
+          </a:effectRef>
+          <a:fontRef idx="minor">
+            <a:schemeClr val="tx1"/>
+          </a:fontRef>
+        </p:style>
+      </p:cxnSp>
+      <p:sp>
+        <p:nvSpPr>
+          <p:cNvPr id="18" name="CuadroTexto 17">
+            <a:extLst>
+              <a:ext uri="{FF2B5EF4-FFF2-40B4-BE49-F238E27FC236}">
+                <a16:creationId xmlns:a16="http://schemas.microsoft.com/office/drawing/2014/main" id="{012189AC-C35E-362D-FA0A-402A4942DEDF}"/>
+              </a:ext>
+            </a:extLst>
+          </p:cNvPr>
+          <p:cNvSpPr txBox="1"/>
+          <p:nvPr/>
+        </p:nvSpPr>
+        <p:spPr>
+          <a:xfrm>
+            <a:off x="5508223" y="3718245"/>
+            <a:ext cx="268022" cy="246221"/>
+          </a:xfrm>
+          <a:prstGeom prst="rect">
+            <a:avLst/>
+          </a:prstGeom>
+          <a:noFill/>
+        </p:spPr>
+        <p:txBody>
+          <a:bodyPr wrap="none" rtlCol="0">
+            <a:spAutoFit/>
+          </a:bodyPr>
+          <a:lstStyle/>
+          <a:p>
+            <a:r>
+              <a:rPr lang="es-ES" sz="1000" dirty="0"/>
+              <a:t>N</a:t>
+            </a:r>
+          </a:p>
+        </p:txBody>
+      </p:sp>
+      <p:cxnSp>
+        <p:nvCxnSpPr>
+          <p:cNvPr id="19" name="Conector recto 18">
+            <a:extLst>
+              <a:ext uri="{FF2B5EF4-FFF2-40B4-BE49-F238E27FC236}">
+                <a16:creationId xmlns:a16="http://schemas.microsoft.com/office/drawing/2014/main" id="{FB0B9A85-9359-0FE3-7D5B-3A78A6A9D92B}"/>
+              </a:ext>
+            </a:extLst>
+          </p:cNvPr>
+          <p:cNvCxnSpPr>
+            <a:cxnSpLocks/>
+          </p:cNvCxnSpPr>
+          <p:nvPr/>
+        </p:nvCxnSpPr>
+        <p:spPr>
+          <a:xfrm>
+            <a:off x="6235538" y="4808460"/>
+            <a:ext cx="937112" cy="10892"/>
+          </a:xfrm>
+          <a:prstGeom prst="line">
+            <a:avLst/>
+          </a:prstGeom>
+        </p:spPr>
+        <p:style>
+          <a:lnRef idx="1">
+            <a:schemeClr val="accent1"/>
+          </a:lnRef>
+          <a:fillRef idx="0">
+            <a:schemeClr val="accent1"/>
+          </a:fillRef>
+          <a:effectRef idx="0">
+            <a:schemeClr val="accent1"/>
+          </a:effectRef>
+          <a:fontRef idx="minor">
+            <a:schemeClr val="tx1"/>
+          </a:fontRef>
+        </p:style>
+      </p:cxnSp>
+      <p:cxnSp>
+        <p:nvCxnSpPr>
+          <p:cNvPr id="28" name="Conector recto 27">
+            <a:extLst>
+              <a:ext uri="{FF2B5EF4-FFF2-40B4-BE49-F238E27FC236}">
+                <a16:creationId xmlns:a16="http://schemas.microsoft.com/office/drawing/2014/main" id="{2628782D-18A3-A1DF-8D3E-AB0E209355AA}"/>
+              </a:ext>
+            </a:extLst>
+          </p:cNvPr>
+          <p:cNvCxnSpPr>
+            <a:cxnSpLocks/>
+            <a:stCxn id="8" idx="3"/>
+            <a:endCxn id="3" idx="1"/>
+          </p:cNvCxnSpPr>
+          <p:nvPr/>
+        </p:nvCxnSpPr>
+        <p:spPr>
+          <a:xfrm>
+            <a:off x="3762607" y="4798208"/>
+            <a:ext cx="1032931" cy="8634"/>
+          </a:xfrm>
+          <a:prstGeom prst="line">
+            <a:avLst/>
+          </a:prstGeom>
+        </p:spPr>
+        <p:style>
+          <a:lnRef idx="1">
+            <a:schemeClr val="accent1"/>
+          </a:lnRef>
+          <a:fillRef idx="0">
+            <a:schemeClr val="accent1"/>
+          </a:fillRef>
+          <a:effectRef idx="0">
+            <a:schemeClr val="accent1"/>
+          </a:effectRef>
+          <a:fontRef idx="minor">
+            <a:schemeClr val="tx1"/>
+          </a:fontRef>
+        </p:style>
+      </p:cxnSp>
+      <p:sp>
+        <p:nvSpPr>
+          <p:cNvPr id="39" name="CuadroTexto 38">
+            <a:extLst>
+              <a:ext uri="{FF2B5EF4-FFF2-40B4-BE49-F238E27FC236}">
+                <a16:creationId xmlns:a16="http://schemas.microsoft.com/office/drawing/2014/main" id="{7695C21F-E373-F801-06AC-071A1B63D6BC}"/>
+              </a:ext>
+            </a:extLst>
+          </p:cNvPr>
+          <p:cNvSpPr txBox="1"/>
+          <p:nvPr/>
+        </p:nvSpPr>
+        <p:spPr>
+          <a:xfrm>
+            <a:off x="3758950" y="4569613"/>
+            <a:ext cx="268022" cy="246221"/>
+          </a:xfrm>
+          <a:prstGeom prst="rect">
+            <a:avLst/>
+          </a:prstGeom>
+          <a:noFill/>
+        </p:spPr>
+        <p:txBody>
+          <a:bodyPr wrap="none" rtlCol="0">
+            <a:spAutoFit/>
+          </a:bodyPr>
+          <a:lstStyle/>
+          <a:p>
+            <a:r>
+              <a:rPr lang="es-ES" sz="1000" dirty="0"/>
+              <a:t>N</a:t>
+            </a:r>
+          </a:p>
+        </p:txBody>
+      </p:sp>
+      <p:sp>
+        <p:nvSpPr>
+          <p:cNvPr id="41" name="Diagrama de flujo: proceso 40">
+            <a:extLst>
+              <a:ext uri="{FF2B5EF4-FFF2-40B4-BE49-F238E27FC236}">
+                <a16:creationId xmlns:a16="http://schemas.microsoft.com/office/drawing/2014/main" id="{CB239B61-E498-797C-82FC-1B40254FAB4C}"/>
+              </a:ext>
+            </a:extLst>
+          </p:cNvPr>
+          <p:cNvSpPr/>
+          <p:nvPr/>
+        </p:nvSpPr>
+        <p:spPr>
+          <a:xfrm>
+            <a:off x="374086" y="1588502"/>
+            <a:ext cx="1440000" cy="396000"/>
+          </a:xfrm>
+          <a:prstGeom prst="flowChartProcess">
+            <a:avLst/>
+          </a:prstGeom>
+        </p:spPr>
+        <p:style>
+          <a:lnRef idx="2">
+            <a:schemeClr val="accent4">
+              <a:shade val="50000"/>
+            </a:schemeClr>
+          </a:lnRef>
+          <a:fillRef idx="1">
+            <a:schemeClr val="accent4"/>
+          </a:fillRef>
+          <a:effectRef idx="0">
+            <a:schemeClr val="accent4"/>
+          </a:effectRef>
+          <a:fontRef idx="minor">
+            <a:schemeClr val="lt1"/>
+          </a:fontRef>
+        </p:style>
+        <p:txBody>
+          <a:bodyPr rtlCol="0" anchor="ctr"/>
+          <a:lstStyle/>
+          <a:p>
+            <a:pPr algn="ctr"/>
+            <a:r>
+              <a:rPr lang="es-ES" sz="1400" dirty="0"/>
+              <a:t>Domicilios</a:t>
+            </a:r>
+          </a:p>
+        </p:txBody>
+      </p:sp>
+      <p:sp>
+        <p:nvSpPr>
+          <p:cNvPr id="44" name="Diagrama de flujo: decisión 43">
+            <a:extLst>
+              <a:ext uri="{FF2B5EF4-FFF2-40B4-BE49-F238E27FC236}">
+                <a16:creationId xmlns:a16="http://schemas.microsoft.com/office/drawing/2014/main" id="{519992D5-9E0F-4FD8-10F2-1F7053B8B10D}"/>
+              </a:ext>
+            </a:extLst>
+          </p:cNvPr>
+          <p:cNvSpPr/>
+          <p:nvPr/>
+        </p:nvSpPr>
+        <p:spPr>
+          <a:xfrm>
+            <a:off x="2077250" y="1588956"/>
+            <a:ext cx="1440000" cy="396000"/>
+          </a:xfrm>
+          <a:prstGeom prst="flowChartDecision">
+            <a:avLst/>
+          </a:prstGeom>
+        </p:spPr>
+        <p:style>
+          <a:lnRef idx="2">
+            <a:schemeClr val="accent1">
+              <a:shade val="50000"/>
+            </a:schemeClr>
+          </a:lnRef>
+          <a:fillRef idx="1">
+            <a:schemeClr val="accent1"/>
+          </a:fillRef>
+          <a:effectRef idx="0">
+            <a:schemeClr val="accent1"/>
+          </a:effectRef>
+          <a:fontRef idx="minor">
+            <a:schemeClr val="lt1"/>
+          </a:fontRef>
+        </p:style>
+        <p:txBody>
+          <a:bodyPr rtlCol="0" anchor="ctr"/>
+          <a:lstStyle/>
+          <a:p>
+            <a:pPr algn="ctr"/>
+            <a:r>
+              <a:rPr lang="es-ES" sz="1400" dirty="0"/>
+              <a:t>Posee</a:t>
+            </a:r>
+          </a:p>
+        </p:txBody>
+      </p:sp>
+      <p:sp>
+        <p:nvSpPr>
+          <p:cNvPr id="45" name="CuadroTexto 44">
+            <a:extLst>
+              <a:ext uri="{FF2B5EF4-FFF2-40B4-BE49-F238E27FC236}">
+                <a16:creationId xmlns:a16="http://schemas.microsoft.com/office/drawing/2014/main" id="{9E372EDC-AA90-3F37-AB2B-2C2625A1B7E5}"/>
+              </a:ext>
+            </a:extLst>
+          </p:cNvPr>
+          <p:cNvSpPr txBox="1"/>
+          <p:nvPr/>
+        </p:nvSpPr>
+        <p:spPr>
+          <a:xfrm>
+            <a:off x="3465718" y="1580141"/>
+            <a:ext cx="250390" cy="246221"/>
+          </a:xfrm>
+          <a:prstGeom prst="rect">
+            <a:avLst/>
+          </a:prstGeom>
+          <a:noFill/>
+        </p:spPr>
+        <p:txBody>
+          <a:bodyPr wrap="none" rtlCol="0">
+            <a:spAutoFit/>
+          </a:bodyPr>
+          <a:lstStyle/>
+          <a:p>
+            <a:r>
+              <a:rPr lang="es-ES" sz="1000" dirty="0"/>
+              <a:t>1</a:t>
+            </a:r>
+          </a:p>
+        </p:txBody>
+      </p:sp>
+      <p:sp>
+        <p:nvSpPr>
+          <p:cNvPr id="48" name="CuadroTexto 47">
+            <a:extLst>
+              <a:ext uri="{FF2B5EF4-FFF2-40B4-BE49-F238E27FC236}">
+                <a16:creationId xmlns:a16="http://schemas.microsoft.com/office/drawing/2014/main" id="{8D09BD34-019F-0C6E-7BB5-3AF1789E8A93}"/>
+              </a:ext>
+            </a:extLst>
+          </p:cNvPr>
+          <p:cNvSpPr txBox="1"/>
+          <p:nvPr/>
+        </p:nvSpPr>
+        <p:spPr>
+          <a:xfrm>
+            <a:off x="1767595" y="1550051"/>
+            <a:ext cx="268022" cy="246221"/>
+          </a:xfrm>
+          <a:prstGeom prst="rect">
+            <a:avLst/>
+          </a:prstGeom>
+          <a:noFill/>
+        </p:spPr>
+        <p:txBody>
+          <a:bodyPr wrap="none" rtlCol="0">
+            <a:spAutoFit/>
+          </a:bodyPr>
+          <a:lstStyle/>
+          <a:p>
+            <a:r>
+              <a:rPr lang="es-ES" sz="1000" dirty="0"/>
+              <a:t>N</a:t>
+            </a:r>
+          </a:p>
+        </p:txBody>
+      </p:sp>
+      <p:cxnSp>
+        <p:nvCxnSpPr>
+          <p:cNvPr id="49" name="Conector recto 48">
+            <a:extLst>
+              <a:ext uri="{FF2B5EF4-FFF2-40B4-BE49-F238E27FC236}">
+                <a16:creationId xmlns:a16="http://schemas.microsoft.com/office/drawing/2014/main" id="{8125961A-3EC9-C424-043F-878DE0E7C8AC}"/>
+              </a:ext>
+            </a:extLst>
+          </p:cNvPr>
+          <p:cNvCxnSpPr>
+            <a:cxnSpLocks/>
+            <a:stCxn id="4" idx="1"/>
+            <a:endCxn id="44" idx="3"/>
+          </p:cNvCxnSpPr>
+          <p:nvPr/>
+        </p:nvCxnSpPr>
+        <p:spPr>
+          <a:xfrm flipH="1">
+            <a:off x="3517250" y="1785052"/>
+            <a:ext cx="165828" cy="1904"/>
+          </a:xfrm>
+          <a:prstGeom prst="line">
+            <a:avLst/>
+          </a:prstGeom>
+        </p:spPr>
+        <p:style>
+          <a:lnRef idx="1">
+            <a:schemeClr val="accent1"/>
+          </a:lnRef>
+          <a:fillRef idx="0">
+            <a:schemeClr val="accent1"/>
+          </a:fillRef>
+          <a:effectRef idx="0">
+            <a:schemeClr val="accent1"/>
+          </a:effectRef>
+          <a:fontRef idx="minor">
+            <a:schemeClr val="tx1"/>
+          </a:fontRef>
+        </p:style>
+      </p:cxnSp>
+      <p:cxnSp>
+        <p:nvCxnSpPr>
+          <p:cNvPr id="52" name="Conector recto 51">
+            <a:extLst>
+              <a:ext uri="{FF2B5EF4-FFF2-40B4-BE49-F238E27FC236}">
+                <a16:creationId xmlns:a16="http://schemas.microsoft.com/office/drawing/2014/main" id="{33DAD06C-F209-E850-BCDA-17DFE6B0272B}"/>
+              </a:ext>
+            </a:extLst>
+          </p:cNvPr>
+          <p:cNvCxnSpPr>
+            <a:cxnSpLocks/>
+            <a:stCxn id="44" idx="1"/>
+            <a:endCxn id="41" idx="3"/>
+          </p:cNvCxnSpPr>
+          <p:nvPr/>
+        </p:nvCxnSpPr>
+        <p:spPr>
+          <a:xfrm flipH="1" flipV="1">
+            <a:off x="1814086" y="1786502"/>
+            <a:ext cx="263164" cy="454"/>
+          </a:xfrm>
+          <a:prstGeom prst="line">
+            <a:avLst/>
+          </a:prstGeom>
+        </p:spPr>
+        <p:style>
+          <a:lnRef idx="1">
+            <a:schemeClr val="accent1"/>
+          </a:lnRef>
+          <a:fillRef idx="0">
+            <a:schemeClr val="accent1"/>
+          </a:fillRef>
+          <a:effectRef idx="0">
+            <a:schemeClr val="accent1"/>
+          </a:effectRef>
+          <a:fontRef idx="minor">
+            <a:schemeClr val="tx1"/>
+          </a:fontRef>
+        </p:style>
+      </p:cxnSp>
+      <p:cxnSp>
+        <p:nvCxnSpPr>
+          <p:cNvPr id="55" name="Conector recto 54">
+            <a:extLst>
+              <a:ext uri="{FF2B5EF4-FFF2-40B4-BE49-F238E27FC236}">
+                <a16:creationId xmlns:a16="http://schemas.microsoft.com/office/drawing/2014/main" id="{68B169D4-2E56-5E9E-C5C8-B4AE8A78B092}"/>
+              </a:ext>
+            </a:extLst>
+          </p:cNvPr>
+          <p:cNvCxnSpPr>
+            <a:cxnSpLocks/>
+          </p:cNvCxnSpPr>
+          <p:nvPr/>
+        </p:nvCxnSpPr>
+        <p:spPr>
+          <a:xfrm>
+            <a:off x="1073255" y="1227052"/>
+            <a:ext cx="0" cy="360000"/>
+          </a:xfrm>
+          <a:prstGeom prst="line">
+            <a:avLst/>
+          </a:prstGeom>
+        </p:spPr>
+        <p:style>
+          <a:lnRef idx="1">
+            <a:schemeClr val="accent1"/>
+          </a:lnRef>
+          <a:fillRef idx="0">
+            <a:schemeClr val="accent1"/>
+          </a:fillRef>
+          <a:effectRef idx="0">
+            <a:schemeClr val="accent1"/>
+          </a:effectRef>
+          <a:fontRef idx="minor">
+            <a:schemeClr val="tx1"/>
+          </a:fontRef>
+        </p:style>
+      </p:cxnSp>
+      <p:cxnSp>
+        <p:nvCxnSpPr>
+          <p:cNvPr id="57" name="Conector recto 56">
+            <a:extLst>
+              <a:ext uri="{FF2B5EF4-FFF2-40B4-BE49-F238E27FC236}">
+                <a16:creationId xmlns:a16="http://schemas.microsoft.com/office/drawing/2014/main" id="{DF6B64C9-A4F2-6BDF-551F-EE8461A3FBD9}"/>
+              </a:ext>
+            </a:extLst>
+          </p:cNvPr>
+          <p:cNvCxnSpPr>
+            <a:cxnSpLocks/>
+            <a:endCxn id="75" idx="1"/>
+          </p:cNvCxnSpPr>
+          <p:nvPr/>
+        </p:nvCxnSpPr>
+        <p:spPr>
+          <a:xfrm>
+            <a:off x="1073255" y="1221606"/>
+            <a:ext cx="2685695" cy="119"/>
+          </a:xfrm>
+          <a:prstGeom prst="line">
+            <a:avLst/>
+          </a:prstGeom>
+        </p:spPr>
+        <p:style>
+          <a:lnRef idx="1">
+            <a:schemeClr val="accent1"/>
+          </a:lnRef>
+          <a:fillRef idx="0">
+            <a:schemeClr val="accent1"/>
+          </a:fillRef>
+          <a:effectRef idx="0">
+            <a:schemeClr val="accent1"/>
+          </a:effectRef>
+          <a:fontRef idx="minor">
+            <a:schemeClr val="tx1"/>
+          </a:fontRef>
+        </p:style>
+      </p:cxnSp>
+      <p:sp>
+        <p:nvSpPr>
+          <p:cNvPr id="75" name="Diagrama de flujo: decisión 74">
+            <a:extLst>
+              <a:ext uri="{FF2B5EF4-FFF2-40B4-BE49-F238E27FC236}">
+                <a16:creationId xmlns:a16="http://schemas.microsoft.com/office/drawing/2014/main" id="{594156BB-EC33-4B8E-AB8C-D3E3ED723E1B}"/>
+              </a:ext>
+            </a:extLst>
+          </p:cNvPr>
+          <p:cNvSpPr/>
+          <p:nvPr/>
+        </p:nvSpPr>
+        <p:spPr>
+          <a:xfrm>
+            <a:off x="3758950" y="1023725"/>
+            <a:ext cx="1440000" cy="396000"/>
+          </a:xfrm>
+          <a:prstGeom prst="flowChartDecision">
+            <a:avLst/>
+          </a:prstGeom>
+        </p:spPr>
+        <p:style>
+          <a:lnRef idx="2">
+            <a:schemeClr val="accent1">
+              <a:shade val="50000"/>
+            </a:schemeClr>
+          </a:lnRef>
+          <a:fillRef idx="1">
+            <a:schemeClr val="accent1"/>
+          </a:fillRef>
+          <a:effectRef idx="0">
+            <a:schemeClr val="accent1"/>
+          </a:effectRef>
+          <a:fontRef idx="minor">
+            <a:schemeClr val="lt1"/>
+          </a:fontRef>
+        </p:style>
+        <p:txBody>
+          <a:bodyPr rtlCol="0" anchor="ctr"/>
+          <a:lstStyle/>
+          <a:p>
+            <a:pPr algn="ctr"/>
+            <a:r>
+              <a:rPr lang="es-ES" sz="1400" dirty="0"/>
+              <a:t>Consta</a:t>
+            </a:r>
+          </a:p>
+        </p:txBody>
+      </p:sp>
+      <p:cxnSp>
+        <p:nvCxnSpPr>
+          <p:cNvPr id="76" name="Conector recto 75">
+            <a:extLst>
+              <a:ext uri="{FF2B5EF4-FFF2-40B4-BE49-F238E27FC236}">
+                <a16:creationId xmlns:a16="http://schemas.microsoft.com/office/drawing/2014/main" id="{BA0759FD-A5D2-48AE-EEE8-33299624C87D}"/>
+              </a:ext>
+            </a:extLst>
+          </p:cNvPr>
+          <p:cNvCxnSpPr>
+            <a:cxnSpLocks/>
+          </p:cNvCxnSpPr>
+          <p:nvPr/>
+        </p:nvCxnSpPr>
+        <p:spPr>
+          <a:xfrm flipV="1">
+            <a:off x="5215799" y="1220141"/>
+            <a:ext cx="2666295" cy="1465"/>
+          </a:xfrm>
+          <a:prstGeom prst="line">
+            <a:avLst/>
+          </a:prstGeom>
+        </p:spPr>
+        <p:style>
+          <a:lnRef idx="1">
+            <a:schemeClr val="accent1"/>
+          </a:lnRef>
+          <a:fillRef idx="0">
+            <a:schemeClr val="accent1"/>
+          </a:fillRef>
+          <a:effectRef idx="0">
+            <a:schemeClr val="accent1"/>
+          </a:effectRef>
+          <a:fontRef idx="minor">
+            <a:schemeClr val="tx1"/>
+          </a:fontRef>
+        </p:style>
+      </p:cxnSp>
+      <p:cxnSp>
+        <p:nvCxnSpPr>
+          <p:cNvPr id="77" name="Conector recto 76">
+            <a:extLst>
+              <a:ext uri="{FF2B5EF4-FFF2-40B4-BE49-F238E27FC236}">
+                <a16:creationId xmlns:a16="http://schemas.microsoft.com/office/drawing/2014/main" id="{53D350DA-CC1E-5EF0-A313-AAABBDB639D5}"/>
+              </a:ext>
+            </a:extLst>
+          </p:cNvPr>
+          <p:cNvCxnSpPr>
+            <a:cxnSpLocks/>
+          </p:cNvCxnSpPr>
+          <p:nvPr/>
+        </p:nvCxnSpPr>
+        <p:spPr>
+          <a:xfrm>
+            <a:off x="7875630" y="1220141"/>
+            <a:ext cx="0" cy="360000"/>
+          </a:xfrm>
+          <a:prstGeom prst="line">
+            <a:avLst/>
+          </a:prstGeom>
+        </p:spPr>
+        <p:style>
+          <a:lnRef idx="1">
+            <a:schemeClr val="accent1"/>
+          </a:lnRef>
+          <a:fillRef idx="0">
+            <a:schemeClr val="accent1"/>
+          </a:fillRef>
+          <a:effectRef idx="0">
+            <a:schemeClr val="accent1"/>
+          </a:effectRef>
+          <a:fontRef idx="minor">
+            <a:schemeClr val="tx1"/>
+          </a:fontRef>
+        </p:style>
+      </p:cxnSp>
+      <p:sp>
+        <p:nvSpPr>
+          <p:cNvPr id="80" name="CuadroTexto 79">
+            <a:extLst>
+              <a:ext uri="{FF2B5EF4-FFF2-40B4-BE49-F238E27FC236}">
+                <a16:creationId xmlns:a16="http://schemas.microsoft.com/office/drawing/2014/main" id="{F58639BE-9EF5-0DFA-EF13-592A70E0970E}"/>
+              </a:ext>
+            </a:extLst>
+          </p:cNvPr>
+          <p:cNvSpPr txBox="1"/>
+          <p:nvPr/>
+        </p:nvSpPr>
+        <p:spPr>
+          <a:xfrm>
+            <a:off x="1031932" y="1331556"/>
+            <a:ext cx="250390" cy="246221"/>
+          </a:xfrm>
+          <a:prstGeom prst="rect">
+            <a:avLst/>
+          </a:prstGeom>
+          <a:noFill/>
+        </p:spPr>
+        <p:txBody>
+          <a:bodyPr wrap="none" rtlCol="0">
+            <a:spAutoFit/>
+          </a:bodyPr>
+          <a:lstStyle/>
+          <a:p>
+            <a:r>
+              <a:rPr lang="es-ES" sz="1000" dirty="0"/>
+              <a:t>1</a:t>
+            </a:r>
+          </a:p>
+        </p:txBody>
+      </p:sp>
+      <p:sp>
+        <p:nvSpPr>
+          <p:cNvPr id="81" name="CuadroTexto 80">
+            <a:extLst>
+              <a:ext uri="{FF2B5EF4-FFF2-40B4-BE49-F238E27FC236}">
+                <a16:creationId xmlns:a16="http://schemas.microsoft.com/office/drawing/2014/main" id="{0AC616C9-57B5-AA87-26C7-BB49691A5F9A}"/>
+              </a:ext>
+            </a:extLst>
+          </p:cNvPr>
+          <p:cNvSpPr txBox="1"/>
+          <p:nvPr/>
+        </p:nvSpPr>
+        <p:spPr>
+          <a:xfrm>
+            <a:off x="7628076" y="1369185"/>
+            <a:ext cx="268022" cy="246221"/>
+          </a:xfrm>
+          <a:prstGeom prst="rect">
+            <a:avLst/>
+          </a:prstGeom>
+          <a:noFill/>
+        </p:spPr>
+        <p:txBody>
+          <a:bodyPr wrap="none" rtlCol="0">
+            <a:spAutoFit/>
+          </a:bodyPr>
+          <a:lstStyle/>
+          <a:p>
+            <a:r>
+              <a:rPr lang="es-ES" sz="1000" dirty="0"/>
+              <a:t>N</a:t>
+            </a:r>
+          </a:p>
+        </p:txBody>
+      </p:sp>
+      <p:sp>
+        <p:nvSpPr>
+          <p:cNvPr id="82" name="Diagrama de flujo: proceso 81">
+            <a:extLst>
+              <a:ext uri="{FF2B5EF4-FFF2-40B4-BE49-F238E27FC236}">
+                <a16:creationId xmlns:a16="http://schemas.microsoft.com/office/drawing/2014/main" id="{E45A40AA-30BE-08A0-105F-9535F6CB4C25}"/>
+              </a:ext>
+            </a:extLst>
+          </p:cNvPr>
+          <p:cNvSpPr/>
+          <p:nvPr/>
+        </p:nvSpPr>
+        <p:spPr>
+          <a:xfrm>
+            <a:off x="374694" y="2591510"/>
+            <a:ext cx="1440000" cy="396000"/>
+          </a:xfrm>
+          <a:prstGeom prst="flowChartProcess">
+            <a:avLst/>
+          </a:prstGeom>
+        </p:spPr>
+        <p:style>
+          <a:lnRef idx="2">
+            <a:schemeClr val="accent4">
+              <a:shade val="50000"/>
+            </a:schemeClr>
+          </a:lnRef>
+          <a:fillRef idx="1">
+            <a:schemeClr val="accent4"/>
+          </a:fillRef>
+          <a:effectRef idx="0">
+            <a:schemeClr val="accent4"/>
+          </a:effectRef>
+          <a:fontRef idx="minor">
+            <a:schemeClr val="lt1"/>
+          </a:fontRef>
+        </p:style>
+        <p:txBody>
+          <a:bodyPr rtlCol="0" anchor="ctr"/>
+          <a:lstStyle/>
+          <a:p>
+            <a:pPr algn="ctr"/>
+            <a:r>
+              <a:rPr lang="es-ES" sz="1400" dirty="0"/>
+              <a:t>Tarjetas</a:t>
+            </a:r>
+          </a:p>
+        </p:txBody>
+      </p:sp>
+      <p:cxnSp>
+        <p:nvCxnSpPr>
+          <p:cNvPr id="83" name="Conector recto 82">
+            <a:extLst>
+              <a:ext uri="{FF2B5EF4-FFF2-40B4-BE49-F238E27FC236}">
+                <a16:creationId xmlns:a16="http://schemas.microsoft.com/office/drawing/2014/main" id="{B6E9536C-284E-21AB-7295-9D237023BD14}"/>
+              </a:ext>
+            </a:extLst>
+          </p:cNvPr>
+          <p:cNvCxnSpPr>
+            <a:cxnSpLocks/>
+            <a:stCxn id="99" idx="1"/>
+            <a:endCxn id="82" idx="3"/>
+          </p:cNvCxnSpPr>
+          <p:nvPr/>
+        </p:nvCxnSpPr>
+        <p:spPr>
+          <a:xfrm flipH="1">
+            <a:off x="1814694" y="2282278"/>
+            <a:ext cx="287347" cy="507232"/>
+          </a:xfrm>
+          <a:prstGeom prst="line">
+            <a:avLst/>
+          </a:prstGeom>
+        </p:spPr>
+        <p:style>
+          <a:lnRef idx="1">
+            <a:schemeClr val="accent1"/>
+          </a:lnRef>
+          <a:fillRef idx="0">
+            <a:schemeClr val="accent1"/>
+          </a:fillRef>
+          <a:effectRef idx="0">
+            <a:schemeClr val="accent1"/>
+          </a:effectRef>
+          <a:fontRef idx="minor">
+            <a:schemeClr val="tx1"/>
+          </a:fontRef>
+        </p:style>
+      </p:cxnSp>
+      <p:sp>
+        <p:nvSpPr>
+          <p:cNvPr id="85" name="CuadroTexto 84">
+            <a:extLst>
+              <a:ext uri="{FF2B5EF4-FFF2-40B4-BE49-F238E27FC236}">
+                <a16:creationId xmlns:a16="http://schemas.microsoft.com/office/drawing/2014/main" id="{E9230B4A-3756-1A90-99BD-808EECAA1B67}"/>
+              </a:ext>
+            </a:extLst>
+          </p:cNvPr>
+          <p:cNvSpPr txBox="1"/>
+          <p:nvPr/>
+        </p:nvSpPr>
+        <p:spPr>
+          <a:xfrm>
+            <a:off x="1759413" y="2455399"/>
+            <a:ext cx="268022" cy="246221"/>
+          </a:xfrm>
+          <a:prstGeom prst="rect">
+            <a:avLst/>
+          </a:prstGeom>
+          <a:noFill/>
+        </p:spPr>
+        <p:txBody>
+          <a:bodyPr wrap="none" rtlCol="0">
+            <a:spAutoFit/>
+          </a:bodyPr>
+          <a:lstStyle/>
+          <a:p>
+            <a:r>
+              <a:rPr lang="es-ES" sz="1000" dirty="0"/>
+              <a:t>N</a:t>
+            </a:r>
+          </a:p>
+        </p:txBody>
+      </p:sp>
+      <p:cxnSp>
+        <p:nvCxnSpPr>
+          <p:cNvPr id="88" name="Conector recto 87">
+            <a:extLst>
+              <a:ext uri="{FF2B5EF4-FFF2-40B4-BE49-F238E27FC236}">
+                <a16:creationId xmlns:a16="http://schemas.microsoft.com/office/drawing/2014/main" id="{A19EE8EC-3F02-ADF5-1666-6AA70CEBFF44}"/>
+              </a:ext>
+            </a:extLst>
+          </p:cNvPr>
+          <p:cNvCxnSpPr>
+            <a:cxnSpLocks/>
+          </p:cNvCxnSpPr>
+          <p:nvPr/>
+        </p:nvCxnSpPr>
+        <p:spPr>
+          <a:xfrm>
+            <a:off x="180778" y="2791916"/>
+            <a:ext cx="193308" cy="0"/>
+          </a:xfrm>
+          <a:prstGeom prst="line">
+            <a:avLst/>
+          </a:prstGeom>
+        </p:spPr>
+        <p:style>
+          <a:lnRef idx="1">
+            <a:schemeClr val="accent1"/>
+          </a:lnRef>
+          <a:fillRef idx="0">
+            <a:schemeClr val="accent1"/>
+          </a:fillRef>
+          <a:effectRef idx="0">
+            <a:schemeClr val="accent1"/>
+          </a:effectRef>
+          <a:fontRef idx="minor">
+            <a:schemeClr val="tx1"/>
+          </a:fontRef>
+        </p:style>
+      </p:cxnSp>
+      <p:sp>
+        <p:nvSpPr>
+          <p:cNvPr id="91" name="CuadroTexto 90">
+            <a:extLst>
+              <a:ext uri="{FF2B5EF4-FFF2-40B4-BE49-F238E27FC236}">
+                <a16:creationId xmlns:a16="http://schemas.microsoft.com/office/drawing/2014/main" id="{D825A1AF-1748-9A9F-131F-B3D5D20E2C72}"/>
+              </a:ext>
+            </a:extLst>
+          </p:cNvPr>
+          <p:cNvSpPr txBox="1"/>
+          <p:nvPr/>
+        </p:nvSpPr>
+        <p:spPr>
+          <a:xfrm>
+            <a:off x="180778" y="2578509"/>
+            <a:ext cx="250390" cy="246221"/>
+          </a:xfrm>
+          <a:prstGeom prst="rect">
+            <a:avLst/>
+          </a:prstGeom>
+          <a:noFill/>
+        </p:spPr>
+        <p:txBody>
+          <a:bodyPr wrap="none" rtlCol="0">
+            <a:spAutoFit/>
+          </a:bodyPr>
+          <a:lstStyle/>
+          <a:p>
+            <a:r>
+              <a:rPr lang="es-ES" sz="1000" dirty="0"/>
+              <a:t>1</a:t>
+            </a:r>
+          </a:p>
+        </p:txBody>
+      </p:sp>
+      <p:cxnSp>
+        <p:nvCxnSpPr>
+          <p:cNvPr id="95" name="Conector recto 94">
+            <a:extLst>
+              <a:ext uri="{FF2B5EF4-FFF2-40B4-BE49-F238E27FC236}">
+                <a16:creationId xmlns:a16="http://schemas.microsoft.com/office/drawing/2014/main" id="{12102EA8-BA11-2AD1-E5DD-CE92E4730238}"/>
+              </a:ext>
+            </a:extLst>
+          </p:cNvPr>
+          <p:cNvCxnSpPr>
+            <a:cxnSpLocks/>
+          </p:cNvCxnSpPr>
+          <p:nvPr/>
+        </p:nvCxnSpPr>
+        <p:spPr>
+          <a:xfrm>
+            <a:off x="180778" y="720426"/>
+            <a:ext cx="0" cy="2061716"/>
+          </a:xfrm>
+          <a:prstGeom prst="line">
+            <a:avLst/>
+          </a:prstGeom>
+        </p:spPr>
+        <p:style>
+          <a:lnRef idx="1">
+            <a:schemeClr val="accent1"/>
+          </a:lnRef>
+          <a:fillRef idx="0">
+            <a:schemeClr val="accent1"/>
+          </a:fillRef>
+          <a:effectRef idx="0">
+            <a:schemeClr val="accent1"/>
+          </a:effectRef>
+          <a:fontRef idx="minor">
+            <a:schemeClr val="tx1"/>
+          </a:fontRef>
+        </p:style>
+      </p:cxnSp>
+      <p:cxnSp>
+        <p:nvCxnSpPr>
+          <p:cNvPr id="97" name="Conector recto 96">
+            <a:extLst>
+              <a:ext uri="{FF2B5EF4-FFF2-40B4-BE49-F238E27FC236}">
+                <a16:creationId xmlns:a16="http://schemas.microsoft.com/office/drawing/2014/main" id="{8EC1094B-37F3-5F9A-D1E8-C2E41EBC93EC}"/>
+              </a:ext>
+            </a:extLst>
+          </p:cNvPr>
+          <p:cNvCxnSpPr>
+            <a:cxnSpLocks/>
+            <a:endCxn id="105" idx="1"/>
+          </p:cNvCxnSpPr>
+          <p:nvPr/>
+        </p:nvCxnSpPr>
+        <p:spPr>
+          <a:xfrm flipV="1">
+            <a:off x="180778" y="720426"/>
+            <a:ext cx="3577672" cy="11304"/>
+          </a:xfrm>
+          <a:prstGeom prst="line">
+            <a:avLst/>
+          </a:prstGeom>
+        </p:spPr>
+        <p:style>
+          <a:lnRef idx="1">
+            <a:schemeClr val="accent1"/>
+          </a:lnRef>
+          <a:fillRef idx="0">
+            <a:schemeClr val="accent1"/>
+          </a:fillRef>
+          <a:effectRef idx="0">
+            <a:schemeClr val="accent1"/>
+          </a:effectRef>
+          <a:fontRef idx="minor">
+            <a:schemeClr val="tx1"/>
+          </a:fontRef>
+        </p:style>
+      </p:cxnSp>
+      <p:sp>
+        <p:nvSpPr>
+          <p:cNvPr id="99" name="Diagrama de flujo: decisión 98">
+            <a:extLst>
+              <a:ext uri="{FF2B5EF4-FFF2-40B4-BE49-F238E27FC236}">
+                <a16:creationId xmlns:a16="http://schemas.microsoft.com/office/drawing/2014/main" id="{4AF21117-2727-06CD-C1F0-71CB48920AFA}"/>
+              </a:ext>
+            </a:extLst>
+          </p:cNvPr>
+          <p:cNvSpPr/>
+          <p:nvPr/>
+        </p:nvSpPr>
+        <p:spPr>
+          <a:xfrm>
+            <a:off x="2102041" y="2084278"/>
+            <a:ext cx="1440000" cy="396000"/>
+          </a:xfrm>
+          <a:prstGeom prst="flowChartDecision">
+            <a:avLst/>
+          </a:prstGeom>
+        </p:spPr>
+        <p:style>
+          <a:lnRef idx="2">
+            <a:schemeClr val="accent1">
+              <a:shade val="50000"/>
+            </a:schemeClr>
+          </a:lnRef>
+          <a:fillRef idx="1">
+            <a:schemeClr val="accent1"/>
+          </a:fillRef>
+          <a:effectRef idx="0">
+            <a:schemeClr val="accent1"/>
+          </a:effectRef>
+          <a:fontRef idx="minor">
+            <a:schemeClr val="lt1"/>
+          </a:fontRef>
+        </p:style>
+        <p:txBody>
+          <a:bodyPr rtlCol="0" anchor="ctr"/>
+          <a:lstStyle/>
+          <a:p>
+            <a:pPr algn="ctr"/>
+            <a:r>
+              <a:rPr lang="es-ES" sz="1400" dirty="0"/>
+              <a:t>Posee</a:t>
+            </a:r>
+          </a:p>
+        </p:txBody>
+      </p:sp>
+      <p:cxnSp>
+        <p:nvCxnSpPr>
+          <p:cNvPr id="102" name="Conector recto 101">
+            <a:extLst>
+              <a:ext uri="{FF2B5EF4-FFF2-40B4-BE49-F238E27FC236}">
+                <a16:creationId xmlns:a16="http://schemas.microsoft.com/office/drawing/2014/main" id="{945F8CFC-D93D-4CA0-F901-7E10CB7759C8}"/>
+              </a:ext>
+            </a:extLst>
+          </p:cNvPr>
+          <p:cNvCxnSpPr>
+            <a:cxnSpLocks/>
+            <a:endCxn id="99" idx="3"/>
+          </p:cNvCxnSpPr>
+          <p:nvPr/>
+        </p:nvCxnSpPr>
+        <p:spPr>
+          <a:xfrm flipH="1">
+            <a:off x="3542041" y="1968746"/>
+            <a:ext cx="142527" cy="313532"/>
+          </a:xfrm>
+          <a:prstGeom prst="line">
+            <a:avLst/>
+          </a:prstGeom>
+        </p:spPr>
+        <p:style>
+          <a:lnRef idx="1">
+            <a:schemeClr val="accent1"/>
+          </a:lnRef>
+          <a:fillRef idx="0">
+            <a:schemeClr val="accent1"/>
+          </a:fillRef>
+          <a:effectRef idx="0">
+            <a:schemeClr val="accent1"/>
+          </a:effectRef>
+          <a:fontRef idx="minor">
+            <a:schemeClr val="tx1"/>
+          </a:fontRef>
+        </p:style>
+      </p:cxnSp>
+      <p:sp>
+        <p:nvSpPr>
+          <p:cNvPr id="104" name="CuadroTexto 103">
+            <a:extLst>
+              <a:ext uri="{FF2B5EF4-FFF2-40B4-BE49-F238E27FC236}">
+                <a16:creationId xmlns:a16="http://schemas.microsoft.com/office/drawing/2014/main" id="{8FFD334A-38A8-074D-7FE8-95C70F844519}"/>
+              </a:ext>
+            </a:extLst>
+          </p:cNvPr>
+          <p:cNvSpPr txBox="1"/>
+          <p:nvPr/>
+        </p:nvSpPr>
+        <p:spPr>
+          <a:xfrm>
+            <a:off x="3481138" y="1914120"/>
+            <a:ext cx="250390" cy="246221"/>
+          </a:xfrm>
+          <a:prstGeom prst="rect">
+            <a:avLst/>
+          </a:prstGeom>
+          <a:noFill/>
+        </p:spPr>
+        <p:txBody>
+          <a:bodyPr wrap="none" rtlCol="0">
+            <a:spAutoFit/>
+          </a:bodyPr>
+          <a:lstStyle/>
+          <a:p>
+            <a:r>
+              <a:rPr lang="es-ES" sz="1000" dirty="0"/>
+              <a:t>1</a:t>
+            </a:r>
+          </a:p>
+        </p:txBody>
+      </p:sp>
+      <p:sp>
+        <p:nvSpPr>
+          <p:cNvPr id="105" name="Diagrama de flujo: decisión 104">
+            <a:extLst>
+              <a:ext uri="{FF2B5EF4-FFF2-40B4-BE49-F238E27FC236}">
+                <a16:creationId xmlns:a16="http://schemas.microsoft.com/office/drawing/2014/main" id="{9EFA4DA0-2350-6FEF-1AC5-C4A44293C46C}"/>
+              </a:ext>
+            </a:extLst>
+          </p:cNvPr>
+          <p:cNvSpPr/>
+          <p:nvPr/>
+        </p:nvSpPr>
+        <p:spPr>
+          <a:xfrm>
+            <a:off x="3758450" y="522426"/>
+            <a:ext cx="1440000" cy="396000"/>
+          </a:xfrm>
+          <a:prstGeom prst="flowChartDecision">
+            <a:avLst/>
+          </a:prstGeom>
+        </p:spPr>
+        <p:style>
+          <a:lnRef idx="2">
+            <a:schemeClr val="accent1">
+              <a:shade val="50000"/>
+            </a:schemeClr>
+          </a:lnRef>
+          <a:fillRef idx="1">
+            <a:schemeClr val="accent1"/>
+          </a:fillRef>
+          <a:effectRef idx="0">
+            <a:schemeClr val="accent1"/>
+          </a:effectRef>
+          <a:fontRef idx="minor">
+            <a:schemeClr val="lt1"/>
+          </a:fontRef>
+        </p:style>
+        <p:txBody>
+          <a:bodyPr rtlCol="0" anchor="ctr"/>
+          <a:lstStyle/>
+          <a:p>
+            <a:pPr algn="ctr"/>
+            <a:r>
+              <a:rPr lang="es-ES" sz="1400" dirty="0"/>
+              <a:t>Consta</a:t>
+            </a:r>
+          </a:p>
+        </p:txBody>
+      </p:sp>
+      <p:cxnSp>
+        <p:nvCxnSpPr>
+          <p:cNvPr id="109" name="Conector recto 108">
+            <a:extLst>
+              <a:ext uri="{FF2B5EF4-FFF2-40B4-BE49-F238E27FC236}">
+                <a16:creationId xmlns:a16="http://schemas.microsoft.com/office/drawing/2014/main" id="{5ACF14C5-F518-DA86-1BB8-B5374B374303}"/>
+              </a:ext>
+            </a:extLst>
+          </p:cNvPr>
+          <p:cNvCxnSpPr>
+            <a:cxnSpLocks/>
+          </p:cNvCxnSpPr>
+          <p:nvPr/>
+        </p:nvCxnSpPr>
+        <p:spPr>
+          <a:xfrm>
+            <a:off x="5184723" y="719277"/>
+            <a:ext cx="3591398" cy="0"/>
+          </a:xfrm>
+          <a:prstGeom prst="line">
+            <a:avLst/>
+          </a:prstGeom>
+        </p:spPr>
+        <p:style>
+          <a:lnRef idx="1">
+            <a:schemeClr val="accent1"/>
+          </a:lnRef>
+          <a:fillRef idx="0">
+            <a:schemeClr val="accent1"/>
+          </a:fillRef>
+          <a:effectRef idx="0">
+            <a:schemeClr val="accent1"/>
+          </a:effectRef>
+          <a:fontRef idx="minor">
+            <a:schemeClr val="tx1"/>
+          </a:fontRef>
+        </p:style>
+      </p:cxnSp>
+      <p:cxnSp>
+        <p:nvCxnSpPr>
+          <p:cNvPr id="111" name="Conector recto 110">
+            <a:extLst>
+              <a:ext uri="{FF2B5EF4-FFF2-40B4-BE49-F238E27FC236}">
+                <a16:creationId xmlns:a16="http://schemas.microsoft.com/office/drawing/2014/main" id="{CBA3B0D8-186C-C975-5B72-05FE9C5EB38C}"/>
+              </a:ext>
+            </a:extLst>
+          </p:cNvPr>
+          <p:cNvCxnSpPr>
+            <a:cxnSpLocks/>
+          </p:cNvCxnSpPr>
+          <p:nvPr/>
+        </p:nvCxnSpPr>
+        <p:spPr>
+          <a:xfrm>
+            <a:off x="8776121" y="715446"/>
+            <a:ext cx="0" cy="1058974"/>
+          </a:xfrm>
+          <a:prstGeom prst="line">
+            <a:avLst/>
+          </a:prstGeom>
+        </p:spPr>
+        <p:style>
+          <a:lnRef idx="1">
+            <a:schemeClr val="accent1"/>
+          </a:lnRef>
+          <a:fillRef idx="0">
+            <a:schemeClr val="accent1"/>
+          </a:fillRef>
+          <a:effectRef idx="0">
+            <a:schemeClr val="accent1"/>
+          </a:effectRef>
+          <a:fontRef idx="minor">
+            <a:schemeClr val="tx1"/>
+          </a:fontRef>
+        </p:style>
+      </p:cxnSp>
+      <p:cxnSp>
+        <p:nvCxnSpPr>
+          <p:cNvPr id="113" name="Conector recto 112">
+            <a:extLst>
+              <a:ext uri="{FF2B5EF4-FFF2-40B4-BE49-F238E27FC236}">
+                <a16:creationId xmlns:a16="http://schemas.microsoft.com/office/drawing/2014/main" id="{C5037493-0217-607A-F803-ECE70B40CC87}"/>
+              </a:ext>
+            </a:extLst>
+          </p:cNvPr>
+          <p:cNvCxnSpPr>
+            <a:cxnSpLocks/>
+            <a:stCxn id="5" idx="3"/>
+          </p:cNvCxnSpPr>
+          <p:nvPr/>
+        </p:nvCxnSpPr>
+        <p:spPr>
+          <a:xfrm>
+            <a:off x="8598498" y="1785052"/>
+            <a:ext cx="177623" cy="0"/>
+          </a:xfrm>
+          <a:prstGeom prst="line">
+            <a:avLst/>
+          </a:prstGeom>
+        </p:spPr>
+        <p:style>
+          <a:lnRef idx="1">
+            <a:schemeClr val="accent1"/>
+          </a:lnRef>
+          <a:fillRef idx="0">
+            <a:schemeClr val="accent1"/>
+          </a:fillRef>
+          <a:effectRef idx="0">
+            <a:schemeClr val="accent1"/>
+          </a:effectRef>
+          <a:fontRef idx="minor">
+            <a:schemeClr val="tx1"/>
+          </a:fontRef>
+        </p:style>
+      </p:cxnSp>
+      <p:sp>
+        <p:nvSpPr>
+          <p:cNvPr id="118" name="CuadroTexto 117">
+            <a:extLst>
+              <a:ext uri="{FF2B5EF4-FFF2-40B4-BE49-F238E27FC236}">
+                <a16:creationId xmlns:a16="http://schemas.microsoft.com/office/drawing/2014/main" id="{309DD54A-FC8F-8DDC-A74E-61B7919A4FE1}"/>
+              </a:ext>
+            </a:extLst>
+          </p:cNvPr>
+          <p:cNvSpPr txBox="1"/>
+          <p:nvPr/>
+        </p:nvSpPr>
+        <p:spPr>
+          <a:xfrm>
+            <a:off x="8544235" y="1580140"/>
             <a:ext cx="268022" cy="246221"/>
           </a:xfrm>
           <a:prstGeom prst="rect">
@@ -5139,13 +6532,13 @@
           <p:nvPr>
             <p:extLst>
               <p:ext uri="{D42A27DB-BD31-4B8C-83A1-F6EECF244321}">
-                <p14:modId xmlns:p14="http://schemas.microsoft.com/office/powerpoint/2010/main" val="1411541247"/>
+                <p14:modId xmlns:p14="http://schemas.microsoft.com/office/powerpoint/2010/main" val="3143886433"/>
               </p:ext>
             </p:extLst>
           </p:nvPr>
         </p:nvGraphicFramePr>
         <p:xfrm>
-          <a:off x="7430886" y="5261085"/>
+          <a:off x="8278190" y="6163080"/>
           <a:ext cx="1347470" cy="514350"/>
         </p:xfrm>
         <a:graphic>
@@ -5395,13 +6788,13 @@
           <p:nvPr>
             <p:extLst>
               <p:ext uri="{D42A27DB-BD31-4B8C-83A1-F6EECF244321}">
-                <p14:modId xmlns:p14="http://schemas.microsoft.com/office/powerpoint/2010/main" val="1344099301"/>
+                <p14:modId xmlns:p14="http://schemas.microsoft.com/office/powerpoint/2010/main" val="2239457472"/>
               </p:ext>
             </p:extLst>
           </p:nvPr>
         </p:nvGraphicFramePr>
         <p:xfrm>
-          <a:off x="6891136" y="3667345"/>
+          <a:off x="7738440" y="4569340"/>
           <a:ext cx="1887220" cy="1200150"/>
         </p:xfrm>
         <a:graphic>
@@ -6033,7 +7426,7 @@
         </p:nvGrpSpPr>
         <p:grpSpPr>
           <a:xfrm rot="5400000">
-            <a:off x="8749083" y="4024266"/>
+            <a:off x="9596387" y="4926261"/>
             <a:ext cx="208671" cy="150125"/>
             <a:chOff x="4185313" y="1108364"/>
             <a:chExt cx="308755" cy="347397"/>
@@ -6185,7 +7578,7 @@
         </p:nvCxnSpPr>
         <p:spPr>
           <a:xfrm>
-            <a:off x="8778356" y="5518260"/>
+            <a:off x="9625660" y="6420255"/>
             <a:ext cx="461268" cy="0"/>
           </a:xfrm>
           <a:prstGeom prst="line">
@@ -6222,7 +7615,7 @@
         </p:nvCxnSpPr>
         <p:spPr>
           <a:xfrm>
-            <a:off x="8847443" y="5430501"/>
+            <a:off x="9694747" y="6332496"/>
             <a:ext cx="0" cy="163566"/>
           </a:xfrm>
           <a:prstGeom prst="line">
@@ -6261,7 +7654,7 @@
         </p:nvCxnSpPr>
         <p:spPr>
           <a:xfrm flipV="1">
-            <a:off x="9239624" y="4098324"/>
+            <a:off x="10086928" y="5000319"/>
             <a:ext cx="0" cy="1413960"/>
           </a:xfrm>
           <a:prstGeom prst="line">
@@ -6300,7 +7693,7 @@
         </p:nvCxnSpPr>
         <p:spPr>
           <a:xfrm>
-            <a:off x="8778356" y="4098324"/>
+            <a:off x="9625660" y="5000319"/>
             <a:ext cx="461268" cy="0"/>
           </a:xfrm>
           <a:prstGeom prst="line">
@@ -6338,13 +7731,13 @@
           <p:nvPr>
             <p:extLst>
               <p:ext uri="{D42A27DB-BD31-4B8C-83A1-F6EECF244321}">
-                <p14:modId xmlns:p14="http://schemas.microsoft.com/office/powerpoint/2010/main" val="4199763413"/>
+                <p14:modId xmlns:p14="http://schemas.microsoft.com/office/powerpoint/2010/main" val="3150219990"/>
               </p:ext>
             </p:extLst>
           </p:nvPr>
         </p:nvGraphicFramePr>
         <p:xfrm>
-          <a:off x="9796107" y="3519642"/>
+          <a:off x="10215733" y="4396432"/>
           <a:ext cx="1887220" cy="685800"/>
         </p:xfrm>
         <a:graphic>
@@ -6756,7 +8149,7 @@
         </p:nvCxnSpPr>
         <p:spPr>
           <a:xfrm>
-            <a:off x="8847443" y="3839396"/>
+            <a:off x="9694747" y="4741391"/>
             <a:ext cx="0" cy="163566"/>
           </a:xfrm>
           <a:prstGeom prst="line">
@@ -6793,7 +8186,7 @@
         </p:nvGrpSpPr>
         <p:grpSpPr>
           <a:xfrm rot="16200000">
-            <a:off x="9610733" y="3859764"/>
+            <a:off x="10029412" y="4752234"/>
             <a:ext cx="208671" cy="150125"/>
             <a:chOff x="4185313" y="1108364"/>
             <a:chExt cx="308755" cy="347397"/>
@@ -6944,14 +8337,14 @@
           <p:nvPr>
             <p:extLst>
               <p:ext uri="{D42A27DB-BD31-4B8C-83A1-F6EECF244321}">
-                <p14:modId xmlns:p14="http://schemas.microsoft.com/office/powerpoint/2010/main" val="26329204"/>
+                <p14:modId xmlns:p14="http://schemas.microsoft.com/office/powerpoint/2010/main" val="3262046337"/>
               </p:ext>
             </p:extLst>
           </p:nvPr>
         </p:nvGraphicFramePr>
         <p:xfrm>
-          <a:off x="6891136" y="2416505"/>
-          <a:ext cx="1887220" cy="857250"/>
+          <a:off x="7738440" y="3318500"/>
+          <a:ext cx="1887220" cy="1028700"/>
         </p:xfrm>
         <a:graphic>
           <a:graphicData uri="http://schemas.openxmlformats.org/drawingml/2006/table">
@@ -7071,7 +8464,7 @@
                         </a:spcAft>
                       </a:pPr>
                       <a:r>
-                        <a:rPr lang="en-US" sz="1100" b="0">
+                        <a:rPr lang="en-US" sz="1100" b="0" dirty="0">
                           <a:solidFill>
                             <a:schemeClr val="tx1"/>
                           </a:solidFill>
@@ -7079,7 +8472,7 @@
                         </a:rPr>
                         <a:t>Id (int) Primary Key</a:t>
                       </a:r>
-                      <a:endParaRPr lang="es-ES" sz="1100" b="0">
+                      <a:endParaRPr lang="es-ES" sz="1100" b="0" dirty="0">
                         <a:solidFill>
                           <a:schemeClr val="tx1"/>
                         </a:solidFill>
@@ -7348,7 +8741,6 @@
                         </a:solidFill>
                         <a:effectLst/>
                         <a:latin typeface="Calibri" panose="020F0502020204030204" pitchFamily="34" charset="0"/>
-                        <a:ea typeface="Calibri" panose="020F0502020204030204" pitchFamily="34" charset="0"/>
                         <a:cs typeface="Times New Roman" panose="02020603050405020304" pitchFamily="18" charset="0"/>
                       </a:endParaRPr>
                     </a:p>
@@ -7380,9 +8772,7 @@
                       <a:tailEnd type="none" w="med" len="med"/>
                     </a:lnT>
                     <a:lnB w="12700" cap="flat" cmpd="sng" algn="ctr">
-                      <a:solidFill>
-                        <a:schemeClr val="tx1"/>
-                      </a:solidFill>
+                      <a:noFill/>
                       <a:prstDash val="solid"/>
                       <a:round/>
                       <a:headEnd type="none" w="med" len="med"/>
@@ -7405,6 +8795,107 @@
                   </a:ext>
                 </a:extLst>
               </a:tr>
+              <a:tr h="0">
+                <a:tc>
+                  <a:txBody>
+                    <a:bodyPr/>
+                    <a:lstStyle/>
+                    <a:p>
+                      <a:pPr>
+                        <a:lnSpc>
+                          <a:spcPct val="107000"/>
+                        </a:lnSpc>
+                        <a:spcAft>
+                          <a:spcPts val="800"/>
+                        </a:spcAft>
+                      </a:pPr>
+                      <a:r>
+                        <a:rPr lang="es-ES" sz="1100" b="0" dirty="0">
+                          <a:solidFill>
+                            <a:schemeClr val="tx1"/>
+                          </a:solidFill>
+                          <a:effectLst/>
+                          <a:latin typeface="Calibri" panose="020F0502020204030204" pitchFamily="34" charset="0"/>
+                          <a:cs typeface="Times New Roman" panose="02020603050405020304" pitchFamily="18" charset="0"/>
+                        </a:rPr>
+                        <a:t>Precio (</a:t>
+                      </a:r>
+                      <a:r>
+                        <a:rPr lang="es-ES" sz="1100" b="0" dirty="0" err="1">
+                          <a:solidFill>
+                            <a:schemeClr val="tx1"/>
+                          </a:solidFill>
+                          <a:effectLst/>
+                          <a:latin typeface="Calibri" panose="020F0502020204030204" pitchFamily="34" charset="0"/>
+                          <a:cs typeface="Times New Roman" panose="02020603050405020304" pitchFamily="18" charset="0"/>
+                        </a:rPr>
+                        <a:t>double</a:t>
+                      </a:r>
+                      <a:r>
+                        <a:rPr lang="es-ES" sz="1100" b="0" dirty="0">
+                          <a:solidFill>
+                            <a:schemeClr val="tx1"/>
+                          </a:solidFill>
+                          <a:effectLst/>
+                          <a:latin typeface="Calibri" panose="020F0502020204030204" pitchFamily="34" charset="0"/>
+                          <a:cs typeface="Times New Roman" panose="02020603050405020304" pitchFamily="18" charset="0"/>
+                        </a:rPr>
+                        <a:t>)</a:t>
+                      </a:r>
+                    </a:p>
+                  </a:txBody>
+                  <a:tcPr marL="68580" marR="68580" marT="0" marB="0">
+                    <a:lnL w="12700" cap="flat" cmpd="sng" algn="ctr">
+                      <a:solidFill>
+                        <a:schemeClr val="tx1"/>
+                      </a:solidFill>
+                      <a:prstDash val="solid"/>
+                      <a:round/>
+                      <a:headEnd type="none" w="med" len="med"/>
+                      <a:tailEnd type="none" w="med" len="med"/>
+                    </a:lnL>
+                    <a:lnR w="12700" cap="flat" cmpd="sng" algn="ctr">
+                      <a:solidFill>
+                        <a:schemeClr val="tx1"/>
+                      </a:solidFill>
+                      <a:prstDash val="solid"/>
+                      <a:round/>
+                      <a:headEnd type="none" w="med" len="med"/>
+                      <a:tailEnd type="none" w="med" len="med"/>
+                    </a:lnR>
+                    <a:lnT w="12700" cap="flat" cmpd="sng" algn="ctr">
+                      <a:noFill/>
+                      <a:prstDash val="solid"/>
+                      <a:round/>
+                      <a:headEnd type="none" w="med" len="med"/>
+                      <a:tailEnd type="none" w="med" len="med"/>
+                    </a:lnT>
+                    <a:lnB w="12700" cap="flat" cmpd="sng" algn="ctr">
+                      <a:solidFill>
+                        <a:schemeClr val="tx1"/>
+                      </a:solidFill>
+                      <a:prstDash val="solid"/>
+                      <a:round/>
+                      <a:headEnd type="none" w="med" len="med"/>
+                      <a:tailEnd type="none" w="med" len="med"/>
+                    </a:lnB>
+                    <a:lnTlToBr w="12700" cmpd="sng">
+                      <a:noFill/>
+                      <a:prstDash val="solid"/>
+                    </a:lnTlToBr>
+                    <a:lnBlToTr w="12700" cmpd="sng">
+                      <a:noFill/>
+                      <a:prstDash val="solid"/>
+                    </a:lnBlToTr>
+                    <a:noFill/>
+                  </a:tcPr>
+                </a:tc>
+                <a:extLst>
+                  <a:ext uri="{0D108BD9-81ED-4DB2-BD59-A6C34878D82A}">
+                    <a16:rowId xmlns:a16="http://schemas.microsoft.com/office/drawing/2014/main" val="3039028330"/>
+                  </a:ext>
+                </a:extLst>
+              </a:tr>
             </a:tbl>
           </a:graphicData>
         </a:graphic>
@@ -7423,7 +8914,7 @@
         </p:nvGrpSpPr>
         <p:grpSpPr>
           <a:xfrm rot="16200000">
-            <a:off x="6711208" y="2946702"/>
+            <a:off x="7558512" y="3848697"/>
             <a:ext cx="208671" cy="150125"/>
             <a:chOff x="4185313" y="1108364"/>
             <a:chExt cx="308755" cy="347397"/>
@@ -7575,7 +9066,7 @@
         </p:nvCxnSpPr>
         <p:spPr>
           <a:xfrm>
-            <a:off x="6429868" y="3911740"/>
+            <a:off x="7277172" y="4813735"/>
             <a:ext cx="461268" cy="0"/>
           </a:xfrm>
           <a:prstGeom prst="line">
@@ -7614,7 +9105,7 @@
         </p:nvCxnSpPr>
         <p:spPr>
           <a:xfrm>
-            <a:off x="6815544" y="3829957"/>
+            <a:off x="7662848" y="4731952"/>
             <a:ext cx="0" cy="163566"/>
           </a:xfrm>
           <a:prstGeom prst="line">
@@ -7653,7 +9144,7 @@
         </p:nvCxnSpPr>
         <p:spPr>
           <a:xfrm flipV="1">
-            <a:off x="6429868" y="3022767"/>
+            <a:off x="7277172" y="3924762"/>
             <a:ext cx="0" cy="888973"/>
           </a:xfrm>
           <a:prstGeom prst="line">
@@ -7692,7 +9183,7 @@
         </p:nvCxnSpPr>
         <p:spPr>
           <a:xfrm>
-            <a:off x="6429868" y="3022767"/>
+            <a:off x="7277172" y="3924762"/>
             <a:ext cx="310612" cy="0"/>
           </a:xfrm>
           <a:prstGeom prst="line">
@@ -7730,14 +9221,14 @@
           <p:nvPr>
             <p:extLst>
               <p:ext uri="{D42A27DB-BD31-4B8C-83A1-F6EECF244321}">
-                <p14:modId xmlns:p14="http://schemas.microsoft.com/office/powerpoint/2010/main" val="1201478130"/>
+                <p14:modId xmlns:p14="http://schemas.microsoft.com/office/powerpoint/2010/main" val="1314283230"/>
               </p:ext>
             </p:extLst>
           </p:nvPr>
         </p:nvGraphicFramePr>
         <p:xfrm>
-          <a:off x="6890159" y="1189668"/>
-          <a:ext cx="1887220" cy="685800"/>
+          <a:off x="7737463" y="2091663"/>
+          <a:ext cx="1887220" cy="1028700"/>
         </p:xfrm>
         <a:graphic>
           <a:graphicData uri="http://schemas.openxmlformats.org/drawingml/2006/table">
@@ -7920,15 +9411,24 @@
                         </a:spcAft>
                       </a:pPr>
                       <a:r>
-                        <a:rPr lang="en-US" sz="1100" b="0">
+                        <a:rPr lang="en-US" sz="1100" b="0" dirty="0" err="1">
                           <a:solidFill>
                             <a:schemeClr val="tx1"/>
                           </a:solidFill>
                           <a:effectLst/>
                         </a:rPr>
-                        <a:t>Id_Cliente (int) Foreign Key</a:t>
+                        <a:t>Id_Cliente</a:t>
                       </a:r>
-                      <a:endParaRPr lang="es-ES" sz="1100" b="0">
+                      <a:r>
+                        <a:rPr lang="en-US" sz="1100" b="0" dirty="0">
+                          <a:solidFill>
+                            <a:schemeClr val="tx1"/>
+                          </a:solidFill>
+                          <a:effectLst/>
+                        </a:rPr>
+                        <a:t> (int) Foreign Key</a:t>
+                      </a:r>
+                      <a:endParaRPr lang="es-ES" sz="1100" b="0" dirty="0">
                         <a:solidFill>
                           <a:schemeClr val="tx1"/>
                         </a:solidFill>
@@ -7964,6 +9464,238 @@
                 <a:extLst>
                   <a:ext uri="{0D108BD9-81ED-4DB2-BD59-A6C34878D82A}">
                     <a16:rowId xmlns:a16="http://schemas.microsoft.com/office/drawing/2014/main" val="3122350079"/>
+                  </a:ext>
+                </a:extLst>
+              </a:tr>
+              <a:tr h="0">
+                <a:tc>
+                  <a:txBody>
+                    <a:bodyPr/>
+                    <a:lstStyle/>
+                    <a:p>
+                      <a:pPr>
+                        <a:lnSpc>
+                          <a:spcPct val="107000"/>
+                        </a:lnSpc>
+                        <a:spcAft>
+                          <a:spcPts val="800"/>
+                        </a:spcAft>
+                      </a:pPr>
+                      <a:r>
+                        <a:rPr lang="es-ES" sz="1100" b="0" dirty="0" err="1">
+                          <a:solidFill>
+                            <a:schemeClr val="tx1"/>
+                          </a:solidFill>
+                          <a:effectLst/>
+                          <a:latin typeface="Calibri" panose="020F0502020204030204" pitchFamily="34" charset="0"/>
+                          <a:ea typeface="Calibri" panose="020F0502020204030204" pitchFamily="34" charset="0"/>
+                          <a:cs typeface="Times New Roman" panose="02020603050405020304" pitchFamily="18" charset="0"/>
+                        </a:rPr>
+                        <a:t>Id_Domicilio</a:t>
+                      </a:r>
+                      <a:r>
+                        <a:rPr lang="es-ES" sz="1100" b="0" dirty="0">
+                          <a:solidFill>
+                            <a:schemeClr val="tx1"/>
+                          </a:solidFill>
+                          <a:effectLst/>
+                          <a:latin typeface="Calibri" panose="020F0502020204030204" pitchFamily="34" charset="0"/>
+                          <a:ea typeface="Calibri" panose="020F0502020204030204" pitchFamily="34" charset="0"/>
+                          <a:cs typeface="Times New Roman" panose="02020603050405020304" pitchFamily="18" charset="0"/>
+                        </a:rPr>
+                        <a:t> (</a:t>
+                      </a:r>
+                      <a:r>
+                        <a:rPr lang="es-ES" sz="1100" b="0" dirty="0" err="1">
+                          <a:solidFill>
+                            <a:schemeClr val="tx1"/>
+                          </a:solidFill>
+                          <a:effectLst/>
+                          <a:latin typeface="Calibri" panose="020F0502020204030204" pitchFamily="34" charset="0"/>
+                          <a:ea typeface="Calibri" panose="020F0502020204030204" pitchFamily="34" charset="0"/>
+                          <a:cs typeface="Times New Roman" panose="02020603050405020304" pitchFamily="18" charset="0"/>
+                        </a:rPr>
+                        <a:t>int</a:t>
+                      </a:r>
+                      <a:r>
+                        <a:rPr lang="es-ES" sz="1100" b="0" dirty="0">
+                          <a:solidFill>
+                            <a:schemeClr val="tx1"/>
+                          </a:solidFill>
+                          <a:effectLst/>
+                          <a:latin typeface="Calibri" panose="020F0502020204030204" pitchFamily="34" charset="0"/>
+                          <a:ea typeface="Calibri" panose="020F0502020204030204" pitchFamily="34" charset="0"/>
+                          <a:cs typeface="Times New Roman" panose="02020603050405020304" pitchFamily="18" charset="0"/>
+                        </a:rPr>
+                        <a:t>) </a:t>
+                      </a:r>
+                      <a:r>
+                        <a:rPr lang="es-ES" sz="1100" b="0" dirty="0" err="1">
+                          <a:solidFill>
+                            <a:schemeClr val="tx1"/>
+                          </a:solidFill>
+                          <a:effectLst/>
+                          <a:latin typeface="Calibri" panose="020F0502020204030204" pitchFamily="34" charset="0"/>
+                          <a:ea typeface="Calibri" panose="020F0502020204030204" pitchFamily="34" charset="0"/>
+                          <a:cs typeface="Times New Roman" panose="02020603050405020304" pitchFamily="18" charset="0"/>
+                        </a:rPr>
+                        <a:t>Foreign</a:t>
+                      </a:r>
+                      <a:r>
+                        <a:rPr lang="es-ES" sz="1100" b="0" dirty="0">
+                          <a:solidFill>
+                            <a:schemeClr val="tx1"/>
+                          </a:solidFill>
+                          <a:effectLst/>
+                          <a:latin typeface="Calibri" panose="020F0502020204030204" pitchFamily="34" charset="0"/>
+                          <a:ea typeface="Calibri" panose="020F0502020204030204" pitchFamily="34" charset="0"/>
+                          <a:cs typeface="Times New Roman" panose="02020603050405020304" pitchFamily="18" charset="0"/>
+                        </a:rPr>
+                        <a:t> Key</a:t>
+                      </a:r>
+                    </a:p>
+                  </a:txBody>
+                  <a:tcPr marL="68580" marR="68580" marT="0" marB="0">
+                    <a:lnL w="12700" cap="flat" cmpd="sng" algn="ctr">
+                      <a:solidFill>
+                        <a:schemeClr val="tx1"/>
+                      </a:solidFill>
+                      <a:prstDash val="solid"/>
+                      <a:round/>
+                      <a:headEnd type="none" w="med" len="med"/>
+                      <a:tailEnd type="none" w="med" len="med"/>
+                    </a:lnL>
+                    <a:lnR w="12700" cap="flat" cmpd="sng" algn="ctr">
+                      <a:solidFill>
+                        <a:schemeClr val="tx1"/>
+                      </a:solidFill>
+                      <a:prstDash val="solid"/>
+                      <a:round/>
+                      <a:headEnd type="none" w="med" len="med"/>
+                      <a:tailEnd type="none" w="med" len="med"/>
+                    </a:lnR>
+                    <a:noFill/>
+                  </a:tcPr>
+                </a:tc>
+                <a:extLst>
+                  <a:ext uri="{0D108BD9-81ED-4DB2-BD59-A6C34878D82A}">
+                    <a16:rowId xmlns:a16="http://schemas.microsoft.com/office/drawing/2014/main" val="2812484057"/>
+                  </a:ext>
+                </a:extLst>
+              </a:tr>
+              <a:tr h="0">
+                <a:tc>
+                  <a:txBody>
+                    <a:bodyPr/>
+                    <a:lstStyle/>
+                    <a:p>
+                      <a:pPr>
+                        <a:lnSpc>
+                          <a:spcPct val="107000"/>
+                        </a:lnSpc>
+                        <a:spcAft>
+                          <a:spcPts val="800"/>
+                        </a:spcAft>
+                      </a:pPr>
+                      <a:r>
+                        <a:rPr lang="es-ES" sz="1100" b="0" dirty="0" err="1">
+                          <a:solidFill>
+                            <a:schemeClr val="tx1"/>
+                          </a:solidFill>
+                          <a:effectLst/>
+                          <a:latin typeface="Calibri" panose="020F0502020204030204" pitchFamily="34" charset="0"/>
+                          <a:ea typeface="Calibri" panose="020F0502020204030204" pitchFamily="34" charset="0"/>
+                          <a:cs typeface="Times New Roman" panose="02020603050405020304" pitchFamily="18" charset="0"/>
+                        </a:rPr>
+                        <a:t>Id_Tarjeta</a:t>
+                      </a:r>
+                      <a:r>
+                        <a:rPr lang="es-ES" sz="1100" b="0" dirty="0">
+                          <a:solidFill>
+                            <a:schemeClr val="tx1"/>
+                          </a:solidFill>
+                          <a:effectLst/>
+                          <a:latin typeface="Calibri" panose="020F0502020204030204" pitchFamily="34" charset="0"/>
+                          <a:ea typeface="Calibri" panose="020F0502020204030204" pitchFamily="34" charset="0"/>
+                          <a:cs typeface="Times New Roman" panose="02020603050405020304" pitchFamily="18" charset="0"/>
+                        </a:rPr>
+                        <a:t> (</a:t>
+                      </a:r>
+                      <a:r>
+                        <a:rPr lang="es-ES" sz="1100" b="0" dirty="0" err="1">
+                          <a:solidFill>
+                            <a:schemeClr val="tx1"/>
+                          </a:solidFill>
+                          <a:effectLst/>
+                          <a:latin typeface="Calibri" panose="020F0502020204030204" pitchFamily="34" charset="0"/>
+                          <a:ea typeface="Calibri" panose="020F0502020204030204" pitchFamily="34" charset="0"/>
+                          <a:cs typeface="Times New Roman" panose="02020603050405020304" pitchFamily="18" charset="0"/>
+                        </a:rPr>
+                        <a:t>int</a:t>
+                      </a:r>
+                      <a:r>
+                        <a:rPr lang="es-ES" sz="1100" b="0" dirty="0">
+                          <a:solidFill>
+                            <a:schemeClr val="tx1"/>
+                          </a:solidFill>
+                          <a:effectLst/>
+                          <a:latin typeface="Calibri" panose="020F0502020204030204" pitchFamily="34" charset="0"/>
+                          <a:ea typeface="Calibri" panose="020F0502020204030204" pitchFamily="34" charset="0"/>
+                          <a:cs typeface="Times New Roman" panose="02020603050405020304" pitchFamily="18" charset="0"/>
+                        </a:rPr>
+                        <a:t>) </a:t>
+                      </a:r>
+                      <a:r>
+                        <a:rPr lang="es-ES" sz="1100" b="0" dirty="0" err="1">
+                          <a:solidFill>
+                            <a:schemeClr val="tx1"/>
+                          </a:solidFill>
+                          <a:effectLst/>
+                          <a:latin typeface="Calibri" panose="020F0502020204030204" pitchFamily="34" charset="0"/>
+                          <a:ea typeface="Calibri" panose="020F0502020204030204" pitchFamily="34" charset="0"/>
+                          <a:cs typeface="Times New Roman" panose="02020603050405020304" pitchFamily="18" charset="0"/>
+                        </a:rPr>
+                        <a:t>Foreign</a:t>
+                      </a:r>
+                      <a:r>
+                        <a:rPr lang="es-ES" sz="1100" b="0" dirty="0">
+                          <a:solidFill>
+                            <a:schemeClr val="tx1"/>
+                          </a:solidFill>
+                          <a:effectLst/>
+                          <a:latin typeface="Calibri" panose="020F0502020204030204" pitchFamily="34" charset="0"/>
+                          <a:ea typeface="Calibri" panose="020F0502020204030204" pitchFamily="34" charset="0"/>
+                          <a:cs typeface="Times New Roman" panose="02020603050405020304" pitchFamily="18" charset="0"/>
+                        </a:rPr>
+                        <a:t> Key</a:t>
+                      </a:r>
+                    </a:p>
+                  </a:txBody>
+                  <a:tcPr marL="68580" marR="68580" marT="0" marB="0">
+                    <a:lnL w="12700" cap="flat" cmpd="sng" algn="ctr">
+                      <a:solidFill>
+                        <a:schemeClr val="tx1"/>
+                      </a:solidFill>
+                      <a:prstDash val="solid"/>
+                      <a:round/>
+                      <a:headEnd type="none" w="med" len="med"/>
+                      <a:tailEnd type="none" w="med" len="med"/>
+                    </a:lnL>
+                    <a:lnR w="12700" cap="flat" cmpd="sng" algn="ctr">
+                      <a:solidFill>
+                        <a:schemeClr val="tx1"/>
+                      </a:solidFill>
+                      <a:prstDash val="solid"/>
+                      <a:round/>
+                      <a:headEnd type="none" w="med" len="med"/>
+                      <a:tailEnd type="none" w="med" len="med"/>
+                    </a:lnR>
+                    <a:noFill/>
+                  </a:tcPr>
+                </a:tc>
+                <a:extLst>
+                  <a:ext uri="{0D108BD9-81ED-4DB2-BD59-A6C34878D82A}">
+                    <a16:rowId xmlns:a16="http://schemas.microsoft.com/office/drawing/2014/main" val="2363591440"/>
                   </a:ext>
                 </a:extLst>
               </a:tr>
@@ -8056,7 +9788,7 @@
         </p:nvGrpSpPr>
         <p:grpSpPr>
           <a:xfrm rot="16200000">
-            <a:off x="6710761" y="2760584"/>
+            <a:off x="7558065" y="3662579"/>
             <a:ext cx="208671" cy="150125"/>
             <a:chOff x="4185313" y="1108364"/>
             <a:chExt cx="308755" cy="347397"/>
@@ -8208,7 +9940,7 @@
         </p:nvCxnSpPr>
         <p:spPr>
           <a:xfrm>
-            <a:off x="6428313" y="1461617"/>
+            <a:off x="7275617" y="2363612"/>
             <a:ext cx="461268" cy="0"/>
           </a:xfrm>
           <a:prstGeom prst="line">
@@ -8247,7 +9979,7 @@
         </p:nvCxnSpPr>
         <p:spPr>
           <a:xfrm>
-            <a:off x="6813989" y="1379834"/>
+            <a:off x="7661293" y="2281829"/>
             <a:ext cx="0" cy="163566"/>
           </a:xfrm>
           <a:prstGeom prst="line">
@@ -8286,7 +10018,7 @@
         </p:nvCxnSpPr>
         <p:spPr>
           <a:xfrm>
-            <a:off x="6428313" y="2836649"/>
+            <a:off x="7275617" y="3738644"/>
             <a:ext cx="461268" cy="0"/>
           </a:xfrm>
           <a:prstGeom prst="line">
@@ -8325,7 +10057,7 @@
         </p:nvCxnSpPr>
         <p:spPr>
           <a:xfrm flipV="1">
-            <a:off x="6428313" y="1461617"/>
+            <a:off x="7275617" y="2363612"/>
             <a:ext cx="0" cy="1375032"/>
           </a:xfrm>
           <a:prstGeom prst="line">
@@ -8363,14 +10095,14 @@
           <p:nvPr>
             <p:extLst>
               <p:ext uri="{D42A27DB-BD31-4B8C-83A1-F6EECF244321}">
-                <p14:modId xmlns:p14="http://schemas.microsoft.com/office/powerpoint/2010/main" val="1701213854"/>
+                <p14:modId xmlns:p14="http://schemas.microsoft.com/office/powerpoint/2010/main" val="1011748833"/>
               </p:ext>
             </p:extLst>
           </p:nvPr>
         </p:nvGraphicFramePr>
         <p:xfrm>
-          <a:off x="4020956" y="1190281"/>
-          <a:ext cx="1887220" cy="2057400"/>
+          <a:off x="4868260" y="2092276"/>
+          <a:ext cx="1887220" cy="1200150"/>
         </p:xfrm>
         <a:graphic>
           <a:graphicData uri="http://schemas.openxmlformats.org/drawingml/2006/table">
@@ -8739,325 +10471,24 @@
                         </a:spcAft>
                       </a:pPr>
                       <a:r>
-                        <a:rPr lang="en-US" sz="1100" b="0">
+                        <a:rPr lang="en-US" sz="1100" b="0" dirty="0" err="1">
                           <a:solidFill>
                             <a:schemeClr val="tx1"/>
                           </a:solidFill>
                           <a:effectLst/>
                         </a:rPr>
-                        <a:t>Dirección (string)</a:t>
+                        <a:t>Correo</a:t>
                       </a:r>
-                      <a:endParaRPr lang="es-ES" sz="1100" b="0">
-                        <a:solidFill>
-                          <a:schemeClr val="tx1"/>
-                        </a:solidFill>
-                        <a:effectLst/>
-                        <a:latin typeface="Calibri" panose="020F0502020204030204" pitchFamily="34" charset="0"/>
-                        <a:ea typeface="Calibri" panose="020F0502020204030204" pitchFamily="34" charset="0"/>
-                        <a:cs typeface="Times New Roman" panose="02020603050405020304" pitchFamily="18" charset="0"/>
-                      </a:endParaRPr>
-                    </a:p>
-                  </a:txBody>
-                  <a:tcPr marL="68580" marR="68580" marT="0" marB="0">
-                    <a:lnL w="12700" cap="flat" cmpd="sng" algn="ctr">
-                      <a:solidFill>
-                        <a:schemeClr val="tx1"/>
-                      </a:solidFill>
-                      <a:prstDash val="solid"/>
-                      <a:round/>
-                      <a:headEnd type="none" w="med" len="med"/>
-                      <a:tailEnd type="none" w="med" len="med"/>
-                    </a:lnL>
-                    <a:lnR w="12700" cap="flat" cmpd="sng" algn="ctr">
-                      <a:solidFill>
-                        <a:schemeClr val="tx1"/>
-                      </a:solidFill>
-                      <a:prstDash val="solid"/>
-                      <a:round/>
-                      <a:headEnd type="none" w="med" len="med"/>
-                      <a:tailEnd type="none" w="med" len="med"/>
-                    </a:lnR>
-                    <a:noFill/>
-                  </a:tcPr>
-                </a:tc>
-                <a:extLst>
-                  <a:ext uri="{0D108BD9-81ED-4DB2-BD59-A6C34878D82A}">
-                    <a16:rowId xmlns:a16="http://schemas.microsoft.com/office/drawing/2014/main" val="2094742185"/>
-                  </a:ext>
-                </a:extLst>
-              </a:tr>
-              <a:tr h="0">
-                <a:tc>
-                  <a:txBody>
-                    <a:bodyPr/>
-                    <a:lstStyle/>
-                    <a:p>
-                      <a:pPr>
-                        <a:lnSpc>
-                          <a:spcPct val="107000"/>
-                        </a:lnSpc>
-                        <a:spcAft>
-                          <a:spcPts val="800"/>
-                        </a:spcAft>
-                      </a:pPr>
                       <a:r>
-                        <a:rPr lang="en-US" sz="1100" b="0">
+                        <a:rPr lang="en-US" sz="1100" b="0" dirty="0">
                           <a:solidFill>
                             <a:schemeClr val="tx1"/>
                           </a:solidFill>
                           <a:effectLst/>
                         </a:rPr>
-                        <a:t>C_Postal (string)</a:t>
+                        <a:t> (string)</a:t>
                       </a:r>
-                      <a:endParaRPr lang="es-ES" sz="1100" b="0">
-                        <a:solidFill>
-                          <a:schemeClr val="tx1"/>
-                        </a:solidFill>
-                        <a:effectLst/>
-                        <a:latin typeface="Calibri" panose="020F0502020204030204" pitchFamily="34" charset="0"/>
-                        <a:ea typeface="Calibri" panose="020F0502020204030204" pitchFamily="34" charset="0"/>
-                        <a:cs typeface="Times New Roman" panose="02020603050405020304" pitchFamily="18" charset="0"/>
-                      </a:endParaRPr>
-                    </a:p>
-                  </a:txBody>
-                  <a:tcPr marL="68580" marR="68580" marT="0" marB="0">
-                    <a:lnL w="12700" cap="flat" cmpd="sng" algn="ctr">
-                      <a:solidFill>
-                        <a:schemeClr val="tx1"/>
-                      </a:solidFill>
-                      <a:prstDash val="solid"/>
-                      <a:round/>
-                      <a:headEnd type="none" w="med" len="med"/>
-                      <a:tailEnd type="none" w="med" len="med"/>
-                    </a:lnL>
-                    <a:lnR w="12700" cap="flat" cmpd="sng" algn="ctr">
-                      <a:solidFill>
-                        <a:schemeClr val="tx1"/>
-                      </a:solidFill>
-                      <a:prstDash val="solid"/>
-                      <a:round/>
-                      <a:headEnd type="none" w="med" len="med"/>
-                      <a:tailEnd type="none" w="med" len="med"/>
-                    </a:lnR>
-                    <a:noFill/>
-                  </a:tcPr>
-                </a:tc>
-                <a:extLst>
-                  <a:ext uri="{0D108BD9-81ED-4DB2-BD59-A6C34878D82A}">
-                    <a16:rowId xmlns:a16="http://schemas.microsoft.com/office/drawing/2014/main" val="817373780"/>
-                  </a:ext>
-                </a:extLst>
-              </a:tr>
-              <a:tr h="0">
-                <a:tc>
-                  <a:txBody>
-                    <a:bodyPr/>
-                    <a:lstStyle/>
-                    <a:p>
-                      <a:pPr>
-                        <a:lnSpc>
-                          <a:spcPct val="107000"/>
-                        </a:lnSpc>
-                        <a:spcAft>
-                          <a:spcPts val="800"/>
-                        </a:spcAft>
-                      </a:pPr>
-                      <a:r>
-                        <a:rPr lang="en-US" sz="1100" b="0">
-                          <a:solidFill>
-                            <a:schemeClr val="tx1"/>
-                          </a:solidFill>
-                          <a:effectLst/>
-                        </a:rPr>
-                        <a:t>Localidad (string)</a:t>
-                      </a:r>
-                      <a:endParaRPr lang="es-ES" sz="1100" b="0">
-                        <a:solidFill>
-                          <a:schemeClr val="tx1"/>
-                        </a:solidFill>
-                        <a:effectLst/>
-                        <a:latin typeface="Calibri" panose="020F0502020204030204" pitchFamily="34" charset="0"/>
-                        <a:ea typeface="Calibri" panose="020F0502020204030204" pitchFamily="34" charset="0"/>
-                        <a:cs typeface="Times New Roman" panose="02020603050405020304" pitchFamily="18" charset="0"/>
-                      </a:endParaRPr>
-                    </a:p>
-                  </a:txBody>
-                  <a:tcPr marL="68580" marR="68580" marT="0" marB="0">
-                    <a:lnL w="12700" cap="flat" cmpd="sng" algn="ctr">
-                      <a:solidFill>
-                        <a:schemeClr val="tx1"/>
-                      </a:solidFill>
-                      <a:prstDash val="solid"/>
-                      <a:round/>
-                      <a:headEnd type="none" w="med" len="med"/>
-                      <a:tailEnd type="none" w="med" len="med"/>
-                    </a:lnL>
-                    <a:lnR w="12700" cap="flat" cmpd="sng" algn="ctr">
-                      <a:solidFill>
-                        <a:schemeClr val="tx1"/>
-                      </a:solidFill>
-                      <a:prstDash val="solid"/>
-                      <a:round/>
-                      <a:headEnd type="none" w="med" len="med"/>
-                      <a:tailEnd type="none" w="med" len="med"/>
-                    </a:lnR>
-                    <a:noFill/>
-                  </a:tcPr>
-                </a:tc>
-                <a:extLst>
-                  <a:ext uri="{0D108BD9-81ED-4DB2-BD59-A6C34878D82A}">
-                    <a16:rowId xmlns:a16="http://schemas.microsoft.com/office/drawing/2014/main" val="2791650998"/>
-                  </a:ext>
-                </a:extLst>
-              </a:tr>
-              <a:tr h="0">
-                <a:tc>
-                  <a:txBody>
-                    <a:bodyPr/>
-                    <a:lstStyle/>
-                    <a:p>
-                      <a:pPr>
-                        <a:lnSpc>
-                          <a:spcPct val="107000"/>
-                        </a:lnSpc>
-                        <a:spcAft>
-                          <a:spcPts val="800"/>
-                        </a:spcAft>
-                      </a:pPr>
-                      <a:r>
-                        <a:rPr lang="en-US" sz="1100" b="0">
-                          <a:solidFill>
-                            <a:schemeClr val="tx1"/>
-                          </a:solidFill>
-                          <a:effectLst/>
-                        </a:rPr>
-                        <a:t>Provincia (string)</a:t>
-                      </a:r>
-                      <a:endParaRPr lang="es-ES" sz="1100" b="0">
-                        <a:solidFill>
-                          <a:schemeClr val="tx1"/>
-                        </a:solidFill>
-                        <a:effectLst/>
-                        <a:latin typeface="Calibri" panose="020F0502020204030204" pitchFamily="34" charset="0"/>
-                        <a:ea typeface="Calibri" panose="020F0502020204030204" pitchFamily="34" charset="0"/>
-                        <a:cs typeface="Times New Roman" panose="02020603050405020304" pitchFamily="18" charset="0"/>
-                      </a:endParaRPr>
-                    </a:p>
-                  </a:txBody>
-                  <a:tcPr marL="68580" marR="68580" marT="0" marB="0">
-                    <a:lnL w="12700" cap="flat" cmpd="sng" algn="ctr">
-                      <a:solidFill>
-                        <a:schemeClr val="tx1"/>
-                      </a:solidFill>
-                      <a:prstDash val="solid"/>
-                      <a:round/>
-                      <a:headEnd type="none" w="med" len="med"/>
-                      <a:tailEnd type="none" w="med" len="med"/>
-                    </a:lnL>
-                    <a:lnR w="12700" cap="flat" cmpd="sng" algn="ctr">
-                      <a:solidFill>
-                        <a:schemeClr val="tx1"/>
-                      </a:solidFill>
-                      <a:prstDash val="solid"/>
-                      <a:round/>
-                      <a:headEnd type="none" w="med" len="med"/>
-                      <a:tailEnd type="none" w="med" len="med"/>
-                    </a:lnR>
-                    <a:noFill/>
-                  </a:tcPr>
-                </a:tc>
-                <a:extLst>
-                  <a:ext uri="{0D108BD9-81ED-4DB2-BD59-A6C34878D82A}">
-                    <a16:rowId xmlns:a16="http://schemas.microsoft.com/office/drawing/2014/main" val="2041258389"/>
-                  </a:ext>
-                </a:extLst>
-              </a:tr>
-              <a:tr h="0">
-                <a:tc>
-                  <a:txBody>
-                    <a:bodyPr/>
-                    <a:lstStyle/>
-                    <a:p>
-                      <a:pPr>
-                        <a:lnSpc>
-                          <a:spcPct val="107000"/>
-                        </a:lnSpc>
-                        <a:spcAft>
-                          <a:spcPts val="800"/>
-                        </a:spcAft>
-                      </a:pPr>
-                      <a:r>
-                        <a:rPr lang="en-US" sz="1100" b="0">
-                          <a:solidFill>
-                            <a:schemeClr val="tx1"/>
-                          </a:solidFill>
-                          <a:effectLst/>
-                        </a:rPr>
-                        <a:t>Pais (string)</a:t>
-                      </a:r>
-                      <a:endParaRPr lang="es-ES" sz="1100" b="0">
-                        <a:solidFill>
-                          <a:schemeClr val="tx1"/>
-                        </a:solidFill>
-                        <a:effectLst/>
-                        <a:latin typeface="Calibri" panose="020F0502020204030204" pitchFamily="34" charset="0"/>
-                        <a:ea typeface="Calibri" panose="020F0502020204030204" pitchFamily="34" charset="0"/>
-                        <a:cs typeface="Times New Roman" panose="02020603050405020304" pitchFamily="18" charset="0"/>
-                      </a:endParaRPr>
-                    </a:p>
-                  </a:txBody>
-                  <a:tcPr marL="68580" marR="68580" marT="0" marB="0">
-                    <a:lnL w="12700" cap="flat" cmpd="sng" algn="ctr">
-                      <a:solidFill>
-                        <a:schemeClr val="tx1"/>
-                      </a:solidFill>
-                      <a:prstDash val="solid"/>
-                      <a:round/>
-                      <a:headEnd type="none" w="med" len="med"/>
-                      <a:tailEnd type="none" w="med" len="med"/>
-                    </a:lnL>
-                    <a:lnR w="12700" cap="flat" cmpd="sng" algn="ctr">
-                      <a:solidFill>
-                        <a:schemeClr val="tx1"/>
-                      </a:solidFill>
-                      <a:prstDash val="solid"/>
-                      <a:round/>
-                      <a:headEnd type="none" w="med" len="med"/>
-                      <a:tailEnd type="none" w="med" len="med"/>
-                    </a:lnR>
-                    <a:noFill/>
-                  </a:tcPr>
-                </a:tc>
-                <a:extLst>
-                  <a:ext uri="{0D108BD9-81ED-4DB2-BD59-A6C34878D82A}">
-                    <a16:rowId xmlns:a16="http://schemas.microsoft.com/office/drawing/2014/main" val="2011347594"/>
-                  </a:ext>
-                </a:extLst>
-              </a:tr>
-              <a:tr h="0">
-                <a:tc>
-                  <a:txBody>
-                    <a:bodyPr/>
-                    <a:lstStyle/>
-                    <a:p>
-                      <a:pPr>
-                        <a:lnSpc>
-                          <a:spcPct val="107000"/>
-                        </a:lnSpc>
-                        <a:spcAft>
-                          <a:spcPts val="800"/>
-                        </a:spcAft>
-                      </a:pPr>
-                      <a:r>
-                        <a:rPr lang="en-US" sz="1100" b="0">
-                          <a:solidFill>
-                            <a:schemeClr val="tx1"/>
-                          </a:solidFill>
-                          <a:effectLst/>
-                        </a:rPr>
-                        <a:t>Correo (string)</a:t>
-                      </a:r>
-                      <a:endParaRPr lang="es-ES" sz="1100" b="0">
+                      <a:endParaRPr lang="es-ES" sz="1100" b="0" dirty="0">
                         <a:solidFill>
                           <a:schemeClr val="tx1"/>
                         </a:solidFill>
@@ -9196,7 +10627,7 @@
         </p:nvCxnSpPr>
         <p:spPr>
           <a:xfrm>
-            <a:off x="3559688" y="1459524"/>
+            <a:off x="4406992" y="2361519"/>
             <a:ext cx="461268" cy="0"/>
           </a:xfrm>
           <a:prstGeom prst="line">
@@ -9235,7 +10666,7 @@
         </p:nvCxnSpPr>
         <p:spPr>
           <a:xfrm>
-            <a:off x="3945364" y="1377741"/>
+            <a:off x="4792668" y="2279736"/>
             <a:ext cx="0" cy="163566"/>
           </a:xfrm>
           <a:prstGeom prst="line">
@@ -9274,8 +10705,8 @@
         </p:nvCxnSpPr>
         <p:spPr>
           <a:xfrm flipV="1">
-            <a:off x="3557057" y="936046"/>
-            <a:ext cx="0" cy="523478"/>
+            <a:off x="4404361" y="1274928"/>
+            <a:ext cx="0" cy="1086591"/>
           </a:xfrm>
           <a:prstGeom prst="line">
             <a:avLst/>
@@ -9313,7 +10744,7 @@
         </p:nvCxnSpPr>
         <p:spPr>
           <a:xfrm>
-            <a:off x="3557057" y="936046"/>
+            <a:off x="4404361" y="1838041"/>
             <a:ext cx="5451933" cy="0"/>
           </a:xfrm>
           <a:prstGeom prst="line">
@@ -9352,8 +10783,8 @@
         </p:nvCxnSpPr>
         <p:spPr>
           <a:xfrm flipV="1">
-            <a:off x="9008990" y="936046"/>
-            <a:ext cx="0" cy="711893"/>
+            <a:off x="9856294" y="1838041"/>
+            <a:ext cx="0" cy="682247"/>
           </a:xfrm>
           <a:prstGeom prst="line">
             <a:avLst/>
@@ -9389,7 +10820,7 @@
         </p:nvGrpSpPr>
         <p:grpSpPr>
           <a:xfrm rot="5400000">
-            <a:off x="8743107" y="1573881"/>
+            <a:off x="9590411" y="2448580"/>
             <a:ext cx="208671" cy="150125"/>
             <a:chOff x="4185313" y="1108364"/>
             <a:chExt cx="308755" cy="347397"/>
@@ -9541,7 +10972,7 @@
         </p:nvCxnSpPr>
         <p:spPr>
           <a:xfrm>
-            <a:off x="8778802" y="1647939"/>
+            <a:off x="9626106" y="2522638"/>
             <a:ext cx="230188" cy="0"/>
           </a:xfrm>
           <a:prstGeom prst="line">
@@ -9579,13 +11010,13 @@
           <p:nvPr>
             <p:extLst>
               <p:ext uri="{D42A27DB-BD31-4B8C-83A1-F6EECF244321}">
-                <p14:modId xmlns:p14="http://schemas.microsoft.com/office/powerpoint/2010/main" val="3213326600"/>
+                <p14:modId xmlns:p14="http://schemas.microsoft.com/office/powerpoint/2010/main" val="234887345"/>
               </p:ext>
             </p:extLst>
           </p:nvPr>
         </p:nvGraphicFramePr>
         <p:xfrm>
-          <a:off x="1978012" y="3837337"/>
+          <a:off x="2825316" y="4739332"/>
           <a:ext cx="1691145" cy="857250"/>
         </p:xfrm>
         <a:graphic>
@@ -9977,13 +11408,13 @@
           <p:nvPr>
             <p:extLst>
               <p:ext uri="{D42A27DB-BD31-4B8C-83A1-F6EECF244321}">
-                <p14:modId xmlns:p14="http://schemas.microsoft.com/office/powerpoint/2010/main" val="389109853"/>
+                <p14:modId xmlns:p14="http://schemas.microsoft.com/office/powerpoint/2010/main" val="933982836"/>
               </p:ext>
             </p:extLst>
           </p:nvPr>
         </p:nvGraphicFramePr>
         <p:xfrm>
-          <a:off x="4032763" y="3841143"/>
+          <a:off x="4880067" y="4743138"/>
           <a:ext cx="1691145" cy="857250"/>
         </p:xfrm>
         <a:graphic>
@@ -10374,7 +11805,7 @@
         </p:nvGrpSpPr>
         <p:grpSpPr>
           <a:xfrm rot="5400000">
-            <a:off x="5698236" y="4194123"/>
+            <a:off x="6545540" y="5096118"/>
             <a:ext cx="208671" cy="150125"/>
             <a:chOff x="4185313" y="1108364"/>
             <a:chExt cx="308755" cy="347397"/>
@@ -10526,8 +11957,8 @@
         </p:nvCxnSpPr>
         <p:spPr>
           <a:xfrm>
-            <a:off x="1508917" y="1462619"/>
-            <a:ext cx="2508520" cy="0"/>
+            <a:off x="2300003" y="2364614"/>
+            <a:ext cx="2564738" cy="0"/>
           </a:xfrm>
           <a:prstGeom prst="line">
             <a:avLst/>
@@ -10565,7 +11996,7 @@
         </p:nvCxnSpPr>
         <p:spPr>
           <a:xfrm>
-            <a:off x="3941845" y="1380836"/>
+            <a:off x="4789149" y="2282831"/>
             <a:ext cx="0" cy="163566"/>
           </a:xfrm>
           <a:prstGeom prst="line">
@@ -10605,7 +12036,7 @@
         </p:nvCxnSpPr>
         <p:spPr>
           <a:xfrm>
-            <a:off x="5723908" y="4269768"/>
+            <a:off x="6571212" y="5171763"/>
             <a:ext cx="398481" cy="5846"/>
           </a:xfrm>
           <a:prstGeom prst="line">
@@ -10644,7 +12075,7 @@
         </p:nvCxnSpPr>
         <p:spPr>
           <a:xfrm flipV="1">
-            <a:off x="6122389" y="1462619"/>
+            <a:off x="6969693" y="2364614"/>
             <a:ext cx="0" cy="2812995"/>
           </a:xfrm>
           <a:prstGeom prst="line">
@@ -10681,7 +12112,7 @@
         </p:nvGrpSpPr>
         <p:grpSpPr>
           <a:xfrm rot="16200000">
-            <a:off x="1791365" y="4199549"/>
+            <a:off x="2638669" y="5101544"/>
             <a:ext cx="208671" cy="150125"/>
             <a:chOff x="4185313" y="1108364"/>
             <a:chExt cx="308755" cy="347397"/>
@@ -10833,7 +12264,7 @@
         </p:nvCxnSpPr>
         <p:spPr>
           <a:xfrm>
-            <a:off x="1508917" y="4275614"/>
+            <a:off x="2356221" y="5177609"/>
             <a:ext cx="461268" cy="0"/>
           </a:xfrm>
           <a:prstGeom prst="line">
@@ -10872,7 +12303,7 @@
         </p:nvCxnSpPr>
         <p:spPr>
           <a:xfrm flipV="1">
-            <a:off x="1508917" y="1462619"/>
+            <a:off x="2356221" y="2364614"/>
             <a:ext cx="0" cy="2812995"/>
           </a:xfrm>
           <a:prstGeom prst="line">
@@ -10911,7 +12342,7 @@
         </p:nvCxnSpPr>
         <p:spPr>
           <a:xfrm>
-            <a:off x="5908176" y="1461617"/>
+            <a:off x="6755480" y="2363612"/>
             <a:ext cx="214213" cy="0"/>
           </a:xfrm>
           <a:prstGeom prst="line">
@@ -10950,7 +12381,7 @@
         </p:nvCxnSpPr>
         <p:spPr>
           <a:xfrm>
-            <a:off x="5977263" y="1373858"/>
+            <a:off x="6824567" y="2275853"/>
             <a:ext cx="0" cy="163566"/>
           </a:xfrm>
           <a:prstGeom prst="line">
@@ -10989,8 +12420,8 @@
         </p:nvCxnSpPr>
         <p:spPr>
           <a:xfrm>
-            <a:off x="8778802" y="3925057"/>
-            <a:ext cx="904285" cy="15033"/>
+            <a:off x="9626106" y="4827052"/>
+            <a:ext cx="576606" cy="3258"/>
           </a:xfrm>
           <a:prstGeom prst="line">
             <a:avLst/>
@@ -11012,10 +12443,2735 @@
           </a:fontRef>
         </p:style>
       </p:cxnSp>
+      <p:cxnSp>
+        <p:nvCxnSpPr>
+          <p:cNvPr id="4" name="Conector recto 3">
+            <a:extLst>
+              <a:ext uri="{FF2B5EF4-FFF2-40B4-BE49-F238E27FC236}">
+                <a16:creationId xmlns:a16="http://schemas.microsoft.com/office/drawing/2014/main" id="{FAA1475C-3F3C-64C1-5546-57406EE748C5}"/>
+              </a:ext>
+            </a:extLst>
+          </p:cNvPr>
+          <p:cNvCxnSpPr>
+            <a:cxnSpLocks/>
+          </p:cNvCxnSpPr>
+          <p:nvPr/>
+        </p:nvCxnSpPr>
+        <p:spPr>
+          <a:xfrm flipV="1">
+            <a:off x="7275617" y="4799433"/>
+            <a:ext cx="0" cy="1176212"/>
+          </a:xfrm>
+          <a:prstGeom prst="line">
+            <a:avLst/>
+          </a:prstGeom>
+          <a:ln w="9525"/>
+        </p:spPr>
+        <p:style>
+          <a:lnRef idx="1">
+            <a:schemeClr val="dk1"/>
+          </a:lnRef>
+          <a:fillRef idx="0">
+            <a:schemeClr val="dk1"/>
+          </a:fillRef>
+          <a:effectRef idx="0">
+            <a:schemeClr val="dk1"/>
+          </a:effectRef>
+          <a:fontRef idx="minor">
+            <a:schemeClr val="tx1"/>
+          </a:fontRef>
+        </p:style>
+      </p:cxnSp>
+      <p:grpSp>
+        <p:nvGrpSpPr>
+          <p:cNvPr id="6" name="Grupo 5">
+            <a:extLst>
+              <a:ext uri="{FF2B5EF4-FFF2-40B4-BE49-F238E27FC236}">
+                <a16:creationId xmlns:a16="http://schemas.microsoft.com/office/drawing/2014/main" id="{704D553D-BC53-4C8B-0DAD-9DB5E104544E}"/>
+              </a:ext>
+            </a:extLst>
+          </p:cNvPr>
+          <p:cNvGrpSpPr/>
+          <p:nvPr/>
+        </p:nvGrpSpPr>
+        <p:grpSpPr>
+          <a:xfrm rot="5400000">
+            <a:off x="6551890" y="5292968"/>
+            <a:ext cx="208671" cy="150125"/>
+            <a:chOff x="4185313" y="1108364"/>
+            <a:chExt cx="308755" cy="347397"/>
+          </a:xfrm>
+        </p:grpSpPr>
+        <p:cxnSp>
+          <p:nvCxnSpPr>
+            <p:cNvPr id="7" name="Conector recto 6">
+              <a:extLst>
+                <a:ext uri="{FF2B5EF4-FFF2-40B4-BE49-F238E27FC236}">
+                  <a16:creationId xmlns:a16="http://schemas.microsoft.com/office/drawing/2014/main" id="{D5D9877D-FC7C-4405-2571-836B45284483}"/>
+                </a:ext>
+              </a:extLst>
+            </p:cNvPr>
+            <p:cNvCxnSpPr>
+              <a:cxnSpLocks/>
+            </p:cNvCxnSpPr>
+            <p:nvPr/>
+          </p:nvCxnSpPr>
+          <p:spPr>
+            <a:xfrm>
+              <a:off x="4338205" y="1108364"/>
+              <a:ext cx="0" cy="346363"/>
+            </a:xfrm>
+            <a:prstGeom prst="line">
+              <a:avLst/>
+            </a:prstGeom>
+            <a:ln w="9525">
+              <a:solidFill>
+                <a:schemeClr val="tx1"/>
+              </a:solidFill>
+            </a:ln>
+          </p:spPr>
+          <p:style>
+            <a:lnRef idx="1">
+              <a:schemeClr val="accent1"/>
+            </a:lnRef>
+            <a:fillRef idx="0">
+              <a:schemeClr val="accent1"/>
+            </a:fillRef>
+            <a:effectRef idx="0">
+              <a:schemeClr val="accent1"/>
+            </a:effectRef>
+            <a:fontRef idx="minor">
+              <a:schemeClr val="tx1"/>
+            </a:fontRef>
+          </p:style>
+        </p:cxnSp>
+        <p:cxnSp>
+          <p:nvCxnSpPr>
+            <p:cNvPr id="8" name="Conector recto 7">
+              <a:extLst>
+                <a:ext uri="{FF2B5EF4-FFF2-40B4-BE49-F238E27FC236}">
+                  <a16:creationId xmlns:a16="http://schemas.microsoft.com/office/drawing/2014/main" id="{39D7592C-96F6-F769-4EC4-A58761B04500}"/>
+                </a:ext>
+              </a:extLst>
+            </p:cNvPr>
+            <p:cNvCxnSpPr>
+              <a:cxnSpLocks/>
+            </p:cNvCxnSpPr>
+            <p:nvPr/>
+          </p:nvCxnSpPr>
+          <p:spPr>
+            <a:xfrm>
+              <a:off x="4338205" y="1108364"/>
+              <a:ext cx="155863" cy="346363"/>
+            </a:xfrm>
+            <a:prstGeom prst="line">
+              <a:avLst/>
+            </a:prstGeom>
+            <a:ln w="9525">
+              <a:solidFill>
+                <a:schemeClr val="tx1"/>
+              </a:solidFill>
+            </a:ln>
+          </p:spPr>
+          <p:style>
+            <a:lnRef idx="1">
+              <a:schemeClr val="accent1"/>
+            </a:lnRef>
+            <a:fillRef idx="0">
+              <a:schemeClr val="accent1"/>
+            </a:fillRef>
+            <a:effectRef idx="0">
+              <a:schemeClr val="accent1"/>
+            </a:effectRef>
+            <a:fontRef idx="minor">
+              <a:schemeClr val="tx1"/>
+            </a:fontRef>
+          </p:style>
+        </p:cxnSp>
+        <p:cxnSp>
+          <p:nvCxnSpPr>
+            <p:cNvPr id="9" name="Conector recto 8">
+              <a:extLst>
+                <a:ext uri="{FF2B5EF4-FFF2-40B4-BE49-F238E27FC236}">
+                  <a16:creationId xmlns:a16="http://schemas.microsoft.com/office/drawing/2014/main" id="{C59321F6-BD7B-5B99-833E-1ECDC66349DF}"/>
+                </a:ext>
+              </a:extLst>
+            </p:cNvPr>
+            <p:cNvCxnSpPr>
+              <a:cxnSpLocks/>
+            </p:cNvCxnSpPr>
+            <p:nvPr/>
+          </p:nvCxnSpPr>
+          <p:spPr>
+            <a:xfrm flipH="1">
+              <a:off x="4185313" y="1108364"/>
+              <a:ext cx="152892" cy="347397"/>
+            </a:xfrm>
+            <a:prstGeom prst="line">
+              <a:avLst/>
+            </a:prstGeom>
+            <a:ln w="9525">
+              <a:solidFill>
+                <a:schemeClr val="tx1"/>
+              </a:solidFill>
+            </a:ln>
+          </p:spPr>
+          <p:style>
+            <a:lnRef idx="1">
+              <a:schemeClr val="accent1"/>
+            </a:lnRef>
+            <a:fillRef idx="0">
+              <a:schemeClr val="accent1"/>
+            </a:fillRef>
+            <a:effectRef idx="0">
+              <a:schemeClr val="accent1"/>
+            </a:effectRef>
+            <a:fontRef idx="minor">
+              <a:schemeClr val="tx1"/>
+            </a:fontRef>
+          </p:style>
+        </p:cxnSp>
+      </p:grpSp>
+      <p:cxnSp>
+        <p:nvCxnSpPr>
+          <p:cNvPr id="10" name="Conector recto 9">
+            <a:extLst>
+              <a:ext uri="{FF2B5EF4-FFF2-40B4-BE49-F238E27FC236}">
+                <a16:creationId xmlns:a16="http://schemas.microsoft.com/office/drawing/2014/main" id="{1D72A4DB-7604-0869-3705-65C68E2D3216}"/>
+              </a:ext>
+            </a:extLst>
+          </p:cNvPr>
+          <p:cNvCxnSpPr>
+            <a:cxnSpLocks/>
+          </p:cNvCxnSpPr>
+          <p:nvPr/>
+        </p:nvCxnSpPr>
+        <p:spPr>
+          <a:xfrm>
+            <a:off x="6577562" y="5368613"/>
+            <a:ext cx="698055" cy="0"/>
+          </a:xfrm>
+          <a:prstGeom prst="line">
+            <a:avLst/>
+          </a:prstGeom>
+          <a:ln w="9525"/>
+        </p:spPr>
+        <p:style>
+          <a:lnRef idx="1">
+            <a:schemeClr val="dk1"/>
+          </a:lnRef>
+          <a:fillRef idx="0">
+            <a:schemeClr val="dk1"/>
+          </a:fillRef>
+          <a:effectRef idx="0">
+            <a:schemeClr val="dk1"/>
+          </a:effectRef>
+          <a:fontRef idx="minor">
+            <a:schemeClr val="tx1"/>
+          </a:fontRef>
+        </p:style>
+      </p:cxnSp>
+      <p:cxnSp>
+        <p:nvCxnSpPr>
+          <p:cNvPr id="14" name="Conector recto 13">
+            <a:extLst>
+              <a:ext uri="{FF2B5EF4-FFF2-40B4-BE49-F238E27FC236}">
+                <a16:creationId xmlns:a16="http://schemas.microsoft.com/office/drawing/2014/main" id="{3C6BB5FF-EB50-2373-B50C-276CFF5BD598}"/>
+              </a:ext>
+            </a:extLst>
+          </p:cNvPr>
+          <p:cNvCxnSpPr>
+            <a:cxnSpLocks/>
+          </p:cNvCxnSpPr>
+          <p:nvPr/>
+        </p:nvCxnSpPr>
+        <p:spPr>
+          <a:xfrm>
+            <a:off x="2356221" y="5975645"/>
+            <a:ext cx="4919396" cy="0"/>
+          </a:xfrm>
+          <a:prstGeom prst="line">
+            <a:avLst/>
+          </a:prstGeom>
+          <a:ln w="9525"/>
+        </p:spPr>
+        <p:style>
+          <a:lnRef idx="1">
+            <a:schemeClr val="dk1"/>
+          </a:lnRef>
+          <a:fillRef idx="0">
+            <a:schemeClr val="dk1"/>
+          </a:fillRef>
+          <a:effectRef idx="0">
+            <a:schemeClr val="dk1"/>
+          </a:effectRef>
+          <a:fontRef idx="minor">
+            <a:schemeClr val="tx1"/>
+          </a:fontRef>
+        </p:style>
+      </p:cxnSp>
+      <p:cxnSp>
+        <p:nvCxnSpPr>
+          <p:cNvPr id="20" name="Conector recto 19">
+            <a:extLst>
+              <a:ext uri="{FF2B5EF4-FFF2-40B4-BE49-F238E27FC236}">
+                <a16:creationId xmlns:a16="http://schemas.microsoft.com/office/drawing/2014/main" id="{BD91EB19-2537-0659-7DAF-590EC795964C}"/>
+              </a:ext>
+            </a:extLst>
+          </p:cNvPr>
+          <p:cNvCxnSpPr>
+            <a:cxnSpLocks/>
+          </p:cNvCxnSpPr>
+          <p:nvPr/>
+        </p:nvCxnSpPr>
+        <p:spPr>
+          <a:xfrm flipV="1">
+            <a:off x="2356221" y="5367026"/>
+            <a:ext cx="0" cy="608619"/>
+          </a:xfrm>
+          <a:prstGeom prst="line">
+            <a:avLst/>
+          </a:prstGeom>
+          <a:ln w="9525"/>
+        </p:spPr>
+        <p:style>
+          <a:lnRef idx="1">
+            <a:schemeClr val="dk1"/>
+          </a:lnRef>
+          <a:fillRef idx="0">
+            <a:schemeClr val="dk1"/>
+          </a:fillRef>
+          <a:effectRef idx="0">
+            <a:schemeClr val="dk1"/>
+          </a:effectRef>
+          <a:fontRef idx="minor">
+            <a:schemeClr val="tx1"/>
+          </a:fontRef>
+        </p:style>
+      </p:cxnSp>
+      <p:grpSp>
+        <p:nvGrpSpPr>
+          <p:cNvPr id="27" name="Grupo 26">
+            <a:extLst>
+              <a:ext uri="{FF2B5EF4-FFF2-40B4-BE49-F238E27FC236}">
+                <a16:creationId xmlns:a16="http://schemas.microsoft.com/office/drawing/2014/main" id="{55DC8323-5F67-10B5-FF87-9471E1271762}"/>
+              </a:ext>
+            </a:extLst>
+          </p:cNvPr>
+          <p:cNvGrpSpPr/>
+          <p:nvPr/>
+        </p:nvGrpSpPr>
+        <p:grpSpPr>
+          <a:xfrm rot="16200000">
+            <a:off x="2642209" y="5296472"/>
+            <a:ext cx="208671" cy="150125"/>
+            <a:chOff x="4185313" y="1108364"/>
+            <a:chExt cx="308755" cy="347397"/>
+          </a:xfrm>
+        </p:grpSpPr>
+        <p:cxnSp>
+          <p:nvCxnSpPr>
+            <p:cNvPr id="29" name="Conector recto 28">
+              <a:extLst>
+                <a:ext uri="{FF2B5EF4-FFF2-40B4-BE49-F238E27FC236}">
+                  <a16:creationId xmlns:a16="http://schemas.microsoft.com/office/drawing/2014/main" id="{D4739714-DB5F-CDEB-7F98-8A9BFCB7E7EF}"/>
+                </a:ext>
+              </a:extLst>
+            </p:cNvPr>
+            <p:cNvCxnSpPr>
+              <a:cxnSpLocks/>
+            </p:cNvCxnSpPr>
+            <p:nvPr/>
+          </p:nvCxnSpPr>
+          <p:spPr>
+            <a:xfrm>
+              <a:off x="4338205" y="1108364"/>
+              <a:ext cx="0" cy="346363"/>
+            </a:xfrm>
+            <a:prstGeom prst="line">
+              <a:avLst/>
+            </a:prstGeom>
+            <a:ln w="9525">
+              <a:solidFill>
+                <a:schemeClr val="tx1"/>
+              </a:solidFill>
+            </a:ln>
+          </p:spPr>
+          <p:style>
+            <a:lnRef idx="1">
+              <a:schemeClr val="accent1"/>
+            </a:lnRef>
+            <a:fillRef idx="0">
+              <a:schemeClr val="accent1"/>
+            </a:fillRef>
+            <a:effectRef idx="0">
+              <a:schemeClr val="accent1"/>
+            </a:effectRef>
+            <a:fontRef idx="minor">
+              <a:schemeClr val="tx1"/>
+            </a:fontRef>
+          </p:style>
+        </p:cxnSp>
+        <p:cxnSp>
+          <p:nvCxnSpPr>
+            <p:cNvPr id="32" name="Conector recto 31">
+              <a:extLst>
+                <a:ext uri="{FF2B5EF4-FFF2-40B4-BE49-F238E27FC236}">
+                  <a16:creationId xmlns:a16="http://schemas.microsoft.com/office/drawing/2014/main" id="{E7C6AE8C-7A2E-7504-7264-8C9A84F62BA0}"/>
+                </a:ext>
+              </a:extLst>
+            </p:cNvPr>
+            <p:cNvCxnSpPr>
+              <a:cxnSpLocks/>
+            </p:cNvCxnSpPr>
+            <p:nvPr/>
+          </p:nvCxnSpPr>
+          <p:spPr>
+            <a:xfrm>
+              <a:off x="4338205" y="1108364"/>
+              <a:ext cx="155863" cy="346363"/>
+            </a:xfrm>
+            <a:prstGeom prst="line">
+              <a:avLst/>
+            </a:prstGeom>
+            <a:ln w="9525">
+              <a:solidFill>
+                <a:schemeClr val="tx1"/>
+              </a:solidFill>
+            </a:ln>
+          </p:spPr>
+          <p:style>
+            <a:lnRef idx="1">
+              <a:schemeClr val="accent1"/>
+            </a:lnRef>
+            <a:fillRef idx="0">
+              <a:schemeClr val="accent1"/>
+            </a:fillRef>
+            <a:effectRef idx="0">
+              <a:schemeClr val="accent1"/>
+            </a:effectRef>
+            <a:fontRef idx="minor">
+              <a:schemeClr val="tx1"/>
+            </a:fontRef>
+          </p:style>
+        </p:cxnSp>
+        <p:cxnSp>
+          <p:nvCxnSpPr>
+            <p:cNvPr id="34" name="Conector recto 33">
+              <a:extLst>
+                <a:ext uri="{FF2B5EF4-FFF2-40B4-BE49-F238E27FC236}">
+                  <a16:creationId xmlns:a16="http://schemas.microsoft.com/office/drawing/2014/main" id="{DA79CEB5-4E1B-22D4-3E1C-61BB9BBC9D62}"/>
+                </a:ext>
+              </a:extLst>
+            </p:cNvPr>
+            <p:cNvCxnSpPr>
+              <a:cxnSpLocks/>
+            </p:cNvCxnSpPr>
+            <p:nvPr/>
+          </p:nvCxnSpPr>
+          <p:spPr>
+            <a:xfrm flipH="1">
+              <a:off x="4185313" y="1108364"/>
+              <a:ext cx="152892" cy="347397"/>
+            </a:xfrm>
+            <a:prstGeom prst="line">
+              <a:avLst/>
+            </a:prstGeom>
+            <a:ln w="9525">
+              <a:solidFill>
+                <a:schemeClr val="tx1"/>
+              </a:solidFill>
+            </a:ln>
+          </p:spPr>
+          <p:style>
+            <a:lnRef idx="1">
+              <a:schemeClr val="accent1"/>
+            </a:lnRef>
+            <a:fillRef idx="0">
+              <a:schemeClr val="accent1"/>
+            </a:fillRef>
+            <a:effectRef idx="0">
+              <a:schemeClr val="accent1"/>
+            </a:effectRef>
+            <a:fontRef idx="minor">
+              <a:schemeClr val="tx1"/>
+            </a:fontRef>
+          </p:style>
+        </p:cxnSp>
+      </p:grpSp>
+      <p:cxnSp>
+        <p:nvCxnSpPr>
+          <p:cNvPr id="35" name="Conector recto 34">
+            <a:extLst>
+              <a:ext uri="{FF2B5EF4-FFF2-40B4-BE49-F238E27FC236}">
+                <a16:creationId xmlns:a16="http://schemas.microsoft.com/office/drawing/2014/main" id="{129C6409-0C10-5C45-0461-F997AB203FFF}"/>
+              </a:ext>
+            </a:extLst>
+          </p:cNvPr>
+          <p:cNvCxnSpPr>
+            <a:cxnSpLocks/>
+          </p:cNvCxnSpPr>
+          <p:nvPr/>
+        </p:nvCxnSpPr>
+        <p:spPr>
+          <a:xfrm>
+            <a:off x="2356221" y="5371896"/>
+            <a:ext cx="461268" cy="0"/>
+          </a:xfrm>
+          <a:prstGeom prst="line">
+            <a:avLst/>
+          </a:prstGeom>
+          <a:ln w="9525"/>
+        </p:spPr>
+        <p:style>
+          <a:lnRef idx="1">
+            <a:schemeClr val="dk1"/>
+          </a:lnRef>
+          <a:fillRef idx="0">
+            <a:schemeClr val="dk1"/>
+          </a:fillRef>
+          <a:effectRef idx="0">
+            <a:schemeClr val="dk1"/>
+          </a:effectRef>
+          <a:fontRef idx="minor">
+            <a:schemeClr val="tx1"/>
+          </a:fontRef>
+        </p:style>
+      </p:cxnSp>
+      <p:graphicFrame>
+        <p:nvGraphicFramePr>
+          <p:cNvPr id="36" name="Tabla 35">
+            <a:extLst>
+              <a:ext uri="{FF2B5EF4-FFF2-40B4-BE49-F238E27FC236}">
+                <a16:creationId xmlns:a16="http://schemas.microsoft.com/office/drawing/2014/main" id="{821D3E58-90AF-5100-857A-1730302C18AA}"/>
+              </a:ext>
+            </a:extLst>
+          </p:cNvPr>
+          <p:cNvGraphicFramePr>
+            <a:graphicFrameLocks noGrp="1"/>
+          </p:cNvGraphicFramePr>
+          <p:nvPr>
+            <p:extLst>
+              <p:ext uri="{D42A27DB-BD31-4B8C-83A1-F6EECF244321}">
+                <p14:modId xmlns:p14="http://schemas.microsoft.com/office/powerpoint/2010/main" val="1502127156"/>
+              </p:ext>
+            </p:extLst>
+          </p:nvPr>
+        </p:nvGraphicFramePr>
+        <p:xfrm>
+          <a:off x="2356221" y="803483"/>
+          <a:ext cx="1742035" cy="1371600"/>
+        </p:xfrm>
+        <a:graphic>
+          <a:graphicData uri="http://schemas.openxmlformats.org/drawingml/2006/table">
+            <a:tbl>
+              <a:tblPr firstRow="1" firstCol="1" bandRow="1">
+                <a:tableStyleId>{5C22544A-7EE6-4342-B048-85BDC9FD1C3A}</a:tableStyleId>
+              </a:tblPr>
+              <a:tblGrid>
+                <a:gridCol w="1742035">
+                  <a:extLst>
+                    <a:ext uri="{9D8B030D-6E8A-4147-A177-3AD203B41FA5}">
+                      <a16:colId xmlns:a16="http://schemas.microsoft.com/office/drawing/2014/main" val="4203538558"/>
+                    </a:ext>
+                  </a:extLst>
+                </a:gridCol>
+              </a:tblGrid>
+              <a:tr h="0">
+                <a:tc>
+                  <a:txBody>
+                    <a:bodyPr/>
+                    <a:lstStyle/>
+                    <a:p>
+                      <a:pPr algn="ctr">
+                        <a:lnSpc>
+                          <a:spcPct val="107000"/>
+                        </a:lnSpc>
+                        <a:spcAft>
+                          <a:spcPts val="800"/>
+                        </a:spcAft>
+                      </a:pPr>
+                      <a:r>
+                        <a:rPr lang="es-ES" sz="1100" b="1" dirty="0">
+                          <a:solidFill>
+                            <a:schemeClr val="tx1"/>
+                          </a:solidFill>
+                          <a:effectLst/>
+                        </a:rPr>
+                        <a:t>Domicilios</a:t>
+                      </a:r>
+                      <a:endParaRPr lang="es-ES" sz="1100" b="1" dirty="0">
+                        <a:solidFill>
+                          <a:schemeClr val="tx1"/>
+                        </a:solidFill>
+                        <a:effectLst/>
+                        <a:latin typeface="Calibri" panose="020F0502020204030204" pitchFamily="34" charset="0"/>
+                        <a:ea typeface="Calibri" panose="020F0502020204030204" pitchFamily="34" charset="0"/>
+                        <a:cs typeface="Times New Roman" panose="02020603050405020304" pitchFamily="18" charset="0"/>
+                      </a:endParaRPr>
+                    </a:p>
+                  </a:txBody>
+                  <a:tcPr marL="68580" marR="68580" marT="0" marB="0">
+                    <a:lnL w="12700" cap="flat" cmpd="sng" algn="ctr">
+                      <a:solidFill>
+                        <a:schemeClr val="tx1"/>
+                      </a:solidFill>
+                      <a:prstDash val="solid"/>
+                      <a:round/>
+                      <a:headEnd type="none" w="med" len="med"/>
+                      <a:tailEnd type="none" w="med" len="med"/>
+                    </a:lnL>
+                    <a:lnR w="12700" cap="flat" cmpd="sng" algn="ctr">
+                      <a:solidFill>
+                        <a:schemeClr val="tx1"/>
+                      </a:solidFill>
+                      <a:prstDash val="solid"/>
+                      <a:round/>
+                      <a:headEnd type="none" w="med" len="med"/>
+                      <a:tailEnd type="none" w="med" len="med"/>
+                    </a:lnR>
+                    <a:lnT w="12700" cap="flat" cmpd="sng" algn="ctr">
+                      <a:solidFill>
+                        <a:schemeClr val="tx1"/>
+                      </a:solidFill>
+                      <a:prstDash val="solid"/>
+                      <a:round/>
+                      <a:headEnd type="none" w="med" len="med"/>
+                      <a:tailEnd type="none" w="med" len="med"/>
+                    </a:lnT>
+                    <a:lnB w="12700" cap="flat" cmpd="sng" algn="ctr">
+                      <a:solidFill>
+                        <a:schemeClr val="tx1"/>
+                      </a:solidFill>
+                      <a:prstDash val="solid"/>
+                      <a:round/>
+                      <a:headEnd type="none" w="med" len="med"/>
+                      <a:tailEnd type="none" w="med" len="med"/>
+                    </a:lnB>
+                    <a:noFill/>
+                  </a:tcPr>
+                </a:tc>
+                <a:extLst>
+                  <a:ext uri="{0D108BD9-81ED-4DB2-BD59-A6C34878D82A}">
+                    <a16:rowId xmlns:a16="http://schemas.microsoft.com/office/drawing/2014/main" val="346616240"/>
+                  </a:ext>
+                </a:extLst>
+              </a:tr>
+              <a:tr h="0">
+                <a:tc>
+                  <a:txBody>
+                    <a:bodyPr/>
+                    <a:lstStyle/>
+                    <a:p>
+                      <a:pPr>
+                        <a:lnSpc>
+                          <a:spcPct val="107000"/>
+                        </a:lnSpc>
+                        <a:spcAft>
+                          <a:spcPts val="800"/>
+                        </a:spcAft>
+                      </a:pPr>
+                      <a:r>
+                        <a:rPr lang="es-ES" sz="1100" b="0">
+                          <a:solidFill>
+                            <a:schemeClr val="tx1"/>
+                          </a:solidFill>
+                          <a:effectLst/>
+                        </a:rPr>
+                        <a:t>Id (int) Primary Key</a:t>
+                      </a:r>
+                      <a:endParaRPr lang="es-ES" sz="1100" b="0">
+                        <a:solidFill>
+                          <a:schemeClr val="tx1"/>
+                        </a:solidFill>
+                        <a:effectLst/>
+                        <a:latin typeface="Calibri" panose="020F0502020204030204" pitchFamily="34" charset="0"/>
+                        <a:ea typeface="Calibri" panose="020F0502020204030204" pitchFamily="34" charset="0"/>
+                        <a:cs typeface="Times New Roman" panose="02020603050405020304" pitchFamily="18" charset="0"/>
+                      </a:endParaRPr>
+                    </a:p>
+                  </a:txBody>
+                  <a:tcPr marL="68580" marR="68580" marT="0" marB="0">
+                    <a:lnL w="12700" cap="flat" cmpd="sng" algn="ctr">
+                      <a:solidFill>
+                        <a:schemeClr val="tx1"/>
+                      </a:solidFill>
+                      <a:prstDash val="solid"/>
+                      <a:round/>
+                      <a:headEnd type="none" w="med" len="med"/>
+                      <a:tailEnd type="none" w="med" len="med"/>
+                    </a:lnL>
+                    <a:lnR w="12700" cap="flat" cmpd="sng" algn="ctr">
+                      <a:solidFill>
+                        <a:schemeClr val="tx1"/>
+                      </a:solidFill>
+                      <a:prstDash val="solid"/>
+                      <a:round/>
+                      <a:headEnd type="none" w="med" len="med"/>
+                      <a:tailEnd type="none" w="med" len="med"/>
+                    </a:lnR>
+                    <a:lnT w="12700" cap="flat" cmpd="sng" algn="ctr">
+                      <a:solidFill>
+                        <a:schemeClr val="tx1"/>
+                      </a:solidFill>
+                      <a:prstDash val="solid"/>
+                      <a:round/>
+                      <a:headEnd type="none" w="med" len="med"/>
+                      <a:tailEnd type="none" w="med" len="med"/>
+                    </a:lnT>
+                    <a:noFill/>
+                  </a:tcPr>
+                </a:tc>
+                <a:extLst>
+                  <a:ext uri="{0D108BD9-81ED-4DB2-BD59-A6C34878D82A}">
+                    <a16:rowId xmlns:a16="http://schemas.microsoft.com/office/drawing/2014/main" val="1561749346"/>
+                  </a:ext>
+                </a:extLst>
+              </a:tr>
+              <a:tr h="0">
+                <a:tc>
+                  <a:txBody>
+                    <a:bodyPr/>
+                    <a:lstStyle/>
+                    <a:p>
+                      <a:pPr>
+                        <a:lnSpc>
+                          <a:spcPct val="107000"/>
+                        </a:lnSpc>
+                        <a:spcAft>
+                          <a:spcPts val="800"/>
+                        </a:spcAft>
+                      </a:pPr>
+                      <a:r>
+                        <a:rPr lang="en-US" sz="1100" b="0">
+                          <a:solidFill>
+                            <a:schemeClr val="tx1"/>
+                          </a:solidFill>
+                          <a:effectLst/>
+                        </a:rPr>
+                        <a:t>Id_Cliente (int) Foreign Key</a:t>
+                      </a:r>
+                      <a:endParaRPr lang="es-ES" sz="1100" b="0">
+                        <a:solidFill>
+                          <a:schemeClr val="tx1"/>
+                        </a:solidFill>
+                        <a:effectLst/>
+                        <a:latin typeface="Calibri" panose="020F0502020204030204" pitchFamily="34" charset="0"/>
+                        <a:ea typeface="Calibri" panose="020F0502020204030204" pitchFamily="34" charset="0"/>
+                        <a:cs typeface="Times New Roman" panose="02020603050405020304" pitchFamily="18" charset="0"/>
+                      </a:endParaRPr>
+                    </a:p>
+                  </a:txBody>
+                  <a:tcPr marL="68580" marR="68580" marT="0" marB="0">
+                    <a:lnL w="12700" cap="flat" cmpd="sng" algn="ctr">
+                      <a:solidFill>
+                        <a:schemeClr val="tx1"/>
+                      </a:solidFill>
+                      <a:prstDash val="solid"/>
+                      <a:round/>
+                      <a:headEnd type="none" w="med" len="med"/>
+                      <a:tailEnd type="none" w="med" len="med"/>
+                    </a:lnL>
+                    <a:lnR w="12700" cap="flat" cmpd="sng" algn="ctr">
+                      <a:solidFill>
+                        <a:schemeClr val="tx1"/>
+                      </a:solidFill>
+                      <a:prstDash val="solid"/>
+                      <a:round/>
+                      <a:headEnd type="none" w="med" len="med"/>
+                      <a:tailEnd type="none" w="med" len="med"/>
+                    </a:lnR>
+                    <a:noFill/>
+                  </a:tcPr>
+                </a:tc>
+                <a:extLst>
+                  <a:ext uri="{0D108BD9-81ED-4DB2-BD59-A6C34878D82A}">
+                    <a16:rowId xmlns:a16="http://schemas.microsoft.com/office/drawing/2014/main" val="2633376235"/>
+                  </a:ext>
+                </a:extLst>
+              </a:tr>
+              <a:tr h="0">
+                <a:tc>
+                  <a:txBody>
+                    <a:bodyPr/>
+                    <a:lstStyle/>
+                    <a:p>
+                      <a:pPr>
+                        <a:lnSpc>
+                          <a:spcPct val="107000"/>
+                        </a:lnSpc>
+                        <a:spcAft>
+                          <a:spcPts val="800"/>
+                        </a:spcAft>
+                      </a:pPr>
+                      <a:r>
+                        <a:rPr lang="es-ES" sz="1100" b="0">
+                          <a:solidFill>
+                            <a:schemeClr val="tx1"/>
+                          </a:solidFill>
+                          <a:effectLst/>
+                        </a:rPr>
+                        <a:t>Dirección (string)</a:t>
+                      </a:r>
+                      <a:endParaRPr lang="es-ES" sz="1100" b="0">
+                        <a:solidFill>
+                          <a:schemeClr val="tx1"/>
+                        </a:solidFill>
+                        <a:effectLst/>
+                        <a:latin typeface="Calibri" panose="020F0502020204030204" pitchFamily="34" charset="0"/>
+                        <a:ea typeface="Calibri" panose="020F0502020204030204" pitchFamily="34" charset="0"/>
+                        <a:cs typeface="Times New Roman" panose="02020603050405020304" pitchFamily="18" charset="0"/>
+                      </a:endParaRPr>
+                    </a:p>
+                  </a:txBody>
+                  <a:tcPr marL="68580" marR="68580" marT="0" marB="0">
+                    <a:lnL w="12700" cap="flat" cmpd="sng" algn="ctr">
+                      <a:solidFill>
+                        <a:schemeClr val="tx1"/>
+                      </a:solidFill>
+                      <a:prstDash val="solid"/>
+                      <a:round/>
+                      <a:headEnd type="none" w="med" len="med"/>
+                      <a:tailEnd type="none" w="med" len="med"/>
+                    </a:lnL>
+                    <a:lnR w="12700" cap="flat" cmpd="sng" algn="ctr">
+                      <a:solidFill>
+                        <a:schemeClr val="tx1"/>
+                      </a:solidFill>
+                      <a:prstDash val="solid"/>
+                      <a:round/>
+                      <a:headEnd type="none" w="med" len="med"/>
+                      <a:tailEnd type="none" w="med" len="med"/>
+                    </a:lnR>
+                    <a:noFill/>
+                  </a:tcPr>
+                </a:tc>
+                <a:extLst>
+                  <a:ext uri="{0D108BD9-81ED-4DB2-BD59-A6C34878D82A}">
+                    <a16:rowId xmlns:a16="http://schemas.microsoft.com/office/drawing/2014/main" val="3003973163"/>
+                  </a:ext>
+                </a:extLst>
+              </a:tr>
+              <a:tr h="0">
+                <a:tc>
+                  <a:txBody>
+                    <a:bodyPr/>
+                    <a:lstStyle/>
+                    <a:p>
+                      <a:pPr>
+                        <a:lnSpc>
+                          <a:spcPct val="107000"/>
+                        </a:lnSpc>
+                        <a:spcAft>
+                          <a:spcPts val="800"/>
+                        </a:spcAft>
+                      </a:pPr>
+                      <a:r>
+                        <a:rPr lang="es-ES" sz="1100" b="0">
+                          <a:solidFill>
+                            <a:schemeClr val="tx1"/>
+                          </a:solidFill>
+                          <a:effectLst/>
+                        </a:rPr>
+                        <a:t>c_Postal (string)</a:t>
+                      </a:r>
+                      <a:endParaRPr lang="es-ES" sz="1100" b="0">
+                        <a:solidFill>
+                          <a:schemeClr val="tx1"/>
+                        </a:solidFill>
+                        <a:effectLst/>
+                        <a:latin typeface="Calibri" panose="020F0502020204030204" pitchFamily="34" charset="0"/>
+                        <a:ea typeface="Calibri" panose="020F0502020204030204" pitchFamily="34" charset="0"/>
+                        <a:cs typeface="Times New Roman" panose="02020603050405020304" pitchFamily="18" charset="0"/>
+                      </a:endParaRPr>
+                    </a:p>
+                  </a:txBody>
+                  <a:tcPr marL="68580" marR="68580" marT="0" marB="0">
+                    <a:lnL w="12700" cap="flat" cmpd="sng" algn="ctr">
+                      <a:solidFill>
+                        <a:schemeClr val="tx1"/>
+                      </a:solidFill>
+                      <a:prstDash val="solid"/>
+                      <a:round/>
+                      <a:headEnd type="none" w="med" len="med"/>
+                      <a:tailEnd type="none" w="med" len="med"/>
+                    </a:lnL>
+                    <a:lnR w="12700" cap="flat" cmpd="sng" algn="ctr">
+                      <a:solidFill>
+                        <a:schemeClr val="tx1"/>
+                      </a:solidFill>
+                      <a:prstDash val="solid"/>
+                      <a:round/>
+                      <a:headEnd type="none" w="med" len="med"/>
+                      <a:tailEnd type="none" w="med" len="med"/>
+                    </a:lnR>
+                    <a:noFill/>
+                  </a:tcPr>
+                </a:tc>
+                <a:extLst>
+                  <a:ext uri="{0D108BD9-81ED-4DB2-BD59-A6C34878D82A}">
+                    <a16:rowId xmlns:a16="http://schemas.microsoft.com/office/drawing/2014/main" val="3735338619"/>
+                  </a:ext>
+                </a:extLst>
+              </a:tr>
+              <a:tr h="0">
+                <a:tc>
+                  <a:txBody>
+                    <a:bodyPr/>
+                    <a:lstStyle/>
+                    <a:p>
+                      <a:pPr>
+                        <a:lnSpc>
+                          <a:spcPct val="107000"/>
+                        </a:lnSpc>
+                        <a:spcAft>
+                          <a:spcPts val="800"/>
+                        </a:spcAft>
+                      </a:pPr>
+                      <a:r>
+                        <a:rPr lang="es-ES" sz="1100" b="0">
+                          <a:solidFill>
+                            <a:schemeClr val="tx1"/>
+                          </a:solidFill>
+                          <a:effectLst/>
+                        </a:rPr>
+                        <a:t>Localidad (string)</a:t>
+                      </a:r>
+                      <a:endParaRPr lang="es-ES" sz="1100" b="0">
+                        <a:solidFill>
+                          <a:schemeClr val="tx1"/>
+                        </a:solidFill>
+                        <a:effectLst/>
+                        <a:latin typeface="Calibri" panose="020F0502020204030204" pitchFamily="34" charset="0"/>
+                        <a:ea typeface="Calibri" panose="020F0502020204030204" pitchFamily="34" charset="0"/>
+                        <a:cs typeface="Times New Roman" panose="02020603050405020304" pitchFamily="18" charset="0"/>
+                      </a:endParaRPr>
+                    </a:p>
+                  </a:txBody>
+                  <a:tcPr marL="68580" marR="68580" marT="0" marB="0">
+                    <a:lnL w="12700" cap="flat" cmpd="sng" algn="ctr">
+                      <a:solidFill>
+                        <a:schemeClr val="tx1"/>
+                      </a:solidFill>
+                      <a:prstDash val="solid"/>
+                      <a:round/>
+                      <a:headEnd type="none" w="med" len="med"/>
+                      <a:tailEnd type="none" w="med" len="med"/>
+                    </a:lnL>
+                    <a:lnR w="12700" cap="flat" cmpd="sng" algn="ctr">
+                      <a:solidFill>
+                        <a:schemeClr val="tx1"/>
+                      </a:solidFill>
+                      <a:prstDash val="solid"/>
+                      <a:round/>
+                      <a:headEnd type="none" w="med" len="med"/>
+                      <a:tailEnd type="none" w="med" len="med"/>
+                    </a:lnR>
+                    <a:noFill/>
+                  </a:tcPr>
+                </a:tc>
+                <a:extLst>
+                  <a:ext uri="{0D108BD9-81ED-4DB2-BD59-A6C34878D82A}">
+                    <a16:rowId xmlns:a16="http://schemas.microsoft.com/office/drawing/2014/main" val="2064288523"/>
+                  </a:ext>
+                </a:extLst>
+              </a:tr>
+              <a:tr h="0">
+                <a:tc>
+                  <a:txBody>
+                    <a:bodyPr/>
+                    <a:lstStyle/>
+                    <a:p>
+                      <a:pPr>
+                        <a:lnSpc>
+                          <a:spcPct val="107000"/>
+                        </a:lnSpc>
+                        <a:spcAft>
+                          <a:spcPts val="800"/>
+                        </a:spcAft>
+                      </a:pPr>
+                      <a:r>
+                        <a:rPr lang="es-ES" sz="1100" b="0">
+                          <a:solidFill>
+                            <a:schemeClr val="tx1"/>
+                          </a:solidFill>
+                          <a:effectLst/>
+                        </a:rPr>
+                        <a:t>Provincia (string)</a:t>
+                      </a:r>
+                      <a:endParaRPr lang="es-ES" sz="1100" b="0">
+                        <a:solidFill>
+                          <a:schemeClr val="tx1"/>
+                        </a:solidFill>
+                        <a:effectLst/>
+                        <a:latin typeface="Calibri" panose="020F0502020204030204" pitchFamily="34" charset="0"/>
+                        <a:ea typeface="Calibri" panose="020F0502020204030204" pitchFamily="34" charset="0"/>
+                        <a:cs typeface="Times New Roman" panose="02020603050405020304" pitchFamily="18" charset="0"/>
+                      </a:endParaRPr>
+                    </a:p>
+                  </a:txBody>
+                  <a:tcPr marL="68580" marR="68580" marT="0" marB="0">
+                    <a:lnL w="12700" cap="flat" cmpd="sng" algn="ctr">
+                      <a:solidFill>
+                        <a:schemeClr val="tx1"/>
+                      </a:solidFill>
+                      <a:prstDash val="solid"/>
+                      <a:round/>
+                      <a:headEnd type="none" w="med" len="med"/>
+                      <a:tailEnd type="none" w="med" len="med"/>
+                    </a:lnL>
+                    <a:lnR w="12700" cap="flat" cmpd="sng" algn="ctr">
+                      <a:solidFill>
+                        <a:schemeClr val="tx1"/>
+                      </a:solidFill>
+                      <a:prstDash val="solid"/>
+                      <a:round/>
+                      <a:headEnd type="none" w="med" len="med"/>
+                      <a:tailEnd type="none" w="med" len="med"/>
+                    </a:lnR>
+                    <a:noFill/>
+                  </a:tcPr>
+                </a:tc>
+                <a:extLst>
+                  <a:ext uri="{0D108BD9-81ED-4DB2-BD59-A6C34878D82A}">
+                    <a16:rowId xmlns:a16="http://schemas.microsoft.com/office/drawing/2014/main" val="2410114979"/>
+                  </a:ext>
+                </a:extLst>
+              </a:tr>
+              <a:tr h="0">
+                <a:tc>
+                  <a:txBody>
+                    <a:bodyPr/>
+                    <a:lstStyle/>
+                    <a:p>
+                      <a:pPr>
+                        <a:lnSpc>
+                          <a:spcPct val="107000"/>
+                        </a:lnSpc>
+                        <a:spcAft>
+                          <a:spcPts val="800"/>
+                        </a:spcAft>
+                      </a:pPr>
+                      <a:r>
+                        <a:rPr lang="es-ES" sz="1100" b="0" dirty="0">
+                          <a:solidFill>
+                            <a:schemeClr val="tx1"/>
+                          </a:solidFill>
+                          <a:effectLst/>
+                        </a:rPr>
+                        <a:t>País (</a:t>
+                      </a:r>
+                      <a:r>
+                        <a:rPr lang="es-ES" sz="1100" b="0" dirty="0" err="1">
+                          <a:solidFill>
+                            <a:schemeClr val="tx1"/>
+                          </a:solidFill>
+                          <a:effectLst/>
+                        </a:rPr>
+                        <a:t>string</a:t>
+                      </a:r>
+                      <a:r>
+                        <a:rPr lang="es-ES" sz="1100" b="0" dirty="0">
+                          <a:solidFill>
+                            <a:schemeClr val="tx1"/>
+                          </a:solidFill>
+                          <a:effectLst/>
+                        </a:rPr>
+                        <a:t>)</a:t>
+                      </a:r>
+                      <a:endParaRPr lang="es-ES" sz="1100" b="0" dirty="0">
+                        <a:solidFill>
+                          <a:schemeClr val="tx1"/>
+                        </a:solidFill>
+                        <a:effectLst/>
+                        <a:latin typeface="Calibri" panose="020F0502020204030204" pitchFamily="34" charset="0"/>
+                        <a:ea typeface="Calibri" panose="020F0502020204030204" pitchFamily="34" charset="0"/>
+                        <a:cs typeface="Times New Roman" panose="02020603050405020304" pitchFamily="18" charset="0"/>
+                      </a:endParaRPr>
+                    </a:p>
+                  </a:txBody>
+                  <a:tcPr marL="68580" marR="68580" marT="0" marB="0">
+                    <a:lnL w="12700" cap="flat" cmpd="sng" algn="ctr">
+                      <a:solidFill>
+                        <a:schemeClr val="tx1"/>
+                      </a:solidFill>
+                      <a:prstDash val="solid"/>
+                      <a:round/>
+                      <a:headEnd type="none" w="med" len="med"/>
+                      <a:tailEnd type="none" w="med" len="med"/>
+                    </a:lnL>
+                    <a:lnR w="12700" cap="flat" cmpd="sng" algn="ctr">
+                      <a:solidFill>
+                        <a:schemeClr val="tx1"/>
+                      </a:solidFill>
+                      <a:prstDash val="solid"/>
+                      <a:round/>
+                      <a:headEnd type="none" w="med" len="med"/>
+                      <a:tailEnd type="none" w="med" len="med"/>
+                    </a:lnR>
+                    <a:lnB w="12700" cap="flat" cmpd="sng" algn="ctr">
+                      <a:solidFill>
+                        <a:schemeClr val="tx1"/>
+                      </a:solidFill>
+                      <a:prstDash val="solid"/>
+                      <a:round/>
+                      <a:headEnd type="none" w="med" len="med"/>
+                      <a:tailEnd type="none" w="med" len="med"/>
+                    </a:lnB>
+                    <a:noFill/>
+                  </a:tcPr>
+                </a:tc>
+                <a:extLst>
+                  <a:ext uri="{0D108BD9-81ED-4DB2-BD59-A6C34878D82A}">
+                    <a16:rowId xmlns:a16="http://schemas.microsoft.com/office/drawing/2014/main" val="3652328646"/>
+                  </a:ext>
+                </a:extLst>
+              </a:tr>
+            </a:tbl>
+          </a:graphicData>
+        </a:graphic>
+      </p:graphicFrame>
+      <p:cxnSp>
+        <p:nvCxnSpPr>
+          <p:cNvPr id="52" name="Conector recto 51">
+            <a:extLst>
+              <a:ext uri="{FF2B5EF4-FFF2-40B4-BE49-F238E27FC236}">
+                <a16:creationId xmlns:a16="http://schemas.microsoft.com/office/drawing/2014/main" id="{D48298A1-C18C-6097-CCED-CE6F7F1A7C8B}"/>
+              </a:ext>
+            </a:extLst>
+          </p:cNvPr>
+          <p:cNvCxnSpPr>
+            <a:cxnSpLocks/>
+          </p:cNvCxnSpPr>
+          <p:nvPr/>
+        </p:nvCxnSpPr>
+        <p:spPr>
+          <a:xfrm>
+            <a:off x="4098256" y="1268952"/>
+            <a:ext cx="306105" cy="5976"/>
+          </a:xfrm>
+          <a:prstGeom prst="line">
+            <a:avLst/>
+          </a:prstGeom>
+          <a:ln w="9525"/>
+        </p:spPr>
+        <p:style>
+          <a:lnRef idx="1">
+            <a:schemeClr val="dk1"/>
+          </a:lnRef>
+          <a:fillRef idx="0">
+            <a:schemeClr val="dk1"/>
+          </a:fillRef>
+          <a:effectRef idx="0">
+            <a:schemeClr val="dk1"/>
+          </a:effectRef>
+          <a:fontRef idx="minor">
+            <a:schemeClr val="tx1"/>
+          </a:fontRef>
+        </p:style>
+      </p:cxnSp>
+      <p:grpSp>
+        <p:nvGrpSpPr>
+          <p:cNvPr id="55" name="Grupo 54">
+            <a:extLst>
+              <a:ext uri="{FF2B5EF4-FFF2-40B4-BE49-F238E27FC236}">
+                <a16:creationId xmlns:a16="http://schemas.microsoft.com/office/drawing/2014/main" id="{559F032E-088C-3B9F-C552-C119722A26D2}"/>
+              </a:ext>
+            </a:extLst>
+          </p:cNvPr>
+          <p:cNvGrpSpPr/>
+          <p:nvPr/>
+        </p:nvGrpSpPr>
+        <p:grpSpPr>
+          <a:xfrm rot="5400000">
+            <a:off x="4071910" y="1193889"/>
+            <a:ext cx="208671" cy="150125"/>
+            <a:chOff x="4185313" y="1108364"/>
+            <a:chExt cx="308755" cy="347397"/>
+          </a:xfrm>
+        </p:grpSpPr>
+        <p:cxnSp>
+          <p:nvCxnSpPr>
+            <p:cNvPr id="56" name="Conector recto 55">
+              <a:extLst>
+                <a:ext uri="{FF2B5EF4-FFF2-40B4-BE49-F238E27FC236}">
+                  <a16:creationId xmlns:a16="http://schemas.microsoft.com/office/drawing/2014/main" id="{01A74187-6BF8-0250-85AB-325A052B06E2}"/>
+                </a:ext>
+              </a:extLst>
+            </p:cNvPr>
+            <p:cNvCxnSpPr>
+              <a:cxnSpLocks/>
+            </p:cNvCxnSpPr>
+            <p:nvPr/>
+          </p:nvCxnSpPr>
+          <p:spPr>
+            <a:xfrm>
+              <a:off x="4338205" y="1108364"/>
+              <a:ext cx="0" cy="346363"/>
+            </a:xfrm>
+            <a:prstGeom prst="line">
+              <a:avLst/>
+            </a:prstGeom>
+            <a:ln w="9525">
+              <a:solidFill>
+                <a:schemeClr val="tx1"/>
+              </a:solidFill>
+            </a:ln>
+          </p:spPr>
+          <p:style>
+            <a:lnRef idx="1">
+              <a:schemeClr val="accent1"/>
+            </a:lnRef>
+            <a:fillRef idx="0">
+              <a:schemeClr val="accent1"/>
+            </a:fillRef>
+            <a:effectRef idx="0">
+              <a:schemeClr val="accent1"/>
+            </a:effectRef>
+            <a:fontRef idx="minor">
+              <a:schemeClr val="tx1"/>
+            </a:fontRef>
+          </p:style>
+        </p:cxnSp>
+        <p:cxnSp>
+          <p:nvCxnSpPr>
+            <p:cNvPr id="57" name="Conector recto 56">
+              <a:extLst>
+                <a:ext uri="{FF2B5EF4-FFF2-40B4-BE49-F238E27FC236}">
+                  <a16:creationId xmlns:a16="http://schemas.microsoft.com/office/drawing/2014/main" id="{69ECF1C1-1B5E-44DD-0C02-DFD675163650}"/>
+                </a:ext>
+              </a:extLst>
+            </p:cNvPr>
+            <p:cNvCxnSpPr>
+              <a:cxnSpLocks/>
+            </p:cNvCxnSpPr>
+            <p:nvPr/>
+          </p:nvCxnSpPr>
+          <p:spPr>
+            <a:xfrm>
+              <a:off x="4338205" y="1108364"/>
+              <a:ext cx="155863" cy="346363"/>
+            </a:xfrm>
+            <a:prstGeom prst="line">
+              <a:avLst/>
+            </a:prstGeom>
+            <a:ln w="9525">
+              <a:solidFill>
+                <a:schemeClr val="tx1"/>
+              </a:solidFill>
+            </a:ln>
+          </p:spPr>
+          <p:style>
+            <a:lnRef idx="1">
+              <a:schemeClr val="accent1"/>
+            </a:lnRef>
+            <a:fillRef idx="0">
+              <a:schemeClr val="accent1"/>
+            </a:fillRef>
+            <a:effectRef idx="0">
+              <a:schemeClr val="accent1"/>
+            </a:effectRef>
+            <a:fontRef idx="minor">
+              <a:schemeClr val="tx1"/>
+            </a:fontRef>
+          </p:style>
+        </p:cxnSp>
+        <p:cxnSp>
+          <p:nvCxnSpPr>
+            <p:cNvPr id="58" name="Conector recto 57">
+              <a:extLst>
+                <a:ext uri="{FF2B5EF4-FFF2-40B4-BE49-F238E27FC236}">
+                  <a16:creationId xmlns:a16="http://schemas.microsoft.com/office/drawing/2014/main" id="{CF80ACC0-C6DB-30FD-8FBD-0BC6DF47D699}"/>
+                </a:ext>
+              </a:extLst>
+            </p:cNvPr>
+            <p:cNvCxnSpPr>
+              <a:cxnSpLocks/>
+            </p:cNvCxnSpPr>
+            <p:nvPr/>
+          </p:nvCxnSpPr>
+          <p:spPr>
+            <a:xfrm flipH="1">
+              <a:off x="4185313" y="1108364"/>
+              <a:ext cx="152892" cy="347397"/>
+            </a:xfrm>
+            <a:prstGeom prst="line">
+              <a:avLst/>
+            </a:prstGeom>
+            <a:ln w="9525">
+              <a:solidFill>
+                <a:schemeClr val="tx1"/>
+              </a:solidFill>
+            </a:ln>
+          </p:spPr>
+          <p:style>
+            <a:lnRef idx="1">
+              <a:schemeClr val="accent1"/>
+            </a:lnRef>
+            <a:fillRef idx="0">
+              <a:schemeClr val="accent1"/>
+            </a:fillRef>
+            <a:effectRef idx="0">
+              <a:schemeClr val="accent1"/>
+            </a:effectRef>
+            <a:fontRef idx="minor">
+              <a:schemeClr val="tx1"/>
+            </a:fontRef>
+          </p:style>
+        </p:cxnSp>
+      </p:grpSp>
+      <p:cxnSp>
+        <p:nvCxnSpPr>
+          <p:cNvPr id="73" name="Conector recto 72">
+            <a:extLst>
+              <a:ext uri="{FF2B5EF4-FFF2-40B4-BE49-F238E27FC236}">
+                <a16:creationId xmlns:a16="http://schemas.microsoft.com/office/drawing/2014/main" id="{2C480220-155F-FD91-42A0-95EF4D9CDEBD}"/>
+              </a:ext>
+            </a:extLst>
+          </p:cNvPr>
+          <p:cNvCxnSpPr>
+            <a:cxnSpLocks/>
+          </p:cNvCxnSpPr>
+          <p:nvPr/>
+        </p:nvCxnSpPr>
+        <p:spPr>
+          <a:xfrm>
+            <a:off x="4098600" y="1064822"/>
+            <a:ext cx="6001774" cy="0"/>
+          </a:xfrm>
+          <a:prstGeom prst="line">
+            <a:avLst/>
+          </a:prstGeom>
+          <a:ln w="9525"/>
+        </p:spPr>
+        <p:style>
+          <a:lnRef idx="1">
+            <a:schemeClr val="dk1"/>
+          </a:lnRef>
+          <a:fillRef idx="0">
+            <a:schemeClr val="dk1"/>
+          </a:fillRef>
+          <a:effectRef idx="0">
+            <a:schemeClr val="dk1"/>
+          </a:effectRef>
+          <a:fontRef idx="minor">
+            <a:schemeClr val="tx1"/>
+          </a:fontRef>
+        </p:style>
+      </p:cxnSp>
+      <p:cxnSp>
+        <p:nvCxnSpPr>
+          <p:cNvPr id="76" name="Conector recto 75">
+            <a:extLst>
+              <a:ext uri="{FF2B5EF4-FFF2-40B4-BE49-F238E27FC236}">
+                <a16:creationId xmlns:a16="http://schemas.microsoft.com/office/drawing/2014/main" id="{55164719-D826-664A-597F-133040118294}"/>
+              </a:ext>
+            </a:extLst>
+          </p:cNvPr>
+          <p:cNvCxnSpPr>
+            <a:cxnSpLocks/>
+          </p:cNvCxnSpPr>
+          <p:nvPr/>
+        </p:nvCxnSpPr>
+        <p:spPr>
+          <a:xfrm>
+            <a:off x="4159885" y="986301"/>
+            <a:ext cx="0" cy="163566"/>
+          </a:xfrm>
+          <a:prstGeom prst="line">
+            <a:avLst/>
+          </a:prstGeom>
+          <a:ln w="9525"/>
+        </p:spPr>
+        <p:style>
+          <a:lnRef idx="1">
+            <a:schemeClr val="dk1"/>
+          </a:lnRef>
+          <a:fillRef idx="0">
+            <a:schemeClr val="dk1"/>
+          </a:fillRef>
+          <a:effectRef idx="0">
+            <a:schemeClr val="dk1"/>
+          </a:effectRef>
+          <a:fontRef idx="minor">
+            <a:schemeClr val="tx1"/>
+          </a:fontRef>
+        </p:style>
+      </p:cxnSp>
+      <p:cxnSp>
+        <p:nvCxnSpPr>
+          <p:cNvPr id="79" name="Conector recto 78">
+            <a:extLst>
+              <a:ext uri="{FF2B5EF4-FFF2-40B4-BE49-F238E27FC236}">
+                <a16:creationId xmlns:a16="http://schemas.microsoft.com/office/drawing/2014/main" id="{9DA05531-37EA-FC15-1965-042DB60FBC3C}"/>
+              </a:ext>
+            </a:extLst>
+          </p:cNvPr>
+          <p:cNvCxnSpPr>
+            <a:cxnSpLocks/>
+          </p:cNvCxnSpPr>
+          <p:nvPr/>
+        </p:nvCxnSpPr>
+        <p:spPr>
+          <a:xfrm flipV="1">
+            <a:off x="10100374" y="1064822"/>
+            <a:ext cx="0" cy="1644252"/>
+          </a:xfrm>
+          <a:prstGeom prst="line">
+            <a:avLst/>
+          </a:prstGeom>
+          <a:ln w="9525"/>
+        </p:spPr>
+        <p:style>
+          <a:lnRef idx="1">
+            <a:schemeClr val="dk1"/>
+          </a:lnRef>
+          <a:fillRef idx="0">
+            <a:schemeClr val="dk1"/>
+          </a:fillRef>
+          <a:effectRef idx="0">
+            <a:schemeClr val="dk1"/>
+          </a:effectRef>
+          <a:fontRef idx="minor">
+            <a:schemeClr val="tx1"/>
+          </a:fontRef>
+        </p:style>
+      </p:cxnSp>
+      <p:cxnSp>
+        <p:nvCxnSpPr>
+          <p:cNvPr id="97" name="Conector recto 96">
+            <a:extLst>
+              <a:ext uri="{FF2B5EF4-FFF2-40B4-BE49-F238E27FC236}">
+                <a16:creationId xmlns:a16="http://schemas.microsoft.com/office/drawing/2014/main" id="{38A3F184-7869-A195-20C9-CA4533073F59}"/>
+              </a:ext>
+            </a:extLst>
+          </p:cNvPr>
+          <p:cNvCxnSpPr>
+            <a:cxnSpLocks/>
+          </p:cNvCxnSpPr>
+          <p:nvPr/>
+        </p:nvCxnSpPr>
+        <p:spPr>
+          <a:xfrm>
+            <a:off x="9626221" y="2709074"/>
+            <a:ext cx="474153" cy="0"/>
+          </a:xfrm>
+          <a:prstGeom prst="line">
+            <a:avLst/>
+          </a:prstGeom>
+          <a:ln w="9525"/>
+        </p:spPr>
+        <p:style>
+          <a:lnRef idx="1">
+            <a:schemeClr val="dk1"/>
+          </a:lnRef>
+          <a:fillRef idx="0">
+            <a:schemeClr val="dk1"/>
+          </a:fillRef>
+          <a:effectRef idx="0">
+            <a:schemeClr val="dk1"/>
+          </a:effectRef>
+          <a:fontRef idx="minor">
+            <a:schemeClr val="tx1"/>
+          </a:fontRef>
+        </p:style>
+      </p:cxnSp>
+      <p:grpSp>
+        <p:nvGrpSpPr>
+          <p:cNvPr id="105" name="Grupo 104">
+            <a:extLst>
+              <a:ext uri="{FF2B5EF4-FFF2-40B4-BE49-F238E27FC236}">
+                <a16:creationId xmlns:a16="http://schemas.microsoft.com/office/drawing/2014/main" id="{160BF21E-C3CC-1072-1D08-80D4B2E258B0}"/>
+              </a:ext>
+            </a:extLst>
+          </p:cNvPr>
+          <p:cNvGrpSpPr/>
+          <p:nvPr/>
+        </p:nvGrpSpPr>
+        <p:grpSpPr>
+          <a:xfrm rot="5400000">
+            <a:off x="9602563" y="2634640"/>
+            <a:ext cx="208671" cy="150125"/>
+            <a:chOff x="4185313" y="1108364"/>
+            <a:chExt cx="308755" cy="347397"/>
+          </a:xfrm>
+        </p:grpSpPr>
+        <p:cxnSp>
+          <p:nvCxnSpPr>
+            <p:cNvPr id="108" name="Conector recto 107">
+              <a:extLst>
+                <a:ext uri="{FF2B5EF4-FFF2-40B4-BE49-F238E27FC236}">
+                  <a16:creationId xmlns:a16="http://schemas.microsoft.com/office/drawing/2014/main" id="{C931218F-AC26-7D6A-A74A-8E25FEC1C728}"/>
+                </a:ext>
+              </a:extLst>
+            </p:cNvPr>
+            <p:cNvCxnSpPr>
+              <a:cxnSpLocks/>
+            </p:cNvCxnSpPr>
+            <p:nvPr/>
+          </p:nvCxnSpPr>
+          <p:spPr>
+            <a:xfrm>
+              <a:off x="4338205" y="1108364"/>
+              <a:ext cx="0" cy="346363"/>
+            </a:xfrm>
+            <a:prstGeom prst="line">
+              <a:avLst/>
+            </a:prstGeom>
+            <a:ln w="9525">
+              <a:solidFill>
+                <a:schemeClr val="tx1"/>
+              </a:solidFill>
+            </a:ln>
+          </p:spPr>
+          <p:style>
+            <a:lnRef idx="1">
+              <a:schemeClr val="accent1"/>
+            </a:lnRef>
+            <a:fillRef idx="0">
+              <a:schemeClr val="accent1"/>
+            </a:fillRef>
+            <a:effectRef idx="0">
+              <a:schemeClr val="accent1"/>
+            </a:effectRef>
+            <a:fontRef idx="minor">
+              <a:schemeClr val="tx1"/>
+            </a:fontRef>
+          </p:style>
+        </p:cxnSp>
+        <p:cxnSp>
+          <p:nvCxnSpPr>
+            <p:cNvPr id="109" name="Conector recto 108">
+              <a:extLst>
+                <a:ext uri="{FF2B5EF4-FFF2-40B4-BE49-F238E27FC236}">
+                  <a16:creationId xmlns:a16="http://schemas.microsoft.com/office/drawing/2014/main" id="{1F468091-5480-179F-71AB-3C33256B7456}"/>
+                </a:ext>
+              </a:extLst>
+            </p:cNvPr>
+            <p:cNvCxnSpPr>
+              <a:cxnSpLocks/>
+            </p:cNvCxnSpPr>
+            <p:nvPr/>
+          </p:nvCxnSpPr>
+          <p:spPr>
+            <a:xfrm>
+              <a:off x="4338205" y="1108364"/>
+              <a:ext cx="155863" cy="346363"/>
+            </a:xfrm>
+            <a:prstGeom prst="line">
+              <a:avLst/>
+            </a:prstGeom>
+            <a:ln w="9525">
+              <a:solidFill>
+                <a:schemeClr val="tx1"/>
+              </a:solidFill>
+            </a:ln>
+          </p:spPr>
+          <p:style>
+            <a:lnRef idx="1">
+              <a:schemeClr val="accent1"/>
+            </a:lnRef>
+            <a:fillRef idx="0">
+              <a:schemeClr val="accent1"/>
+            </a:fillRef>
+            <a:effectRef idx="0">
+              <a:schemeClr val="accent1"/>
+            </a:effectRef>
+            <a:fontRef idx="minor">
+              <a:schemeClr val="tx1"/>
+            </a:fontRef>
+          </p:style>
+        </p:cxnSp>
+        <p:cxnSp>
+          <p:nvCxnSpPr>
+            <p:cNvPr id="110" name="Conector recto 109">
+              <a:extLst>
+                <a:ext uri="{FF2B5EF4-FFF2-40B4-BE49-F238E27FC236}">
+                  <a16:creationId xmlns:a16="http://schemas.microsoft.com/office/drawing/2014/main" id="{E57D69E7-72E1-F1B0-B313-176EDC5713F9}"/>
+                </a:ext>
+              </a:extLst>
+            </p:cNvPr>
+            <p:cNvCxnSpPr>
+              <a:cxnSpLocks/>
+            </p:cNvCxnSpPr>
+            <p:nvPr/>
+          </p:nvCxnSpPr>
+          <p:spPr>
+            <a:xfrm flipH="1">
+              <a:off x="4185313" y="1108364"/>
+              <a:ext cx="152892" cy="347397"/>
+            </a:xfrm>
+            <a:prstGeom prst="line">
+              <a:avLst/>
+            </a:prstGeom>
+            <a:ln w="9525">
+              <a:solidFill>
+                <a:schemeClr val="tx1"/>
+              </a:solidFill>
+            </a:ln>
+          </p:spPr>
+          <p:style>
+            <a:lnRef idx="1">
+              <a:schemeClr val="accent1"/>
+            </a:lnRef>
+            <a:fillRef idx="0">
+              <a:schemeClr val="accent1"/>
+            </a:fillRef>
+            <a:effectRef idx="0">
+              <a:schemeClr val="accent1"/>
+            </a:effectRef>
+            <a:fontRef idx="minor">
+              <a:schemeClr val="tx1"/>
+            </a:fontRef>
+          </p:style>
+        </p:cxnSp>
+      </p:grpSp>
+      <p:graphicFrame>
+        <p:nvGraphicFramePr>
+          <p:cNvPr id="111" name="Tabla 110">
+            <a:extLst>
+              <a:ext uri="{FF2B5EF4-FFF2-40B4-BE49-F238E27FC236}">
+                <a16:creationId xmlns:a16="http://schemas.microsoft.com/office/drawing/2014/main" id="{E405BA2B-DBD1-7941-6F8F-99CEBC490E74}"/>
+              </a:ext>
+            </a:extLst>
+          </p:cNvPr>
+          <p:cNvGraphicFramePr>
+            <a:graphicFrameLocks noGrp="1"/>
+          </p:cNvGraphicFramePr>
+          <p:nvPr>
+            <p:extLst>
+              <p:ext uri="{D42A27DB-BD31-4B8C-83A1-F6EECF244321}">
+                <p14:modId xmlns:p14="http://schemas.microsoft.com/office/powerpoint/2010/main" val="757500335"/>
+              </p:ext>
+            </p:extLst>
+          </p:nvPr>
+        </p:nvGraphicFramePr>
+        <p:xfrm>
+          <a:off x="338764" y="1916828"/>
+          <a:ext cx="1809750" cy="1028700"/>
+        </p:xfrm>
+        <a:graphic>
+          <a:graphicData uri="http://schemas.openxmlformats.org/drawingml/2006/table">
+            <a:tbl>
+              <a:tblPr firstRow="1" firstCol="1" bandRow="1">
+                <a:tableStyleId>{5C22544A-7EE6-4342-B048-85BDC9FD1C3A}</a:tableStyleId>
+              </a:tblPr>
+              <a:tblGrid>
+                <a:gridCol w="1809750">
+                  <a:extLst>
+                    <a:ext uri="{9D8B030D-6E8A-4147-A177-3AD203B41FA5}">
+                      <a16:colId xmlns:a16="http://schemas.microsoft.com/office/drawing/2014/main" val="847552803"/>
+                    </a:ext>
+                  </a:extLst>
+                </a:gridCol>
+              </a:tblGrid>
+              <a:tr h="0">
+                <a:tc>
+                  <a:txBody>
+                    <a:bodyPr/>
+                    <a:lstStyle/>
+                    <a:p>
+                      <a:pPr algn="ctr">
+                        <a:lnSpc>
+                          <a:spcPct val="107000"/>
+                        </a:lnSpc>
+                        <a:spcAft>
+                          <a:spcPts val="800"/>
+                        </a:spcAft>
+                      </a:pPr>
+                      <a:r>
+                        <a:rPr lang="es-ES" sz="1100" b="1" dirty="0">
+                          <a:solidFill>
+                            <a:schemeClr val="tx1"/>
+                          </a:solidFill>
+                          <a:effectLst/>
+                        </a:rPr>
+                        <a:t>Tarjetas</a:t>
+                      </a:r>
+                      <a:endParaRPr lang="es-ES" sz="1100" b="1" dirty="0">
+                        <a:solidFill>
+                          <a:schemeClr val="tx1"/>
+                        </a:solidFill>
+                        <a:effectLst/>
+                        <a:latin typeface="Calibri" panose="020F0502020204030204" pitchFamily="34" charset="0"/>
+                        <a:ea typeface="Calibri" panose="020F0502020204030204" pitchFamily="34" charset="0"/>
+                        <a:cs typeface="Times New Roman" panose="02020603050405020304" pitchFamily="18" charset="0"/>
+                      </a:endParaRPr>
+                    </a:p>
+                  </a:txBody>
+                  <a:tcPr marL="68580" marR="68580" marT="0" marB="0">
+                    <a:lnL w="12700" cap="flat" cmpd="sng" algn="ctr">
+                      <a:solidFill>
+                        <a:schemeClr val="tx1"/>
+                      </a:solidFill>
+                      <a:prstDash val="solid"/>
+                      <a:round/>
+                      <a:headEnd type="none" w="med" len="med"/>
+                      <a:tailEnd type="none" w="med" len="med"/>
+                    </a:lnL>
+                    <a:lnR w="12700" cap="flat" cmpd="sng" algn="ctr">
+                      <a:solidFill>
+                        <a:schemeClr val="tx1"/>
+                      </a:solidFill>
+                      <a:prstDash val="solid"/>
+                      <a:round/>
+                      <a:headEnd type="none" w="med" len="med"/>
+                      <a:tailEnd type="none" w="med" len="med"/>
+                    </a:lnR>
+                    <a:lnT w="12700" cap="flat" cmpd="sng" algn="ctr">
+                      <a:solidFill>
+                        <a:schemeClr val="tx1"/>
+                      </a:solidFill>
+                      <a:prstDash val="solid"/>
+                      <a:round/>
+                      <a:headEnd type="none" w="med" len="med"/>
+                      <a:tailEnd type="none" w="med" len="med"/>
+                    </a:lnT>
+                    <a:lnB w="12700" cap="flat" cmpd="sng" algn="ctr">
+                      <a:solidFill>
+                        <a:schemeClr val="tx1"/>
+                      </a:solidFill>
+                      <a:prstDash val="solid"/>
+                      <a:round/>
+                      <a:headEnd type="none" w="med" len="med"/>
+                      <a:tailEnd type="none" w="med" len="med"/>
+                    </a:lnB>
+                    <a:noFill/>
+                  </a:tcPr>
+                </a:tc>
+                <a:extLst>
+                  <a:ext uri="{0D108BD9-81ED-4DB2-BD59-A6C34878D82A}">
+                    <a16:rowId xmlns:a16="http://schemas.microsoft.com/office/drawing/2014/main" val="2634572185"/>
+                  </a:ext>
+                </a:extLst>
+              </a:tr>
+              <a:tr h="0">
+                <a:tc>
+                  <a:txBody>
+                    <a:bodyPr/>
+                    <a:lstStyle/>
+                    <a:p>
+                      <a:pPr>
+                        <a:lnSpc>
+                          <a:spcPct val="107000"/>
+                        </a:lnSpc>
+                        <a:spcAft>
+                          <a:spcPts val="800"/>
+                        </a:spcAft>
+                      </a:pPr>
+                      <a:r>
+                        <a:rPr lang="es-ES" sz="1100" b="0">
+                          <a:solidFill>
+                            <a:schemeClr val="tx1"/>
+                          </a:solidFill>
+                          <a:effectLst/>
+                        </a:rPr>
+                        <a:t>Id (int) Primary Key</a:t>
+                      </a:r>
+                      <a:endParaRPr lang="es-ES" sz="1100" b="0">
+                        <a:solidFill>
+                          <a:schemeClr val="tx1"/>
+                        </a:solidFill>
+                        <a:effectLst/>
+                        <a:latin typeface="Calibri" panose="020F0502020204030204" pitchFamily="34" charset="0"/>
+                        <a:ea typeface="Calibri" panose="020F0502020204030204" pitchFamily="34" charset="0"/>
+                        <a:cs typeface="Times New Roman" panose="02020603050405020304" pitchFamily="18" charset="0"/>
+                      </a:endParaRPr>
+                    </a:p>
+                  </a:txBody>
+                  <a:tcPr marL="68580" marR="68580" marT="0" marB="0">
+                    <a:lnL w="12700" cap="flat" cmpd="sng" algn="ctr">
+                      <a:solidFill>
+                        <a:schemeClr val="tx1"/>
+                      </a:solidFill>
+                      <a:prstDash val="solid"/>
+                      <a:round/>
+                      <a:headEnd type="none" w="med" len="med"/>
+                      <a:tailEnd type="none" w="med" len="med"/>
+                    </a:lnL>
+                    <a:lnR w="12700" cap="flat" cmpd="sng" algn="ctr">
+                      <a:solidFill>
+                        <a:schemeClr val="tx1"/>
+                      </a:solidFill>
+                      <a:prstDash val="solid"/>
+                      <a:round/>
+                      <a:headEnd type="none" w="med" len="med"/>
+                      <a:tailEnd type="none" w="med" len="med"/>
+                    </a:lnR>
+                    <a:lnT w="12700" cap="flat" cmpd="sng" algn="ctr">
+                      <a:solidFill>
+                        <a:schemeClr val="tx1"/>
+                      </a:solidFill>
+                      <a:prstDash val="solid"/>
+                      <a:round/>
+                      <a:headEnd type="none" w="med" len="med"/>
+                      <a:tailEnd type="none" w="med" len="med"/>
+                    </a:lnT>
+                    <a:noFill/>
+                  </a:tcPr>
+                </a:tc>
+                <a:extLst>
+                  <a:ext uri="{0D108BD9-81ED-4DB2-BD59-A6C34878D82A}">
+                    <a16:rowId xmlns:a16="http://schemas.microsoft.com/office/drawing/2014/main" val="1072895774"/>
+                  </a:ext>
+                </a:extLst>
+              </a:tr>
+              <a:tr h="0">
+                <a:tc>
+                  <a:txBody>
+                    <a:bodyPr/>
+                    <a:lstStyle/>
+                    <a:p>
+                      <a:pPr>
+                        <a:lnSpc>
+                          <a:spcPct val="107000"/>
+                        </a:lnSpc>
+                        <a:spcAft>
+                          <a:spcPts val="800"/>
+                        </a:spcAft>
+                      </a:pPr>
+                      <a:r>
+                        <a:rPr lang="en-US" sz="1100" b="0">
+                          <a:solidFill>
+                            <a:schemeClr val="tx1"/>
+                          </a:solidFill>
+                          <a:effectLst/>
+                        </a:rPr>
+                        <a:t>Id_Cliente (int) Foreign Key</a:t>
+                      </a:r>
+                      <a:endParaRPr lang="es-ES" sz="1100" b="0">
+                        <a:solidFill>
+                          <a:schemeClr val="tx1"/>
+                        </a:solidFill>
+                        <a:effectLst/>
+                        <a:latin typeface="Calibri" panose="020F0502020204030204" pitchFamily="34" charset="0"/>
+                        <a:ea typeface="Calibri" panose="020F0502020204030204" pitchFamily="34" charset="0"/>
+                        <a:cs typeface="Times New Roman" panose="02020603050405020304" pitchFamily="18" charset="0"/>
+                      </a:endParaRPr>
+                    </a:p>
+                  </a:txBody>
+                  <a:tcPr marL="68580" marR="68580" marT="0" marB="0">
+                    <a:lnL w="12700" cap="flat" cmpd="sng" algn="ctr">
+                      <a:solidFill>
+                        <a:schemeClr val="tx1"/>
+                      </a:solidFill>
+                      <a:prstDash val="solid"/>
+                      <a:round/>
+                      <a:headEnd type="none" w="med" len="med"/>
+                      <a:tailEnd type="none" w="med" len="med"/>
+                    </a:lnL>
+                    <a:lnR w="12700" cap="flat" cmpd="sng" algn="ctr">
+                      <a:solidFill>
+                        <a:schemeClr val="tx1"/>
+                      </a:solidFill>
+                      <a:prstDash val="solid"/>
+                      <a:round/>
+                      <a:headEnd type="none" w="med" len="med"/>
+                      <a:tailEnd type="none" w="med" len="med"/>
+                    </a:lnR>
+                    <a:noFill/>
+                  </a:tcPr>
+                </a:tc>
+                <a:extLst>
+                  <a:ext uri="{0D108BD9-81ED-4DB2-BD59-A6C34878D82A}">
+                    <a16:rowId xmlns:a16="http://schemas.microsoft.com/office/drawing/2014/main" val="2799901368"/>
+                  </a:ext>
+                </a:extLst>
+              </a:tr>
+              <a:tr h="0">
+                <a:tc>
+                  <a:txBody>
+                    <a:bodyPr/>
+                    <a:lstStyle/>
+                    <a:p>
+                      <a:pPr>
+                        <a:lnSpc>
+                          <a:spcPct val="107000"/>
+                        </a:lnSpc>
+                        <a:spcAft>
+                          <a:spcPts val="800"/>
+                        </a:spcAft>
+                      </a:pPr>
+                      <a:r>
+                        <a:rPr lang="es-ES" sz="1100" b="0">
+                          <a:solidFill>
+                            <a:schemeClr val="tx1"/>
+                          </a:solidFill>
+                          <a:effectLst/>
+                        </a:rPr>
+                        <a:t>Numero (string)</a:t>
+                      </a:r>
+                      <a:endParaRPr lang="es-ES" sz="1100" b="0">
+                        <a:solidFill>
+                          <a:schemeClr val="tx1"/>
+                        </a:solidFill>
+                        <a:effectLst/>
+                        <a:latin typeface="Calibri" panose="020F0502020204030204" pitchFamily="34" charset="0"/>
+                        <a:ea typeface="Calibri" panose="020F0502020204030204" pitchFamily="34" charset="0"/>
+                        <a:cs typeface="Times New Roman" panose="02020603050405020304" pitchFamily="18" charset="0"/>
+                      </a:endParaRPr>
+                    </a:p>
+                  </a:txBody>
+                  <a:tcPr marL="68580" marR="68580" marT="0" marB="0">
+                    <a:lnL w="12700" cap="flat" cmpd="sng" algn="ctr">
+                      <a:solidFill>
+                        <a:schemeClr val="tx1"/>
+                      </a:solidFill>
+                      <a:prstDash val="solid"/>
+                      <a:round/>
+                      <a:headEnd type="none" w="med" len="med"/>
+                      <a:tailEnd type="none" w="med" len="med"/>
+                    </a:lnL>
+                    <a:lnR w="12700" cap="flat" cmpd="sng" algn="ctr">
+                      <a:solidFill>
+                        <a:schemeClr val="tx1"/>
+                      </a:solidFill>
+                      <a:prstDash val="solid"/>
+                      <a:round/>
+                      <a:headEnd type="none" w="med" len="med"/>
+                      <a:tailEnd type="none" w="med" len="med"/>
+                    </a:lnR>
+                    <a:noFill/>
+                  </a:tcPr>
+                </a:tc>
+                <a:extLst>
+                  <a:ext uri="{0D108BD9-81ED-4DB2-BD59-A6C34878D82A}">
+                    <a16:rowId xmlns:a16="http://schemas.microsoft.com/office/drawing/2014/main" val="2885005409"/>
+                  </a:ext>
+                </a:extLst>
+              </a:tr>
+              <a:tr h="0">
+                <a:tc>
+                  <a:txBody>
+                    <a:bodyPr/>
+                    <a:lstStyle/>
+                    <a:p>
+                      <a:pPr>
+                        <a:lnSpc>
+                          <a:spcPct val="107000"/>
+                        </a:lnSpc>
+                        <a:spcAft>
+                          <a:spcPts val="800"/>
+                        </a:spcAft>
+                      </a:pPr>
+                      <a:r>
+                        <a:rPr lang="es-ES" sz="1100" b="0">
+                          <a:solidFill>
+                            <a:schemeClr val="tx1"/>
+                          </a:solidFill>
+                          <a:effectLst/>
+                        </a:rPr>
+                        <a:t>Caducidad (Date)</a:t>
+                      </a:r>
+                      <a:endParaRPr lang="es-ES" sz="1100" b="0">
+                        <a:solidFill>
+                          <a:schemeClr val="tx1"/>
+                        </a:solidFill>
+                        <a:effectLst/>
+                        <a:latin typeface="Calibri" panose="020F0502020204030204" pitchFamily="34" charset="0"/>
+                        <a:ea typeface="Calibri" panose="020F0502020204030204" pitchFamily="34" charset="0"/>
+                        <a:cs typeface="Times New Roman" panose="02020603050405020304" pitchFamily="18" charset="0"/>
+                      </a:endParaRPr>
+                    </a:p>
+                  </a:txBody>
+                  <a:tcPr marL="68580" marR="68580" marT="0" marB="0">
+                    <a:lnL w="12700" cap="flat" cmpd="sng" algn="ctr">
+                      <a:solidFill>
+                        <a:schemeClr val="tx1"/>
+                      </a:solidFill>
+                      <a:prstDash val="solid"/>
+                      <a:round/>
+                      <a:headEnd type="none" w="med" len="med"/>
+                      <a:tailEnd type="none" w="med" len="med"/>
+                    </a:lnL>
+                    <a:lnR w="12700" cap="flat" cmpd="sng" algn="ctr">
+                      <a:solidFill>
+                        <a:schemeClr val="tx1"/>
+                      </a:solidFill>
+                      <a:prstDash val="solid"/>
+                      <a:round/>
+                      <a:headEnd type="none" w="med" len="med"/>
+                      <a:tailEnd type="none" w="med" len="med"/>
+                    </a:lnR>
+                    <a:noFill/>
+                  </a:tcPr>
+                </a:tc>
+                <a:extLst>
+                  <a:ext uri="{0D108BD9-81ED-4DB2-BD59-A6C34878D82A}">
+                    <a16:rowId xmlns:a16="http://schemas.microsoft.com/office/drawing/2014/main" val="2756577630"/>
+                  </a:ext>
+                </a:extLst>
+              </a:tr>
+              <a:tr h="0">
+                <a:tc>
+                  <a:txBody>
+                    <a:bodyPr/>
+                    <a:lstStyle/>
+                    <a:p>
+                      <a:pPr>
+                        <a:lnSpc>
+                          <a:spcPct val="107000"/>
+                        </a:lnSpc>
+                        <a:spcAft>
+                          <a:spcPts val="800"/>
+                        </a:spcAft>
+                      </a:pPr>
+                      <a:r>
+                        <a:rPr lang="es-ES" sz="1100" b="0" dirty="0">
+                          <a:solidFill>
+                            <a:schemeClr val="tx1"/>
+                          </a:solidFill>
+                          <a:effectLst/>
+                        </a:rPr>
+                        <a:t>CCV (</a:t>
+                      </a:r>
+                      <a:r>
+                        <a:rPr lang="es-ES" sz="1100" b="0" dirty="0" err="1">
+                          <a:solidFill>
+                            <a:schemeClr val="tx1"/>
+                          </a:solidFill>
+                          <a:effectLst/>
+                        </a:rPr>
+                        <a:t>int</a:t>
+                      </a:r>
+                      <a:r>
+                        <a:rPr lang="es-ES" sz="1100" b="0" dirty="0">
+                          <a:solidFill>
+                            <a:schemeClr val="tx1"/>
+                          </a:solidFill>
+                          <a:effectLst/>
+                        </a:rPr>
+                        <a:t>)</a:t>
+                      </a:r>
+                      <a:endParaRPr lang="es-ES" sz="1100" b="0" dirty="0">
+                        <a:solidFill>
+                          <a:schemeClr val="tx1"/>
+                        </a:solidFill>
+                        <a:effectLst/>
+                        <a:latin typeface="Calibri" panose="020F0502020204030204" pitchFamily="34" charset="0"/>
+                        <a:ea typeface="Calibri" panose="020F0502020204030204" pitchFamily="34" charset="0"/>
+                        <a:cs typeface="Times New Roman" panose="02020603050405020304" pitchFamily="18" charset="0"/>
+                      </a:endParaRPr>
+                    </a:p>
+                  </a:txBody>
+                  <a:tcPr marL="68580" marR="68580" marT="0" marB="0">
+                    <a:lnL w="12700" cap="flat" cmpd="sng" algn="ctr">
+                      <a:solidFill>
+                        <a:schemeClr val="tx1"/>
+                      </a:solidFill>
+                      <a:prstDash val="solid"/>
+                      <a:round/>
+                      <a:headEnd type="none" w="med" len="med"/>
+                      <a:tailEnd type="none" w="med" len="med"/>
+                    </a:lnL>
+                    <a:lnR w="12700" cap="flat" cmpd="sng" algn="ctr">
+                      <a:solidFill>
+                        <a:schemeClr val="tx1"/>
+                      </a:solidFill>
+                      <a:prstDash val="solid"/>
+                      <a:round/>
+                      <a:headEnd type="none" w="med" len="med"/>
+                      <a:tailEnd type="none" w="med" len="med"/>
+                    </a:lnR>
+                    <a:lnB w="12700" cap="flat" cmpd="sng" algn="ctr">
+                      <a:solidFill>
+                        <a:schemeClr val="tx1"/>
+                      </a:solidFill>
+                      <a:prstDash val="solid"/>
+                      <a:round/>
+                      <a:headEnd type="none" w="med" len="med"/>
+                      <a:tailEnd type="none" w="med" len="med"/>
+                    </a:lnB>
+                    <a:noFill/>
+                  </a:tcPr>
+                </a:tc>
+                <a:extLst>
+                  <a:ext uri="{0D108BD9-81ED-4DB2-BD59-A6C34878D82A}">
+                    <a16:rowId xmlns:a16="http://schemas.microsoft.com/office/drawing/2014/main" val="3036289727"/>
+                  </a:ext>
+                </a:extLst>
+              </a:tr>
+            </a:tbl>
+          </a:graphicData>
+        </a:graphic>
+      </p:graphicFrame>
+      <p:grpSp>
+        <p:nvGrpSpPr>
+          <p:cNvPr id="113" name="Grupo 112">
+            <a:extLst>
+              <a:ext uri="{FF2B5EF4-FFF2-40B4-BE49-F238E27FC236}">
+                <a16:creationId xmlns:a16="http://schemas.microsoft.com/office/drawing/2014/main" id="{2133EC26-BE9C-4CBB-B4E7-96AADC8C64B3}"/>
+              </a:ext>
+            </a:extLst>
+          </p:cNvPr>
+          <p:cNvGrpSpPr/>
+          <p:nvPr/>
+        </p:nvGrpSpPr>
+        <p:grpSpPr>
+          <a:xfrm rot="5400000">
+            <a:off x="2120605" y="2290562"/>
+            <a:ext cx="208671" cy="150125"/>
+            <a:chOff x="4185313" y="1108364"/>
+            <a:chExt cx="308755" cy="347397"/>
+          </a:xfrm>
+        </p:grpSpPr>
+        <p:cxnSp>
+          <p:nvCxnSpPr>
+            <p:cNvPr id="114" name="Conector recto 113">
+              <a:extLst>
+                <a:ext uri="{FF2B5EF4-FFF2-40B4-BE49-F238E27FC236}">
+                  <a16:creationId xmlns:a16="http://schemas.microsoft.com/office/drawing/2014/main" id="{F30E899A-3A12-F126-E31F-9835A75D21A5}"/>
+                </a:ext>
+              </a:extLst>
+            </p:cNvPr>
+            <p:cNvCxnSpPr>
+              <a:cxnSpLocks/>
+            </p:cNvCxnSpPr>
+            <p:nvPr/>
+          </p:nvCxnSpPr>
+          <p:spPr>
+            <a:xfrm>
+              <a:off x="4338205" y="1108364"/>
+              <a:ext cx="0" cy="346363"/>
+            </a:xfrm>
+            <a:prstGeom prst="line">
+              <a:avLst/>
+            </a:prstGeom>
+            <a:ln w="9525">
+              <a:solidFill>
+                <a:schemeClr val="tx1"/>
+              </a:solidFill>
+            </a:ln>
+          </p:spPr>
+          <p:style>
+            <a:lnRef idx="1">
+              <a:schemeClr val="accent1"/>
+            </a:lnRef>
+            <a:fillRef idx="0">
+              <a:schemeClr val="accent1"/>
+            </a:fillRef>
+            <a:effectRef idx="0">
+              <a:schemeClr val="accent1"/>
+            </a:effectRef>
+            <a:fontRef idx="minor">
+              <a:schemeClr val="tx1"/>
+            </a:fontRef>
+          </p:style>
+        </p:cxnSp>
+        <p:cxnSp>
+          <p:nvCxnSpPr>
+            <p:cNvPr id="116" name="Conector recto 115">
+              <a:extLst>
+                <a:ext uri="{FF2B5EF4-FFF2-40B4-BE49-F238E27FC236}">
+                  <a16:creationId xmlns:a16="http://schemas.microsoft.com/office/drawing/2014/main" id="{A28450D0-D874-47C8-E2E0-5DC8830D14EE}"/>
+                </a:ext>
+              </a:extLst>
+            </p:cNvPr>
+            <p:cNvCxnSpPr>
+              <a:cxnSpLocks/>
+            </p:cNvCxnSpPr>
+            <p:nvPr/>
+          </p:nvCxnSpPr>
+          <p:spPr>
+            <a:xfrm>
+              <a:off x="4338205" y="1108364"/>
+              <a:ext cx="155863" cy="346363"/>
+            </a:xfrm>
+            <a:prstGeom prst="line">
+              <a:avLst/>
+            </a:prstGeom>
+            <a:ln w="9525">
+              <a:solidFill>
+                <a:schemeClr val="tx1"/>
+              </a:solidFill>
+            </a:ln>
+          </p:spPr>
+          <p:style>
+            <a:lnRef idx="1">
+              <a:schemeClr val="accent1"/>
+            </a:lnRef>
+            <a:fillRef idx="0">
+              <a:schemeClr val="accent1"/>
+            </a:fillRef>
+            <a:effectRef idx="0">
+              <a:schemeClr val="accent1"/>
+            </a:effectRef>
+            <a:fontRef idx="minor">
+              <a:schemeClr val="tx1"/>
+            </a:fontRef>
+          </p:style>
+        </p:cxnSp>
+        <p:cxnSp>
+          <p:nvCxnSpPr>
+            <p:cNvPr id="117" name="Conector recto 116">
+              <a:extLst>
+                <a:ext uri="{FF2B5EF4-FFF2-40B4-BE49-F238E27FC236}">
+                  <a16:creationId xmlns:a16="http://schemas.microsoft.com/office/drawing/2014/main" id="{D5FCC34A-AE3D-68AF-3D54-D48CE94B901C}"/>
+                </a:ext>
+              </a:extLst>
+            </p:cNvPr>
+            <p:cNvCxnSpPr>
+              <a:cxnSpLocks/>
+            </p:cNvCxnSpPr>
+            <p:nvPr/>
+          </p:nvCxnSpPr>
+          <p:spPr>
+            <a:xfrm flipH="1">
+              <a:off x="4185313" y="1108364"/>
+              <a:ext cx="152892" cy="347397"/>
+            </a:xfrm>
+            <a:prstGeom prst="line">
+              <a:avLst/>
+            </a:prstGeom>
+            <a:ln w="9525">
+              <a:solidFill>
+                <a:schemeClr val="tx1"/>
+              </a:solidFill>
+            </a:ln>
+          </p:spPr>
+          <p:style>
+            <a:lnRef idx="1">
+              <a:schemeClr val="accent1"/>
+            </a:lnRef>
+            <a:fillRef idx="0">
+              <a:schemeClr val="accent1"/>
+            </a:fillRef>
+            <a:effectRef idx="0">
+              <a:schemeClr val="accent1"/>
+            </a:effectRef>
+            <a:fontRef idx="minor">
+              <a:schemeClr val="tx1"/>
+            </a:fontRef>
+          </p:style>
+        </p:cxnSp>
+      </p:grpSp>
+      <p:cxnSp>
+        <p:nvCxnSpPr>
+          <p:cNvPr id="119" name="Conector recto 118">
+            <a:extLst>
+              <a:ext uri="{FF2B5EF4-FFF2-40B4-BE49-F238E27FC236}">
+                <a16:creationId xmlns:a16="http://schemas.microsoft.com/office/drawing/2014/main" id="{C9DD186C-E2F6-337E-9BE0-B42AE67562BC}"/>
+              </a:ext>
+            </a:extLst>
+          </p:cNvPr>
+          <p:cNvCxnSpPr>
+            <a:cxnSpLocks/>
+          </p:cNvCxnSpPr>
+          <p:nvPr/>
+        </p:nvCxnSpPr>
+        <p:spPr>
+          <a:xfrm>
+            <a:off x="95624" y="2175083"/>
+            <a:ext cx="243140" cy="0"/>
+          </a:xfrm>
+          <a:prstGeom prst="line">
+            <a:avLst/>
+          </a:prstGeom>
+          <a:ln w="9525"/>
+        </p:spPr>
+        <p:style>
+          <a:lnRef idx="1">
+            <a:schemeClr val="dk1"/>
+          </a:lnRef>
+          <a:fillRef idx="0">
+            <a:schemeClr val="dk1"/>
+          </a:fillRef>
+          <a:effectRef idx="0">
+            <a:schemeClr val="dk1"/>
+          </a:effectRef>
+          <a:fontRef idx="minor">
+            <a:schemeClr val="tx1"/>
+          </a:fontRef>
+        </p:style>
+      </p:cxnSp>
+      <p:cxnSp>
+        <p:nvCxnSpPr>
+          <p:cNvPr id="120" name="Conector recto 119">
+            <a:extLst>
+              <a:ext uri="{FF2B5EF4-FFF2-40B4-BE49-F238E27FC236}">
+                <a16:creationId xmlns:a16="http://schemas.microsoft.com/office/drawing/2014/main" id="{2E8D203B-342F-E810-1E28-3969A525C99C}"/>
+              </a:ext>
+            </a:extLst>
+          </p:cNvPr>
+          <p:cNvCxnSpPr>
+            <a:cxnSpLocks/>
+          </p:cNvCxnSpPr>
+          <p:nvPr/>
+        </p:nvCxnSpPr>
+        <p:spPr>
+          <a:xfrm>
+            <a:off x="263172" y="2093300"/>
+            <a:ext cx="0" cy="163566"/>
+          </a:xfrm>
+          <a:prstGeom prst="line">
+            <a:avLst/>
+          </a:prstGeom>
+          <a:ln w="9525"/>
+        </p:spPr>
+        <p:style>
+          <a:lnRef idx="1">
+            <a:schemeClr val="dk1"/>
+          </a:lnRef>
+          <a:fillRef idx="0">
+            <a:schemeClr val="dk1"/>
+          </a:fillRef>
+          <a:effectRef idx="0">
+            <a:schemeClr val="dk1"/>
+          </a:effectRef>
+          <a:fontRef idx="minor">
+            <a:schemeClr val="tx1"/>
+          </a:fontRef>
+        </p:style>
+      </p:cxnSp>
+      <p:cxnSp>
+        <p:nvCxnSpPr>
+          <p:cNvPr id="122" name="Conector recto 121">
+            <a:extLst>
+              <a:ext uri="{FF2B5EF4-FFF2-40B4-BE49-F238E27FC236}">
+                <a16:creationId xmlns:a16="http://schemas.microsoft.com/office/drawing/2014/main" id="{3BA426F8-DD6C-EF13-010A-2E890CE12420}"/>
+              </a:ext>
+            </a:extLst>
+          </p:cNvPr>
+          <p:cNvCxnSpPr>
+            <a:cxnSpLocks/>
+          </p:cNvCxnSpPr>
+          <p:nvPr/>
+        </p:nvCxnSpPr>
+        <p:spPr>
+          <a:xfrm flipV="1">
+            <a:off x="95624" y="398445"/>
+            <a:ext cx="0" cy="1776638"/>
+          </a:xfrm>
+          <a:prstGeom prst="line">
+            <a:avLst/>
+          </a:prstGeom>
+          <a:ln w="9525"/>
+        </p:spPr>
+        <p:style>
+          <a:lnRef idx="1">
+            <a:schemeClr val="dk1"/>
+          </a:lnRef>
+          <a:fillRef idx="0">
+            <a:schemeClr val="dk1"/>
+          </a:fillRef>
+          <a:effectRef idx="0">
+            <a:schemeClr val="dk1"/>
+          </a:effectRef>
+          <a:fontRef idx="minor">
+            <a:schemeClr val="tx1"/>
+          </a:fontRef>
+        </p:style>
+      </p:cxnSp>
+      <p:cxnSp>
+        <p:nvCxnSpPr>
+          <p:cNvPr id="125" name="Conector recto 124">
+            <a:extLst>
+              <a:ext uri="{FF2B5EF4-FFF2-40B4-BE49-F238E27FC236}">
+                <a16:creationId xmlns:a16="http://schemas.microsoft.com/office/drawing/2014/main" id="{BF42BA72-261D-C5A1-8E1B-BCB0B697E6F5}"/>
+              </a:ext>
+            </a:extLst>
+          </p:cNvPr>
+          <p:cNvCxnSpPr>
+            <a:cxnSpLocks/>
+          </p:cNvCxnSpPr>
+          <p:nvPr/>
+        </p:nvCxnSpPr>
+        <p:spPr>
+          <a:xfrm>
+            <a:off x="95624" y="398445"/>
+            <a:ext cx="10207811" cy="0"/>
+          </a:xfrm>
+          <a:prstGeom prst="line">
+            <a:avLst/>
+          </a:prstGeom>
+          <a:ln w="9525"/>
+        </p:spPr>
+        <p:style>
+          <a:lnRef idx="1">
+            <a:schemeClr val="dk1"/>
+          </a:lnRef>
+          <a:fillRef idx="0">
+            <a:schemeClr val="dk1"/>
+          </a:fillRef>
+          <a:effectRef idx="0">
+            <a:schemeClr val="dk1"/>
+          </a:effectRef>
+          <a:fontRef idx="minor">
+            <a:schemeClr val="tx1"/>
+          </a:fontRef>
+        </p:style>
+      </p:cxnSp>
+      <p:cxnSp>
+        <p:nvCxnSpPr>
+          <p:cNvPr id="129" name="Conector recto 128">
+            <a:extLst>
+              <a:ext uri="{FF2B5EF4-FFF2-40B4-BE49-F238E27FC236}">
+                <a16:creationId xmlns:a16="http://schemas.microsoft.com/office/drawing/2014/main" id="{47406A8A-2F89-46BF-AD00-DB04DD8EA8E9}"/>
+              </a:ext>
+            </a:extLst>
+          </p:cNvPr>
+          <p:cNvCxnSpPr>
+            <a:cxnSpLocks/>
+          </p:cNvCxnSpPr>
+          <p:nvPr/>
+        </p:nvCxnSpPr>
+        <p:spPr>
+          <a:xfrm flipV="1">
+            <a:off x="10303435" y="398445"/>
+            <a:ext cx="0" cy="2503996"/>
+          </a:xfrm>
+          <a:prstGeom prst="line">
+            <a:avLst/>
+          </a:prstGeom>
+          <a:ln w="9525"/>
+        </p:spPr>
+        <p:style>
+          <a:lnRef idx="1">
+            <a:schemeClr val="dk1"/>
+          </a:lnRef>
+          <a:fillRef idx="0">
+            <a:schemeClr val="dk1"/>
+          </a:fillRef>
+          <a:effectRef idx="0">
+            <a:schemeClr val="dk1"/>
+          </a:effectRef>
+          <a:fontRef idx="minor">
+            <a:schemeClr val="tx1"/>
+          </a:fontRef>
+        </p:style>
+      </p:cxnSp>
+      <p:cxnSp>
+        <p:nvCxnSpPr>
+          <p:cNvPr id="131" name="Conector recto 130">
+            <a:extLst>
+              <a:ext uri="{FF2B5EF4-FFF2-40B4-BE49-F238E27FC236}">
+                <a16:creationId xmlns:a16="http://schemas.microsoft.com/office/drawing/2014/main" id="{B51B6146-AC0E-E0ED-7737-E42359D357AC}"/>
+              </a:ext>
+            </a:extLst>
+          </p:cNvPr>
+          <p:cNvCxnSpPr>
+            <a:cxnSpLocks/>
+          </p:cNvCxnSpPr>
+          <p:nvPr/>
+        </p:nvCxnSpPr>
+        <p:spPr>
+          <a:xfrm>
+            <a:off x="9626221" y="2902441"/>
+            <a:ext cx="677214" cy="0"/>
+          </a:xfrm>
+          <a:prstGeom prst="line">
+            <a:avLst/>
+          </a:prstGeom>
+          <a:ln w="9525"/>
+        </p:spPr>
+        <p:style>
+          <a:lnRef idx="1">
+            <a:schemeClr val="dk1"/>
+          </a:lnRef>
+          <a:fillRef idx="0">
+            <a:schemeClr val="dk1"/>
+          </a:fillRef>
+          <a:effectRef idx="0">
+            <a:schemeClr val="dk1"/>
+          </a:effectRef>
+          <a:fontRef idx="minor">
+            <a:schemeClr val="tx1"/>
+          </a:fontRef>
+        </p:style>
+      </p:cxnSp>
+      <p:grpSp>
+        <p:nvGrpSpPr>
+          <p:cNvPr id="134" name="Grupo 133">
+            <a:extLst>
+              <a:ext uri="{FF2B5EF4-FFF2-40B4-BE49-F238E27FC236}">
+                <a16:creationId xmlns:a16="http://schemas.microsoft.com/office/drawing/2014/main" id="{BA8CB3FB-058C-B0CE-40AE-EDE8CF223AF2}"/>
+              </a:ext>
+            </a:extLst>
+          </p:cNvPr>
+          <p:cNvGrpSpPr/>
+          <p:nvPr/>
+        </p:nvGrpSpPr>
+        <p:grpSpPr>
+          <a:xfrm rot="5400000">
+            <a:off x="9599579" y="2828872"/>
+            <a:ext cx="208671" cy="150125"/>
+            <a:chOff x="4185313" y="1108364"/>
+            <a:chExt cx="308755" cy="347397"/>
+          </a:xfrm>
+        </p:grpSpPr>
+        <p:cxnSp>
+          <p:nvCxnSpPr>
+            <p:cNvPr id="135" name="Conector recto 134">
+              <a:extLst>
+                <a:ext uri="{FF2B5EF4-FFF2-40B4-BE49-F238E27FC236}">
+                  <a16:creationId xmlns:a16="http://schemas.microsoft.com/office/drawing/2014/main" id="{5E45FA72-97E3-580D-2EA9-6D242077ABF7}"/>
+                </a:ext>
+              </a:extLst>
+            </p:cNvPr>
+            <p:cNvCxnSpPr>
+              <a:cxnSpLocks/>
+            </p:cNvCxnSpPr>
+            <p:nvPr/>
+          </p:nvCxnSpPr>
+          <p:spPr>
+            <a:xfrm>
+              <a:off x="4338205" y="1108364"/>
+              <a:ext cx="0" cy="346363"/>
+            </a:xfrm>
+            <a:prstGeom prst="line">
+              <a:avLst/>
+            </a:prstGeom>
+            <a:ln w="9525">
+              <a:solidFill>
+                <a:schemeClr val="tx1"/>
+              </a:solidFill>
+            </a:ln>
+          </p:spPr>
+          <p:style>
+            <a:lnRef idx="1">
+              <a:schemeClr val="accent1"/>
+            </a:lnRef>
+            <a:fillRef idx="0">
+              <a:schemeClr val="accent1"/>
+            </a:fillRef>
+            <a:effectRef idx="0">
+              <a:schemeClr val="accent1"/>
+            </a:effectRef>
+            <a:fontRef idx="minor">
+              <a:schemeClr val="tx1"/>
+            </a:fontRef>
+          </p:style>
+        </p:cxnSp>
+        <p:cxnSp>
+          <p:nvCxnSpPr>
+            <p:cNvPr id="136" name="Conector recto 135">
+              <a:extLst>
+                <a:ext uri="{FF2B5EF4-FFF2-40B4-BE49-F238E27FC236}">
+                  <a16:creationId xmlns:a16="http://schemas.microsoft.com/office/drawing/2014/main" id="{E2BA1587-0A45-E35D-2CD3-0D01558CD210}"/>
+                </a:ext>
+              </a:extLst>
+            </p:cNvPr>
+            <p:cNvCxnSpPr>
+              <a:cxnSpLocks/>
+            </p:cNvCxnSpPr>
+            <p:nvPr/>
+          </p:nvCxnSpPr>
+          <p:spPr>
+            <a:xfrm>
+              <a:off x="4338205" y="1108364"/>
+              <a:ext cx="155863" cy="346363"/>
+            </a:xfrm>
+            <a:prstGeom prst="line">
+              <a:avLst/>
+            </a:prstGeom>
+            <a:ln w="9525">
+              <a:solidFill>
+                <a:schemeClr val="tx1"/>
+              </a:solidFill>
+            </a:ln>
+          </p:spPr>
+          <p:style>
+            <a:lnRef idx="1">
+              <a:schemeClr val="accent1"/>
+            </a:lnRef>
+            <a:fillRef idx="0">
+              <a:schemeClr val="accent1"/>
+            </a:fillRef>
+            <a:effectRef idx="0">
+              <a:schemeClr val="accent1"/>
+            </a:effectRef>
+            <a:fontRef idx="minor">
+              <a:schemeClr val="tx1"/>
+            </a:fontRef>
+          </p:style>
+        </p:cxnSp>
+        <p:cxnSp>
+          <p:nvCxnSpPr>
+            <p:cNvPr id="137" name="Conector recto 136">
+              <a:extLst>
+                <a:ext uri="{FF2B5EF4-FFF2-40B4-BE49-F238E27FC236}">
+                  <a16:creationId xmlns:a16="http://schemas.microsoft.com/office/drawing/2014/main" id="{5D3D6486-AFB9-2F1C-9C6F-394DCEA72190}"/>
+                </a:ext>
+              </a:extLst>
+            </p:cNvPr>
+            <p:cNvCxnSpPr>
+              <a:cxnSpLocks/>
+            </p:cNvCxnSpPr>
+            <p:nvPr/>
+          </p:nvCxnSpPr>
+          <p:spPr>
+            <a:xfrm flipH="1">
+              <a:off x="4185313" y="1108364"/>
+              <a:ext cx="152892" cy="347397"/>
+            </a:xfrm>
+            <a:prstGeom prst="line">
+              <a:avLst/>
+            </a:prstGeom>
+            <a:ln w="9525">
+              <a:solidFill>
+                <a:schemeClr val="tx1"/>
+              </a:solidFill>
+            </a:ln>
+          </p:spPr>
+          <p:style>
+            <a:lnRef idx="1">
+              <a:schemeClr val="accent1"/>
+            </a:lnRef>
+            <a:fillRef idx="0">
+              <a:schemeClr val="accent1"/>
+            </a:fillRef>
+            <a:effectRef idx="0">
+              <a:schemeClr val="accent1"/>
+            </a:effectRef>
+            <a:fontRef idx="minor">
+              <a:schemeClr val="tx1"/>
+            </a:fontRef>
+          </p:style>
+        </p:cxnSp>
+      </p:grpSp>
     </p:spTree>
     <p:extLst>
       <p:ext uri="{BB962C8B-B14F-4D97-AF65-F5344CB8AC3E}">
         <p14:creationId xmlns:p14="http://schemas.microsoft.com/office/powerpoint/2010/main" val="1581111409"/>
+      </p:ext>
+    </p:extLst>
+  </p:cSld>
+  <p:clrMapOvr>
+    <a:masterClrMapping/>
+  </p:clrMapOvr>
+</p:sld>
+</file>
+
+<file path=ppt/slides/slide3.xml><?xml version="1.0" encoding="utf-8"?>
+<p:sld xmlns:a="http://schemas.openxmlformats.org/drawingml/2006/main" xmlns:r="http://schemas.openxmlformats.org/officeDocument/2006/relationships" xmlns:p="http://schemas.openxmlformats.org/presentationml/2006/main">
+  <p:cSld>
+    <p:spTree>
+      <p:nvGrpSpPr>
+        <p:cNvPr id="1" name=""/>
+        <p:cNvGrpSpPr/>
+        <p:nvPr/>
+      </p:nvGrpSpPr>
+      <p:grpSpPr>
+        <a:xfrm>
+          <a:off x="0" y="0"/>
+          <a:ext cx="0" cy="0"/>
+          <a:chOff x="0" y="0"/>
+          <a:chExt cx="0" cy="0"/>
+        </a:xfrm>
+      </p:grpSpPr>
+      <p:grpSp>
+        <p:nvGrpSpPr>
+          <p:cNvPr id="5" name="Grupo 4">
+            <a:extLst>
+              <a:ext uri="{FF2B5EF4-FFF2-40B4-BE49-F238E27FC236}">
+                <a16:creationId xmlns:a16="http://schemas.microsoft.com/office/drawing/2014/main" id="{628A36EF-6EF3-5EF2-649D-F0322A7DFE1F}"/>
+              </a:ext>
+            </a:extLst>
+          </p:cNvPr>
+          <p:cNvGrpSpPr/>
+          <p:nvPr/>
+        </p:nvGrpSpPr>
+        <p:grpSpPr>
+          <a:xfrm>
+            <a:off x="4724400" y="1276350"/>
+            <a:ext cx="2743200" cy="2300704"/>
+            <a:chOff x="4724400" y="1276350"/>
+            <a:chExt cx="2743200" cy="2300704"/>
+          </a:xfrm>
+        </p:grpSpPr>
+        <p:pic>
+          <p:nvPicPr>
+            <p:cNvPr id="3" name="Imagen 2">
+              <a:extLst>
+                <a:ext uri="{FF2B5EF4-FFF2-40B4-BE49-F238E27FC236}">
+                  <a16:creationId xmlns:a16="http://schemas.microsoft.com/office/drawing/2014/main" id="{DBFC3F4C-994B-2739-9B9B-47427CCA0223}"/>
+                </a:ext>
+              </a:extLst>
+            </p:cNvPr>
+            <p:cNvPicPr>
+              <a:picLocks noChangeAspect="1"/>
+            </p:cNvPicPr>
+            <p:nvPr/>
+          </p:nvPicPr>
+          <p:blipFill>
+            <a:blip r:embed="rId2"/>
+            <a:stretch>
+              <a:fillRect/>
+            </a:stretch>
+          </p:blipFill>
+          <p:spPr>
+            <a:xfrm>
+              <a:off x="4724400" y="1276350"/>
+              <a:ext cx="2743200" cy="1962150"/>
+            </a:xfrm>
+            <a:prstGeom prst="rect">
+              <a:avLst/>
+            </a:prstGeom>
+          </p:spPr>
+        </p:pic>
+        <p:sp>
+          <p:nvSpPr>
+            <p:cNvPr id="4" name="CuadroTexto 3">
+              <a:extLst>
+                <a:ext uri="{FF2B5EF4-FFF2-40B4-BE49-F238E27FC236}">
+                  <a16:creationId xmlns:a16="http://schemas.microsoft.com/office/drawing/2014/main" id="{D61015A5-4350-23CF-2755-EABC56AAE8DD}"/>
+                </a:ext>
+              </a:extLst>
+            </p:cNvPr>
+            <p:cNvSpPr txBox="1"/>
+            <p:nvPr/>
+          </p:nvSpPr>
+          <p:spPr>
+            <a:xfrm>
+              <a:off x="5024438" y="3238500"/>
+              <a:ext cx="2143125" cy="338554"/>
+            </a:xfrm>
+            <a:prstGeom prst="rect">
+              <a:avLst/>
+            </a:prstGeom>
+            <a:noFill/>
+          </p:spPr>
+          <p:txBody>
+            <a:bodyPr wrap="square" rtlCol="0">
+              <a:spAutoFit/>
+            </a:bodyPr>
+            <a:lstStyle/>
+            <a:p>
+              <a:r>
+                <a:rPr lang="es-ES" sz="1600" b="1" dirty="0" err="1">
+                  <a:latin typeface="Verdana" panose="020B0604030504040204" pitchFamily="34" charset="0"/>
+                  <a:ea typeface="Verdana" panose="020B0604030504040204" pitchFamily="34" charset="0"/>
+                </a:rPr>
+                <a:t>MyShop</a:t>
+              </a:r>
+              <a:r>
+                <a:rPr lang="es-ES" sz="1600" b="1" dirty="0">
+                  <a:latin typeface="Verdana" panose="020B0604030504040204" pitchFamily="34" charset="0"/>
+                  <a:ea typeface="Verdana" panose="020B0604030504040204" pitchFamily="34" charset="0"/>
+                </a:rPr>
+                <a:t> </a:t>
+              </a:r>
+              <a:r>
+                <a:rPr lang="es-ES" sz="1600" b="1" i="1" dirty="0" err="1">
+                  <a:latin typeface="Arial" panose="020B0604020202020204" pitchFamily="34" charset="0"/>
+                  <a:ea typeface="Verdana" panose="020B0604030504040204" pitchFamily="34" charset="0"/>
+                  <a:cs typeface="Arial" panose="020B0604020202020204" pitchFamily="34" charset="0"/>
+                </a:rPr>
+                <a:t>OnLine</a:t>
+              </a:r>
+              <a:endParaRPr lang="es-ES" sz="1600" b="1" i="1" dirty="0">
+                <a:latin typeface="Arial" panose="020B0604020202020204" pitchFamily="34" charset="0"/>
+                <a:ea typeface="Verdana" panose="020B0604030504040204" pitchFamily="34" charset="0"/>
+                <a:cs typeface="Arial" panose="020B0604020202020204" pitchFamily="34" charset="0"/>
+              </a:endParaRPr>
+            </a:p>
+          </p:txBody>
+        </p:sp>
+      </p:grpSp>
+    </p:spTree>
+    <p:extLst>
+      <p:ext uri="{BB962C8B-B14F-4D97-AF65-F5344CB8AC3E}">
+        <p14:creationId xmlns:p14="http://schemas.microsoft.com/office/powerpoint/2010/main" val="2125856395"/>
       </p:ext>
     </p:extLst>
   </p:cSld>
